--- a/app/assets/docs/Missing Maps presentation deck_msft.pptx
+++ b/app/assets/docs/Missing Maps presentation deck_msft.pptx
@@ -5,25 +5,24 @@
     <p:sldMasterId id="2147483831" r:id="rId4"/>
   </p:sldMasterIdLst>
   <p:notesMasterIdLst>
-    <p:notesMasterId r:id="rId13"/>
+    <p:notesMasterId r:id="rId12"/>
   </p:notesMasterIdLst>
   <p:handoutMasterIdLst>
-    <p:handoutMasterId r:id="rId14"/>
+    <p:handoutMasterId r:id="rId13"/>
   </p:handoutMasterIdLst>
   <p:sldIdLst>
-    <p:sldId id="384" r:id="rId5"/>
-    <p:sldId id="350" r:id="rId6"/>
-    <p:sldId id="381" r:id="rId7"/>
-    <p:sldId id="385" r:id="rId8"/>
-    <p:sldId id="353" r:id="rId9"/>
-    <p:sldId id="378" r:id="rId10"/>
-    <p:sldId id="357" r:id="rId11"/>
-    <p:sldId id="387" r:id="rId12"/>
+    <p:sldId id="350" r:id="rId5"/>
+    <p:sldId id="381" r:id="rId6"/>
+    <p:sldId id="385" r:id="rId7"/>
+    <p:sldId id="353" r:id="rId8"/>
+    <p:sldId id="378" r:id="rId9"/>
+    <p:sldId id="357" r:id="rId10"/>
+    <p:sldId id="387" r:id="rId11"/>
   </p:sldIdLst>
   <p:sldSz cx="12192000" cy="6858000"/>
   <p:notesSz cx="6858000" cy="9144000"/>
   <p:custDataLst>
-    <p:tags r:id="rId15"/>
+    <p:tags r:id="rId14"/>
   </p:custDataLst>
   <p:defaultTextStyle>
     <a:defPPr>
@@ -309,7 +308,7 @@
               <a:pPr>
                 <a:defRPr/>
               </a:pPr>
-              <a:t>9/25/2017</a:t>
+              <a:t>9/29/2017</a:t>
             </a:fld>
             <a:endParaRPr lang="en-US" dirty="0">
               <a:latin typeface="Arial" pitchFamily="34" charset="0"/>
@@ -533,7 +532,7 @@
               <a:pPr>
                 <a:defRPr/>
               </a:pPr>
-              <a:t>9/25/2017</a:t>
+              <a:t>9/29/2017</a:t>
             </a:fld>
             <a:endParaRPr lang="en-GB" dirty="0"/>
           </a:p>
@@ -914,7 +913,7 @@
     </p:spTree>
     <p:extLst>
       <p:ext uri="{BB962C8B-B14F-4D97-AF65-F5344CB8AC3E}">
-        <p14:creationId xmlns:p14="http://schemas.microsoft.com/office/powerpoint/2010/main" val="2157263071"/>
+        <p14:creationId xmlns:p14="http://schemas.microsoft.com/office/powerpoint/2010/main" val="373327739"/>
       </p:ext>
     </p:extLst>
   </p:cSld>
@@ -975,7 +974,7 @@
     </p:spTree>
     <p:extLst>
       <p:ext uri="{BB962C8B-B14F-4D97-AF65-F5344CB8AC3E}">
-        <p14:creationId xmlns:p14="http://schemas.microsoft.com/office/powerpoint/2010/main" val="373327739"/>
+        <p14:creationId xmlns:p14="http://schemas.microsoft.com/office/powerpoint/2010/main" val="1843012769"/>
       </p:ext>
     </p:extLst>
   </p:cSld>
@@ -1036,7 +1035,7 @@
     </p:spTree>
     <p:extLst>
       <p:ext uri="{BB962C8B-B14F-4D97-AF65-F5344CB8AC3E}">
-        <p14:creationId xmlns:p14="http://schemas.microsoft.com/office/powerpoint/2010/main" val="1843012769"/>
+        <p14:creationId xmlns:p14="http://schemas.microsoft.com/office/powerpoint/2010/main" val="3354279514"/>
       </p:ext>
     </p:extLst>
   </p:cSld>
@@ -1097,7 +1096,7 @@
     </p:spTree>
     <p:extLst>
       <p:ext uri="{BB962C8B-B14F-4D97-AF65-F5344CB8AC3E}">
-        <p14:creationId xmlns:p14="http://schemas.microsoft.com/office/powerpoint/2010/main" val="3354279514"/>
+        <p14:creationId xmlns:p14="http://schemas.microsoft.com/office/powerpoint/2010/main" val="3472574440"/>
       </p:ext>
     </p:extLst>
   </p:cSld>
@@ -1158,7 +1157,7 @@
     </p:spTree>
     <p:extLst>
       <p:ext uri="{BB962C8B-B14F-4D97-AF65-F5344CB8AC3E}">
-        <p14:creationId xmlns:p14="http://schemas.microsoft.com/office/powerpoint/2010/main" val="3472574440"/>
+        <p14:creationId xmlns:p14="http://schemas.microsoft.com/office/powerpoint/2010/main" val="1571692742"/>
       </p:ext>
     </p:extLst>
   </p:cSld>
@@ -1219,7 +1218,7 @@
     </p:spTree>
     <p:extLst>
       <p:ext uri="{BB962C8B-B14F-4D97-AF65-F5344CB8AC3E}">
-        <p14:creationId xmlns:p14="http://schemas.microsoft.com/office/powerpoint/2010/main" val="1571692742"/>
+        <p14:creationId xmlns:p14="http://schemas.microsoft.com/office/powerpoint/2010/main" val="3933276267"/>
       </p:ext>
     </p:extLst>
   </p:cSld>
@@ -1256,67 +1255,6 @@
             <p:ph type="sldImg"/>
           </p:nvPr>
         </p:nvSpPr>
-        <p:spPr/>
-      </p:sp>
-      <p:sp>
-        <p:nvSpPr>
-          <p:cNvPr id="3" name="Notes Placeholder 2"/>
-          <p:cNvSpPr>
-            <a:spLocks noGrp="1"/>
-          </p:cNvSpPr>
-          <p:nvPr>
-            <p:ph type="body" idx="1"/>
-          </p:nvPr>
-        </p:nvSpPr>
-        <p:spPr/>
-        <p:txBody>
-          <a:bodyPr/>
-          <a:lstStyle/>
-          <a:p>
-            <a:endParaRPr lang="en-US"/>
-          </a:p>
-        </p:txBody>
-      </p:sp>
-    </p:spTree>
-    <p:extLst>
-      <p:ext uri="{BB962C8B-B14F-4D97-AF65-F5344CB8AC3E}">
-        <p14:creationId xmlns:p14="http://schemas.microsoft.com/office/powerpoint/2010/main" val="3933276267"/>
-      </p:ext>
-    </p:extLst>
-  </p:cSld>
-  <p:clrMapOvr>
-    <a:masterClrMapping/>
-  </p:clrMapOvr>
-</p:notes>
-</file>
-
-<file path=ppt/notesSlides/notesSlide8.xml><?xml version="1.0" encoding="utf-8"?>
-<p:notes xmlns:a="http://schemas.openxmlformats.org/drawingml/2006/main" xmlns:r="http://schemas.openxmlformats.org/officeDocument/2006/relationships" xmlns:p="http://schemas.openxmlformats.org/presentationml/2006/main">
-  <p:cSld>
-    <p:spTree>
-      <p:nvGrpSpPr>
-        <p:cNvPr id="1" name=""/>
-        <p:cNvGrpSpPr/>
-        <p:nvPr/>
-      </p:nvGrpSpPr>
-      <p:grpSpPr>
-        <a:xfrm>
-          <a:off x="0" y="0"/>
-          <a:ext cx="0" cy="0"/>
-          <a:chOff x="0" y="0"/>
-          <a:chExt cx="0" cy="0"/>
-        </a:xfrm>
-      </p:grpSpPr>
-      <p:sp>
-        <p:nvSpPr>
-          <p:cNvPr id="2" name="Slide Image Placeholder 1"/>
-          <p:cNvSpPr>
-            <a:spLocks noGrp="1" noRot="1" noChangeAspect="1"/>
-          </p:cNvSpPr>
-          <p:nvPr>
-            <p:ph type="sldImg"/>
-          </p:nvPr>
-        </p:nvSpPr>
         <p:spPr>
           <a:xfrm>
             <a:off x="381000" y="685800"/>
@@ -1382,7 +1320,7 @@
               <a:pPr>
                 <a:defRPr/>
               </a:pPr>
-              <a:t>8</a:t>
+              <a:t>7</a:t>
             </a:fld>
             <a:endParaRPr lang="en-US"/>
           </a:p>
@@ -1532,7 +1470,7 @@
           <a:p>
             <a:fld id="{0F069A3C-2E8B-4392-AB6A-C96A40850A1F}" type="datetimeFigureOut">
               <a:rPr lang="en-US" smtClean="0"/>
-              <a:t>9/25/2017</a:t>
+              <a:t>9/29/2017</a:t>
             </a:fld>
             <a:endParaRPr lang="en-US"/>
           </a:p>
@@ -1702,7 +1640,7 @@
           <a:p>
             <a:fld id="{0F069A3C-2E8B-4392-AB6A-C96A40850A1F}" type="datetimeFigureOut">
               <a:rPr lang="en-US" smtClean="0"/>
-              <a:t>9/25/2017</a:t>
+              <a:t>9/29/2017</a:t>
             </a:fld>
             <a:endParaRPr lang="en-US"/>
           </a:p>
@@ -1882,7 +1820,7 @@
           <a:p>
             <a:fld id="{0F069A3C-2E8B-4392-AB6A-C96A40850A1F}" type="datetimeFigureOut">
               <a:rPr lang="en-US" smtClean="0"/>
-              <a:t>9/25/2017</a:t>
+              <a:t>9/29/2017</a:t>
             </a:fld>
             <a:endParaRPr lang="en-US"/>
           </a:p>
@@ -2052,7 +1990,7 @@
           <a:p>
             <a:fld id="{0F069A3C-2E8B-4392-AB6A-C96A40850A1F}" type="datetimeFigureOut">
               <a:rPr lang="en-US" smtClean="0"/>
-              <a:t>9/25/2017</a:t>
+              <a:t>9/29/2017</a:t>
             </a:fld>
             <a:endParaRPr lang="en-US"/>
           </a:p>
@@ -2298,7 +2236,7 @@
           <a:p>
             <a:fld id="{0F069A3C-2E8B-4392-AB6A-C96A40850A1F}" type="datetimeFigureOut">
               <a:rPr lang="en-US" smtClean="0"/>
-              <a:t>9/25/2017</a:t>
+              <a:t>9/29/2017</a:t>
             </a:fld>
             <a:endParaRPr lang="en-US"/>
           </a:p>
@@ -2530,7 +2468,7 @@
           <a:p>
             <a:fld id="{0F069A3C-2E8B-4392-AB6A-C96A40850A1F}" type="datetimeFigureOut">
               <a:rPr lang="en-US" smtClean="0"/>
-              <a:t>9/25/2017</a:t>
+              <a:t>9/29/2017</a:t>
             </a:fld>
             <a:endParaRPr lang="en-US"/>
           </a:p>
@@ -2897,7 +2835,7 @@
           <a:p>
             <a:fld id="{0F069A3C-2E8B-4392-AB6A-C96A40850A1F}" type="datetimeFigureOut">
               <a:rPr lang="en-US" smtClean="0"/>
-              <a:t>9/25/2017</a:t>
+              <a:t>9/29/2017</a:t>
             </a:fld>
             <a:endParaRPr lang="en-US"/>
           </a:p>
@@ -3015,7 +2953,7 @@
           <a:p>
             <a:fld id="{0F069A3C-2E8B-4392-AB6A-C96A40850A1F}" type="datetimeFigureOut">
               <a:rPr lang="en-US" smtClean="0"/>
-              <a:t>9/25/2017</a:t>
+              <a:t>9/29/2017</a:t>
             </a:fld>
             <a:endParaRPr lang="en-US"/>
           </a:p>
@@ -3110,7 +3048,7 @@
           <a:p>
             <a:fld id="{0F069A3C-2E8B-4392-AB6A-C96A40850A1F}" type="datetimeFigureOut">
               <a:rPr lang="en-US" smtClean="0"/>
-              <a:t>9/25/2017</a:t>
+              <a:t>9/29/2017</a:t>
             </a:fld>
             <a:endParaRPr lang="en-US"/>
           </a:p>
@@ -3387,7 +3325,7 @@
           <a:p>
             <a:fld id="{0F069A3C-2E8B-4392-AB6A-C96A40850A1F}" type="datetimeFigureOut">
               <a:rPr lang="en-US" smtClean="0"/>
-              <a:t>9/25/2017</a:t>
+              <a:t>9/29/2017</a:t>
             </a:fld>
             <a:endParaRPr lang="en-US"/>
           </a:p>
@@ -3644,7 +3582,7 @@
           <a:p>
             <a:fld id="{0F069A3C-2E8B-4392-AB6A-C96A40850A1F}" type="datetimeFigureOut">
               <a:rPr lang="en-US" smtClean="0"/>
-              <a:t>9/25/2017</a:t>
+              <a:t>9/29/2017</a:t>
             </a:fld>
             <a:endParaRPr lang="en-US"/>
           </a:p>
@@ -3857,7 +3795,7 @@
           <a:p>
             <a:fld id="{0F069A3C-2E8B-4392-AB6A-C96A40850A1F}" type="datetimeFigureOut">
               <a:rPr lang="en-US" smtClean="0"/>
-              <a:t>9/25/2017</a:t>
+              <a:t>9/29/2017</a:t>
             </a:fld>
             <a:endParaRPr lang="en-US"/>
           </a:p>
@@ -4264,63 +4202,6 @@
       </p:grpSpPr>
       <p:pic>
         <p:nvPicPr>
-          <p:cNvPr id="2" name="Picture 1"/>
-          <p:cNvPicPr>
-            <a:picLocks noChangeAspect="1"/>
-          </p:cNvPicPr>
-          <p:nvPr/>
-        </p:nvPicPr>
-        <p:blipFill>
-          <a:blip r:embed="rId3"/>
-          <a:stretch>
-            <a:fillRect/>
-          </a:stretch>
-        </p:blipFill>
-        <p:spPr>
-          <a:xfrm>
-            <a:off x="0" y="0"/>
-            <a:ext cx="12192000" cy="6858000"/>
-          </a:xfrm>
-          <a:prstGeom prst="rect">
-            <a:avLst/>
-          </a:prstGeom>
-          <a:solidFill>
-            <a:schemeClr val="tx1"/>
-          </a:solidFill>
-        </p:spPr>
-      </p:pic>
-    </p:spTree>
-    <p:extLst>
-      <p:ext uri="{BB962C8B-B14F-4D97-AF65-F5344CB8AC3E}">
-        <p14:creationId xmlns:p14="http://schemas.microsoft.com/office/powerpoint/2010/main" val="377967510"/>
-      </p:ext>
-    </p:extLst>
-  </p:cSld>
-  <p:clrMapOvr>
-    <a:masterClrMapping/>
-  </p:clrMapOvr>
-</p:sld>
-</file>
-
-<file path=ppt/slides/slide2.xml><?xml version="1.0" encoding="utf-8"?>
-<p:sld xmlns:a="http://schemas.openxmlformats.org/drawingml/2006/main" xmlns:r="http://schemas.openxmlformats.org/officeDocument/2006/relationships" xmlns:p="http://schemas.openxmlformats.org/presentationml/2006/main">
-  <p:cSld>
-    <p:spTree>
-      <p:nvGrpSpPr>
-        <p:cNvPr id="1" name=""/>
-        <p:cNvGrpSpPr/>
-        <p:nvPr/>
-      </p:nvGrpSpPr>
-      <p:grpSpPr>
-        <a:xfrm>
-          <a:off x="0" y="0"/>
-          <a:ext cx="0" cy="0"/>
-          <a:chOff x="0" y="0"/>
-          <a:chExt cx="0" cy="0"/>
-        </a:xfrm>
-      </p:grpSpPr>
-      <p:pic>
-        <p:nvPicPr>
           <p:cNvPr id="8" name="Picture 7"/>
           <p:cNvPicPr>
             <a:picLocks noChangeAspect="1"/>
@@ -4597,7 +4478,7 @@
 </p:sld>
 </file>
 
-<file path=ppt/slides/slide3.xml><?xml version="1.0" encoding="utf-8"?>
+<file path=ppt/slides/slide2.xml><?xml version="1.0" encoding="utf-8"?>
 <p:sld xmlns:a="http://schemas.openxmlformats.org/drawingml/2006/main" xmlns:r="http://schemas.openxmlformats.org/officeDocument/2006/relationships" xmlns:p="http://schemas.openxmlformats.org/presentationml/2006/main">
   <p:cSld>
     <p:spTree>
@@ -4983,7 +4864,7 @@
 </p:sld>
 </file>
 
-<file path=ppt/slides/slide4.xml><?xml version="1.0" encoding="utf-8"?>
+<file path=ppt/slides/slide3.xml><?xml version="1.0" encoding="utf-8"?>
 <p:sld xmlns:a="http://schemas.openxmlformats.org/drawingml/2006/main" xmlns:r="http://schemas.openxmlformats.org/officeDocument/2006/relationships" xmlns:p="http://schemas.openxmlformats.org/presentationml/2006/main">
   <p:cSld>
     <p:spTree>
@@ -5240,7 +5121,7 @@
 </p:sld>
 </file>
 
-<file path=ppt/slides/slide5.xml><?xml version="1.0" encoding="utf-8"?>
+<file path=ppt/slides/slide4.xml><?xml version="1.0" encoding="utf-8"?>
 <p:sld xmlns:a="http://schemas.openxmlformats.org/drawingml/2006/main" xmlns:r="http://schemas.openxmlformats.org/officeDocument/2006/relationships" xmlns:p="http://schemas.openxmlformats.org/presentationml/2006/main">
   <p:cSld>
     <p:spTree>
@@ -5696,7 +5577,7 @@
 </p:sld>
 </file>
 
-<file path=ppt/slides/slide6.xml><?xml version="1.0" encoding="utf-8"?>
+<file path=ppt/slides/slide5.xml><?xml version="1.0" encoding="utf-8"?>
 <p:sld xmlns:a="http://schemas.openxmlformats.org/drawingml/2006/main" xmlns:r="http://schemas.openxmlformats.org/officeDocument/2006/relationships" xmlns:p="http://schemas.openxmlformats.org/presentationml/2006/main">
   <p:cSld>
     <p:spTree>
@@ -5941,14 +5822,14 @@
           </a:ln>
           <a:extLst>
             <a:ext uri="{909E8E84-426E-40dd-AFC4-6F175D3DCCD1}">
-              <a14:hiddenFill xmlns="" xmlns:a14="http://schemas.microsoft.com/office/drawing/2010/main">
+              <a14:hiddenFill xmlns:a14="http://schemas.microsoft.com/office/drawing/2010/main" xmlns="">
                 <a:solidFill>
                   <a:schemeClr val="accent1"/>
                 </a:solidFill>
               </a14:hiddenFill>
             </a:ext>
             <a:ext uri="{91240B29-F687-4f45-9708-019B960494DF}">
-              <a14:hiddenLine xmlns="" xmlns:a14="http://schemas.microsoft.com/office/drawing/2010/main" w="9525">
+              <a14:hiddenLine xmlns:a14="http://schemas.microsoft.com/office/drawing/2010/main" xmlns="" w="9525">
                 <a:solidFill>
                   <a:schemeClr val="tx1"/>
                 </a:solidFill>
@@ -5995,14 +5876,14 @@
           </a:ln>
           <a:extLst>
             <a:ext uri="{909E8E84-426E-40dd-AFC4-6F175D3DCCD1}">
-              <a14:hiddenFill xmlns="" xmlns:a14="http://schemas.microsoft.com/office/drawing/2010/main">
+              <a14:hiddenFill xmlns:a14="http://schemas.microsoft.com/office/drawing/2010/main" xmlns="">
                 <a:solidFill>
                   <a:schemeClr val="accent1"/>
                 </a:solidFill>
               </a14:hiddenFill>
             </a:ext>
             <a:ext uri="{91240B29-F687-4f45-9708-019B960494DF}">
-              <a14:hiddenLine xmlns="" xmlns:a14="http://schemas.microsoft.com/office/drawing/2010/main" w="9525">
+              <a14:hiddenLine xmlns:a14="http://schemas.microsoft.com/office/drawing/2010/main" xmlns="" w="9525">
                 <a:solidFill>
                   <a:schemeClr val="tx1"/>
                 </a:solidFill>
@@ -6044,7 +5925,7 @@
           <a:noFill/>
           <a:extLst>
             <a:ext uri="{909E8E84-426E-40dd-AFC4-6F175D3DCCD1}">
-              <a14:hiddenFill xmlns="" xmlns:a14="http://schemas.microsoft.com/office/drawing/2010/main">
+              <a14:hiddenFill xmlns:a14="http://schemas.microsoft.com/office/drawing/2010/main" xmlns="">
                 <a:solidFill>
                   <a:srgbClr val="FFFFFF"/>
                 </a:solidFill>
@@ -6544,7 +6425,7 @@
 </p:sld>
 </file>
 
-<file path=ppt/slides/slide7.xml><?xml version="1.0" encoding="utf-8"?>
+<file path=ppt/slides/slide6.xml><?xml version="1.0" encoding="utf-8"?>
 <p:sld xmlns:a="http://schemas.openxmlformats.org/drawingml/2006/main" xmlns:r="http://schemas.openxmlformats.org/officeDocument/2006/relationships" xmlns:p="http://schemas.openxmlformats.org/presentationml/2006/main">
   <p:cSld>
     <p:spTree>
@@ -6870,7 +6751,7 @@
 </p:sld>
 </file>
 
-<file path=ppt/slides/slide8.xml><?xml version="1.0" encoding="utf-8"?>
+<file path=ppt/slides/slide7.xml><?xml version="1.0" encoding="utf-8"?>
 <p:sld xmlns:a="http://schemas.openxmlformats.org/drawingml/2006/main" xmlns:r="http://schemas.openxmlformats.org/officeDocument/2006/relationships" xmlns:p="http://schemas.openxmlformats.org/presentationml/2006/main">
   <p:cSld>
     <p:spTree>
@@ -8007,9 +7888,12 @@
 </file>
 
 <file path=customXml/item1.xml><?xml version="1.0" encoding="utf-8"?>
-<p:properties xmlns:p="http://schemas.microsoft.com/office/2006/metadata/properties" xmlns:xsi="http://www.w3.org/2001/XMLSchema-instance" xmlns:pc="http://schemas.microsoft.com/office/infopath/2007/PartnerControls">
-  <documentManagement/>
-</p:properties>
+<?mso-contentType ?>
+<FormTemplates xmlns="http://schemas.microsoft.com/sharepoint/v3/contenttype/forms">
+  <Display>DocumentLibraryForm</Display>
+  <Edit>DocumentLibraryForm</Edit>
+  <New>DocumentLibraryForm</New>
+</FormTemplates>
 </file>
 
 <file path=customXml/item2.xml><?xml version="1.0" encoding="utf-8"?>
@@ -8167,26 +8051,15 @@
 </file>
 
 <file path=customXml/item3.xml><?xml version="1.0" encoding="utf-8"?>
-<?mso-contentType ?>
-<FormTemplates xmlns="http://schemas.microsoft.com/sharepoint/v3/contenttype/forms">
-  <Display>DocumentLibraryForm</Display>
-  <Edit>DocumentLibraryForm</Edit>
-  <New>DocumentLibraryForm</New>
-</FormTemplates>
+<p:properties xmlns:p="http://schemas.microsoft.com/office/2006/metadata/properties" xmlns:xsi="http://www.w3.org/2001/XMLSchema-instance" xmlns:pc="http://schemas.microsoft.com/office/infopath/2007/PartnerControls">
+  <documentManagement/>
+</p:properties>
 </file>
 
 <file path=customXml/itemProps1.xml><?xml version="1.0" encoding="utf-8"?>
-<ds:datastoreItem xmlns:ds="http://schemas.openxmlformats.org/officeDocument/2006/customXml" ds:itemID="{4A6C026E-EBC2-49E5-B0A2-A664C665DCA3}">
+<ds:datastoreItem xmlns:ds="http://schemas.openxmlformats.org/officeDocument/2006/customXml" ds:itemID="{EE69F62E-A317-4077-8B87-977A49461570}">
   <ds:schemaRefs>
-    <ds:schemaRef ds:uri="http://purl.org/dc/dcmitype/"/>
-    <ds:schemaRef ds:uri="http://schemas.microsoft.com/office/infopath/2007/PartnerControls"/>
-    <ds:schemaRef ds:uri="http://purl.org/dc/elements/1.1/"/>
-    <ds:schemaRef ds:uri="http://schemas.microsoft.com/office/2006/metadata/properties"/>
-    <ds:schemaRef ds:uri="http://schemas.microsoft.com/office/2006/documentManagement/types"/>
-    <ds:schemaRef ds:uri="87192c5e-a5f1-44e2-a731-84a3412e7fee"/>
-    <ds:schemaRef ds:uri="http://schemas.openxmlformats.org/package/2006/metadata/core-properties"/>
-    <ds:schemaRef ds:uri="http://www.w3.org/XML/1998/namespace"/>
-    <ds:schemaRef ds:uri="http://purl.org/dc/terms/"/>
+    <ds:schemaRef ds:uri="http://schemas.microsoft.com/sharepoint/v3/contenttype/forms"/>
   </ds:schemaRefs>
 </ds:datastoreItem>
 </file>
@@ -8210,9 +8083,17 @@
 </file>
 
 <file path=customXml/itemProps3.xml><?xml version="1.0" encoding="utf-8"?>
-<ds:datastoreItem xmlns:ds="http://schemas.openxmlformats.org/officeDocument/2006/customXml" ds:itemID="{EE69F62E-A317-4077-8B87-977A49461570}">
+<ds:datastoreItem xmlns:ds="http://schemas.openxmlformats.org/officeDocument/2006/customXml" ds:itemID="{4A6C026E-EBC2-49E5-B0A2-A664C665DCA3}">
   <ds:schemaRefs>
-    <ds:schemaRef ds:uri="http://schemas.microsoft.com/sharepoint/v3/contenttype/forms"/>
+    <ds:schemaRef ds:uri="http://schemas.microsoft.com/office/2006/documentManagement/types"/>
+    <ds:schemaRef ds:uri="http://schemas.microsoft.com/office/2006/metadata/properties"/>
+    <ds:schemaRef ds:uri="http://purl.org/dc/terms/"/>
+    <ds:schemaRef ds:uri="87192c5e-a5f1-44e2-a731-84a3412e7fee"/>
+    <ds:schemaRef ds:uri="http://purl.org/dc/dcmitype/"/>
+    <ds:schemaRef ds:uri="http://schemas.microsoft.com/office/infopath/2007/PartnerControls"/>
+    <ds:schemaRef ds:uri="http://schemas.openxmlformats.org/package/2006/metadata/core-properties"/>
+    <ds:schemaRef ds:uri="http://www.w3.org/XML/1998/namespace"/>
+    <ds:schemaRef ds:uri="http://purl.org/dc/elements/1.1/"/>
   </ds:schemaRefs>
 </ds:datastoreItem>
 </file>
--- a/app/assets/docs/Missing Maps presentation deck_msft.pptx
+++ b/app/assets/docs/Missing Maps presentation deck_msft.pptx
@@ -5,24 +5,28 @@
     <p:sldMasterId id="2147483831" r:id="rId4"/>
   </p:sldMasterIdLst>
   <p:notesMasterIdLst>
-    <p:notesMasterId r:id="rId12"/>
+    <p:notesMasterId r:id="rId16"/>
   </p:notesMasterIdLst>
   <p:handoutMasterIdLst>
-    <p:handoutMasterId r:id="rId13"/>
+    <p:handoutMasterId r:id="rId17"/>
   </p:handoutMasterIdLst>
   <p:sldIdLst>
-    <p:sldId id="350" r:id="rId5"/>
-    <p:sldId id="381" r:id="rId6"/>
-    <p:sldId id="385" r:id="rId7"/>
-    <p:sldId id="353" r:id="rId8"/>
-    <p:sldId id="378" r:id="rId9"/>
-    <p:sldId id="357" r:id="rId10"/>
-    <p:sldId id="387" r:id="rId11"/>
+    <p:sldId id="1368" r:id="rId5"/>
+    <p:sldId id="388" r:id="rId6"/>
+    <p:sldId id="1369" r:id="rId7"/>
+    <p:sldId id="350" r:id="rId8"/>
+    <p:sldId id="381" r:id="rId9"/>
+    <p:sldId id="385" r:id="rId10"/>
+    <p:sldId id="353" r:id="rId11"/>
+    <p:sldId id="378" r:id="rId12"/>
+    <p:sldId id="357" r:id="rId13"/>
+    <p:sldId id="387" r:id="rId14"/>
+    <p:sldId id="1370" r:id="rId15"/>
   </p:sldIdLst>
   <p:sldSz cx="12192000" cy="6858000"/>
   <p:notesSz cx="6858000" cy="9144000"/>
   <p:custDataLst>
-    <p:tags r:id="rId14"/>
+    <p:tags r:id="rId18"/>
   </p:custDataLst>
   <p:defaultTextStyle>
     <a:defPPr>
@@ -194,7 +198,11 @@
 </file>
 
 <file path=ppt/revisionInfo.xml><?xml version="1.0" encoding="utf-8"?>
-<p1510:revInfo xmlns:a="http://schemas.openxmlformats.org/drawingml/2006/main" xmlns:r="http://schemas.openxmlformats.org/officeDocument/2006/relationships" xmlns:p1510="http://schemas.microsoft.com/office/powerpoint/2015/10/main"/>
+<p1510:revInfo xmlns:a="http://schemas.openxmlformats.org/drawingml/2006/main" xmlns:r="http://schemas.openxmlformats.org/officeDocument/2006/relationships" xmlns:p1510="http://schemas.microsoft.com/office/powerpoint/2015/10/main">
+  <p1510:revLst>
+    <p1510:client id="{20A813DF-8E23-451B-A4C5-BEF7305BC695}" v="81" dt="2018-04-12T23:21:18.949"/>
+  </p1510:revLst>
+</p1510:revInfo>
 </file>
 
 <file path=ppt/handoutMasters/handoutMaster1.xml><?xml version="1.0" encoding="utf-8"?>
@@ -308,7 +316,7 @@
               <a:pPr>
                 <a:defRPr/>
               </a:pPr>
-              <a:t>9/29/2017</a:t>
+              <a:t>4/12/2018</a:t>
             </a:fld>
             <a:endParaRPr lang="en-US" dirty="0">
               <a:latin typeface="Arial" pitchFamily="34" charset="0"/>
@@ -532,7 +540,7 @@
               <a:pPr>
                 <a:defRPr/>
               </a:pPr>
-              <a:t>9/29/2017</a:t>
+              <a:t>4/12/2018</a:t>
             </a:fld>
             <a:endParaRPr lang="en-GB" dirty="0"/>
           </a:p>
@@ -910,10 +918,130 @@
           </a:p>
         </p:txBody>
       </p:sp>
+      <p:sp>
+        <p:nvSpPr>
+          <p:cNvPr id="4" name="Header Placeholder 3"/>
+          <p:cNvSpPr>
+            <a:spLocks noGrp="1"/>
+          </p:cNvSpPr>
+          <p:nvPr>
+            <p:ph type="hdr" sz="quarter" idx="10"/>
+          </p:nvPr>
+        </p:nvSpPr>
+        <p:spPr/>
+        <p:txBody>
+          <a:bodyPr/>
+          <a:lstStyle/>
+          <a:p>
+            <a:endParaRPr lang="en-US" dirty="0"/>
+          </a:p>
+        </p:txBody>
+      </p:sp>
+      <p:sp>
+        <p:nvSpPr>
+          <p:cNvPr id="5" name="Footer Placeholder 4"/>
+          <p:cNvSpPr>
+            <a:spLocks noGrp="1"/>
+          </p:cNvSpPr>
+          <p:nvPr>
+            <p:ph type="ftr" sz="quarter" idx="11"/>
+          </p:nvPr>
+        </p:nvSpPr>
+        <p:spPr/>
+        <p:txBody>
+          <a:bodyPr/>
+          <a:lstStyle/>
+          <a:p>
+            <a:pPr defTabSz="914099" eaLnBrk="0" hangingPunct="0"/>
+            <a:r>
+              <a:rPr lang="en-US" sz="400">
+                <a:gradFill>
+                  <a:gsLst>
+                    <a:gs pos="0">
+                      <a:prstClr val="black"/>
+                    </a:gs>
+                    <a:gs pos="100000">
+                      <a:prstClr val="black"/>
+                    </a:gs>
+                  </a:gsLst>
+                  <a:lin ang="5400000" scaled="0"/>
+                </a:gradFill>
+                <a:latin typeface="Segoe UI" pitchFamily="34" charset="0"/>
+                <a:ea typeface="Segoe UI" pitchFamily="34" charset="0"/>
+                <a:cs typeface="Segoe UI" pitchFamily="34" charset="0"/>
+              </a:rPr>
+              <a:t>© 2014 Microsoft Corporation. All rights reserved. MICROSOFT MAKES NO WARRANTIES, EXPRESS, IMPLIED OR STATUTORY, AS TO THE INFORMATION IN THIS PRESENTATION.</a:t>
+            </a:r>
+            <a:endParaRPr lang="en-US" sz="400" dirty="0">
+              <a:gradFill>
+                <a:gsLst>
+                  <a:gs pos="0">
+                    <a:prstClr val="black"/>
+                  </a:gs>
+                  <a:gs pos="100000">
+                    <a:prstClr val="black"/>
+                  </a:gs>
+                </a:gsLst>
+                <a:lin ang="5400000" scaled="0"/>
+              </a:gradFill>
+              <a:latin typeface="Segoe UI" pitchFamily="34" charset="0"/>
+              <a:ea typeface="Segoe UI" pitchFamily="34" charset="0"/>
+              <a:cs typeface="Segoe UI" pitchFamily="34" charset="0"/>
+            </a:endParaRPr>
+          </a:p>
+        </p:txBody>
+      </p:sp>
+      <p:sp>
+        <p:nvSpPr>
+          <p:cNvPr id="6" name="Date Placeholder 5"/>
+          <p:cNvSpPr>
+            <a:spLocks noGrp="1"/>
+          </p:cNvSpPr>
+          <p:nvPr>
+            <p:ph type="dt" idx="12"/>
+          </p:nvPr>
+        </p:nvSpPr>
+        <p:spPr/>
+        <p:txBody>
+          <a:bodyPr/>
+          <a:lstStyle/>
+          <a:p>
+            <a:fld id="{38EEC551-8CDA-4EB6-89BB-2A86C9F091C8}" type="datetime8">
+              <a:rPr lang="en-US" smtClean="0"/>
+              <a:t>4/12/2018 3:50 PM</a:t>
+            </a:fld>
+            <a:endParaRPr lang="en-US" dirty="0"/>
+          </a:p>
+        </p:txBody>
+      </p:sp>
+      <p:sp>
+        <p:nvSpPr>
+          <p:cNvPr id="7" name="Slide Number Placeholder 6"/>
+          <p:cNvSpPr>
+            <a:spLocks noGrp="1"/>
+          </p:cNvSpPr>
+          <p:nvPr>
+            <p:ph type="sldNum" sz="quarter" idx="13"/>
+          </p:nvPr>
+        </p:nvSpPr>
+        <p:spPr/>
+        <p:txBody>
+          <a:bodyPr/>
+          <a:lstStyle/>
+          <a:p>
+            <a:fld id="{B4008EB6-D09E-4580-8CD6-DDB14511944F}" type="slidenum">
+              <a:rPr lang="en-US" smtClean="0"/>
+              <a:pPr/>
+              <a:t>1</a:t>
+            </a:fld>
+            <a:endParaRPr lang="en-US" dirty="0"/>
+          </a:p>
+        </p:txBody>
+      </p:sp>
     </p:spTree>
     <p:extLst>
       <p:ext uri="{BB962C8B-B14F-4D97-AF65-F5344CB8AC3E}">
-        <p14:creationId xmlns:p14="http://schemas.microsoft.com/office/powerpoint/2010/main" val="373327739"/>
+        <p14:creationId xmlns:p14="http://schemas.microsoft.com/office/powerpoint/2010/main" val="343938"/>
       </p:ext>
     </p:extLst>
   </p:cSld>
@@ -974,7 +1102,7 @@
     </p:spTree>
     <p:extLst>
       <p:ext uri="{BB962C8B-B14F-4D97-AF65-F5344CB8AC3E}">
-        <p14:creationId xmlns:p14="http://schemas.microsoft.com/office/powerpoint/2010/main" val="1843012769"/>
+        <p14:creationId xmlns:p14="http://schemas.microsoft.com/office/powerpoint/2010/main" val="373327739"/>
       </p:ext>
     </p:extLst>
   </p:cSld>
@@ -1035,7 +1163,7 @@
     </p:spTree>
     <p:extLst>
       <p:ext uri="{BB962C8B-B14F-4D97-AF65-F5344CB8AC3E}">
-        <p14:creationId xmlns:p14="http://schemas.microsoft.com/office/powerpoint/2010/main" val="3354279514"/>
+        <p14:creationId xmlns:p14="http://schemas.microsoft.com/office/powerpoint/2010/main" val="1843012769"/>
       </p:ext>
     </p:extLst>
   </p:cSld>
@@ -1096,7 +1224,7 @@
     </p:spTree>
     <p:extLst>
       <p:ext uri="{BB962C8B-B14F-4D97-AF65-F5344CB8AC3E}">
-        <p14:creationId xmlns:p14="http://schemas.microsoft.com/office/powerpoint/2010/main" val="3472574440"/>
+        <p14:creationId xmlns:p14="http://schemas.microsoft.com/office/powerpoint/2010/main" val="3354279514"/>
       </p:ext>
     </p:extLst>
   </p:cSld>
@@ -1157,7 +1285,7 @@
     </p:spTree>
     <p:extLst>
       <p:ext uri="{BB962C8B-B14F-4D97-AF65-F5344CB8AC3E}">
-        <p14:creationId xmlns:p14="http://schemas.microsoft.com/office/powerpoint/2010/main" val="1571692742"/>
+        <p14:creationId xmlns:p14="http://schemas.microsoft.com/office/powerpoint/2010/main" val="3472574440"/>
       </p:ext>
     </p:extLst>
   </p:cSld>
@@ -1218,7 +1346,7 @@
     </p:spTree>
     <p:extLst>
       <p:ext uri="{BB962C8B-B14F-4D97-AF65-F5344CB8AC3E}">
-        <p14:creationId xmlns:p14="http://schemas.microsoft.com/office/powerpoint/2010/main" val="3933276267"/>
+        <p14:creationId xmlns:p14="http://schemas.microsoft.com/office/powerpoint/2010/main" val="1571692742"/>
       </p:ext>
     </p:extLst>
   </p:cSld>
@@ -1255,6 +1383,67 @@
             <p:ph type="sldImg"/>
           </p:nvPr>
         </p:nvSpPr>
+        <p:spPr/>
+      </p:sp>
+      <p:sp>
+        <p:nvSpPr>
+          <p:cNvPr id="3" name="Notes Placeholder 2"/>
+          <p:cNvSpPr>
+            <a:spLocks noGrp="1"/>
+          </p:cNvSpPr>
+          <p:nvPr>
+            <p:ph type="body" idx="1"/>
+          </p:nvPr>
+        </p:nvSpPr>
+        <p:spPr/>
+        <p:txBody>
+          <a:bodyPr/>
+          <a:lstStyle/>
+          <a:p>
+            <a:endParaRPr lang="en-US"/>
+          </a:p>
+        </p:txBody>
+      </p:sp>
+    </p:spTree>
+    <p:extLst>
+      <p:ext uri="{BB962C8B-B14F-4D97-AF65-F5344CB8AC3E}">
+        <p14:creationId xmlns:p14="http://schemas.microsoft.com/office/powerpoint/2010/main" val="3933276267"/>
+      </p:ext>
+    </p:extLst>
+  </p:cSld>
+  <p:clrMapOvr>
+    <a:masterClrMapping/>
+  </p:clrMapOvr>
+</p:notes>
+</file>
+
+<file path=ppt/notesSlides/notesSlide8.xml><?xml version="1.0" encoding="utf-8"?>
+<p:notes xmlns:a="http://schemas.openxmlformats.org/drawingml/2006/main" xmlns:r="http://schemas.openxmlformats.org/officeDocument/2006/relationships" xmlns:p="http://schemas.openxmlformats.org/presentationml/2006/main">
+  <p:cSld>
+    <p:spTree>
+      <p:nvGrpSpPr>
+        <p:cNvPr id="1" name=""/>
+        <p:cNvGrpSpPr/>
+        <p:nvPr/>
+      </p:nvGrpSpPr>
+      <p:grpSpPr>
+        <a:xfrm>
+          <a:off x="0" y="0"/>
+          <a:ext cx="0" cy="0"/>
+          <a:chOff x="0" y="0"/>
+          <a:chExt cx="0" cy="0"/>
+        </a:xfrm>
+      </p:grpSpPr>
+      <p:sp>
+        <p:nvSpPr>
+          <p:cNvPr id="2" name="Slide Image Placeholder 1"/>
+          <p:cNvSpPr>
+            <a:spLocks noGrp="1" noRot="1" noChangeAspect="1"/>
+          </p:cNvSpPr>
+          <p:nvPr>
+            <p:ph type="sldImg"/>
+          </p:nvPr>
+        </p:nvSpPr>
         <p:spPr>
           <a:xfrm>
             <a:off x="381000" y="685800"/>
@@ -1320,7 +1509,7 @@
               <a:pPr>
                 <a:defRPr/>
               </a:pPr>
-              <a:t>7</a:t>
+              <a:t>10</a:t>
             </a:fld>
             <a:endParaRPr lang="en-US"/>
           </a:p>
@@ -1330,6 +1519,187 @@
     <p:extLst>
       <p:ext uri="{BB962C8B-B14F-4D97-AF65-F5344CB8AC3E}">
         <p14:creationId xmlns:p14="http://schemas.microsoft.com/office/powerpoint/2010/main" val="3992887914"/>
+      </p:ext>
+    </p:extLst>
+  </p:cSld>
+  <p:clrMapOvr>
+    <a:masterClrMapping/>
+  </p:clrMapOvr>
+</p:notes>
+</file>
+
+<file path=ppt/notesSlides/notesSlide9.xml><?xml version="1.0" encoding="utf-8"?>
+<p:notes xmlns:a="http://schemas.openxmlformats.org/drawingml/2006/main" xmlns:r="http://schemas.openxmlformats.org/officeDocument/2006/relationships" xmlns:p="http://schemas.openxmlformats.org/presentationml/2006/main">
+  <p:cSld>
+    <p:spTree>
+      <p:nvGrpSpPr>
+        <p:cNvPr id="1" name=""/>
+        <p:cNvGrpSpPr/>
+        <p:nvPr/>
+      </p:nvGrpSpPr>
+      <p:grpSpPr>
+        <a:xfrm>
+          <a:off x="0" y="0"/>
+          <a:ext cx="0" cy="0"/>
+          <a:chOff x="0" y="0"/>
+          <a:chExt cx="0" cy="0"/>
+        </a:xfrm>
+      </p:grpSpPr>
+      <p:sp>
+        <p:nvSpPr>
+          <p:cNvPr id="2" name="Slide Image Placeholder 1"/>
+          <p:cNvSpPr>
+            <a:spLocks noGrp="1" noRot="1" noChangeAspect="1"/>
+          </p:cNvSpPr>
+          <p:nvPr>
+            <p:ph type="sldImg"/>
+          </p:nvPr>
+        </p:nvSpPr>
+        <p:spPr/>
+      </p:sp>
+      <p:sp>
+        <p:nvSpPr>
+          <p:cNvPr id="3" name="Notes Placeholder 2"/>
+          <p:cNvSpPr>
+            <a:spLocks noGrp="1"/>
+          </p:cNvSpPr>
+          <p:nvPr>
+            <p:ph type="body" idx="1"/>
+          </p:nvPr>
+        </p:nvSpPr>
+        <p:spPr/>
+        <p:txBody>
+          <a:bodyPr/>
+          <a:lstStyle/>
+          <a:p>
+            <a:endParaRPr lang="en-US"/>
+          </a:p>
+        </p:txBody>
+      </p:sp>
+      <p:sp>
+        <p:nvSpPr>
+          <p:cNvPr id="4" name="Header Placeholder 3"/>
+          <p:cNvSpPr>
+            <a:spLocks noGrp="1"/>
+          </p:cNvSpPr>
+          <p:nvPr>
+            <p:ph type="hdr" sz="quarter" idx="10"/>
+          </p:nvPr>
+        </p:nvSpPr>
+        <p:spPr/>
+        <p:txBody>
+          <a:bodyPr/>
+          <a:lstStyle/>
+          <a:p>
+            <a:endParaRPr lang="en-US" dirty="0"/>
+          </a:p>
+        </p:txBody>
+      </p:sp>
+      <p:sp>
+        <p:nvSpPr>
+          <p:cNvPr id="5" name="Footer Placeholder 4"/>
+          <p:cNvSpPr>
+            <a:spLocks noGrp="1"/>
+          </p:cNvSpPr>
+          <p:nvPr>
+            <p:ph type="ftr" sz="quarter" idx="11"/>
+          </p:nvPr>
+        </p:nvSpPr>
+        <p:spPr/>
+        <p:txBody>
+          <a:bodyPr/>
+          <a:lstStyle/>
+          <a:p>
+            <a:pPr defTabSz="914099" eaLnBrk="0" hangingPunct="0"/>
+            <a:r>
+              <a:rPr lang="en-US" sz="400">
+                <a:gradFill>
+                  <a:gsLst>
+                    <a:gs pos="0">
+                      <a:prstClr val="black"/>
+                    </a:gs>
+                    <a:gs pos="100000">
+                      <a:prstClr val="black"/>
+                    </a:gs>
+                  </a:gsLst>
+                  <a:lin ang="5400000" scaled="0"/>
+                </a:gradFill>
+                <a:latin typeface="Segoe UI" pitchFamily="34" charset="0"/>
+                <a:ea typeface="Segoe UI" pitchFamily="34" charset="0"/>
+                <a:cs typeface="Segoe UI" pitchFamily="34" charset="0"/>
+              </a:rPr>
+              <a:t>© 2014 Microsoft Corporation. All rights reserved. MICROSOFT MAKES NO WARRANTIES, EXPRESS, IMPLIED OR STATUTORY, AS TO THE INFORMATION IN THIS PRESENTATION.</a:t>
+            </a:r>
+            <a:endParaRPr lang="en-US" sz="400" dirty="0">
+              <a:gradFill>
+                <a:gsLst>
+                  <a:gs pos="0">
+                    <a:prstClr val="black"/>
+                  </a:gs>
+                  <a:gs pos="100000">
+                    <a:prstClr val="black"/>
+                  </a:gs>
+                </a:gsLst>
+                <a:lin ang="5400000" scaled="0"/>
+              </a:gradFill>
+              <a:latin typeface="Segoe UI" pitchFamily="34" charset="0"/>
+              <a:ea typeface="Segoe UI" pitchFamily="34" charset="0"/>
+              <a:cs typeface="Segoe UI" pitchFamily="34" charset="0"/>
+            </a:endParaRPr>
+          </a:p>
+        </p:txBody>
+      </p:sp>
+      <p:sp>
+        <p:nvSpPr>
+          <p:cNvPr id="6" name="Date Placeholder 5"/>
+          <p:cNvSpPr>
+            <a:spLocks noGrp="1"/>
+          </p:cNvSpPr>
+          <p:nvPr>
+            <p:ph type="dt" idx="12"/>
+          </p:nvPr>
+        </p:nvSpPr>
+        <p:spPr/>
+        <p:txBody>
+          <a:bodyPr/>
+          <a:lstStyle/>
+          <a:p>
+            <a:fld id="{38EEC551-8CDA-4EB6-89BB-2A86C9F091C8}" type="datetime8">
+              <a:rPr lang="en-US" smtClean="0"/>
+              <a:t>4/12/2018 4:19 PM</a:t>
+            </a:fld>
+            <a:endParaRPr lang="en-US" dirty="0"/>
+          </a:p>
+        </p:txBody>
+      </p:sp>
+      <p:sp>
+        <p:nvSpPr>
+          <p:cNvPr id="7" name="Slide Number Placeholder 6"/>
+          <p:cNvSpPr>
+            <a:spLocks noGrp="1"/>
+          </p:cNvSpPr>
+          <p:nvPr>
+            <p:ph type="sldNum" sz="quarter" idx="13"/>
+          </p:nvPr>
+        </p:nvSpPr>
+        <p:spPr/>
+        <p:txBody>
+          <a:bodyPr/>
+          <a:lstStyle/>
+          <a:p>
+            <a:fld id="{B4008EB6-D09E-4580-8CD6-DDB14511944F}" type="slidenum">
+              <a:rPr lang="en-US" smtClean="0"/>
+              <a:pPr/>
+              <a:t>11</a:t>
+            </a:fld>
+            <a:endParaRPr lang="en-US" dirty="0"/>
+          </a:p>
+        </p:txBody>
+      </p:sp>
+    </p:spTree>
+    <p:extLst>
+      <p:ext uri="{BB962C8B-B14F-4D97-AF65-F5344CB8AC3E}">
+        <p14:creationId xmlns:p14="http://schemas.microsoft.com/office/powerpoint/2010/main" val="1772159008"/>
       </p:ext>
     </p:extLst>
   </p:cSld>
@@ -1470,7 +1840,7 @@
           <a:p>
             <a:fld id="{0F069A3C-2E8B-4392-AB6A-C96A40850A1F}" type="datetimeFigureOut">
               <a:rPr lang="en-US" smtClean="0"/>
-              <a:t>9/29/2017</a:t>
+              <a:t>4/12/2018</a:t>
             </a:fld>
             <a:endParaRPr lang="en-US"/>
           </a:p>
@@ -1640,7 +2010,7 @@
           <a:p>
             <a:fld id="{0F069A3C-2E8B-4392-AB6A-C96A40850A1F}" type="datetimeFigureOut">
               <a:rPr lang="en-US" smtClean="0"/>
-              <a:t>9/29/2017</a:t>
+              <a:t>4/12/2018</a:t>
             </a:fld>
             <a:endParaRPr lang="en-US"/>
           </a:p>
@@ -1820,7 +2190,7 @@
           <a:p>
             <a:fld id="{0F069A3C-2E8B-4392-AB6A-C96A40850A1F}" type="datetimeFigureOut">
               <a:rPr lang="en-US" smtClean="0"/>
-              <a:t>9/29/2017</a:t>
+              <a:t>4/12/2018</a:t>
             </a:fld>
             <a:endParaRPr lang="en-US"/>
           </a:p>
@@ -1878,6 +2248,165 @@
   <p:clrMapOvr>
     <a:masterClrMapping/>
   </p:clrMapOvr>
+</p:sldLayout>
+</file>
+
+<file path=ppt/slideLayouts/slideLayout12.xml><?xml version="1.0" encoding="utf-8"?>
+<p:sldLayout xmlns:a="http://schemas.openxmlformats.org/drawingml/2006/main" xmlns:r="http://schemas.openxmlformats.org/officeDocument/2006/relationships" xmlns:p="http://schemas.openxmlformats.org/presentationml/2006/main" userDrawn="1">
+  <p:cSld name="Walkin Slide - Blue">
+    <p:bg>
+      <p:bgPr>
+        <a:solidFill>
+          <a:srgbClr val="080001"/>
+        </a:solidFill>
+        <a:effectLst/>
+      </p:bgPr>
+    </p:bg>
+    <p:spTree>
+      <p:nvGrpSpPr>
+        <p:cNvPr id="1" name=""/>
+        <p:cNvGrpSpPr/>
+        <p:nvPr/>
+      </p:nvGrpSpPr>
+      <p:grpSpPr>
+        <a:xfrm>
+          <a:off x="0" y="0"/>
+          <a:ext cx="0" cy="0"/>
+          <a:chOff x="0" y="0"/>
+          <a:chExt cx="0" cy="0"/>
+        </a:xfrm>
+      </p:grpSpPr>
+      <p:sp>
+        <p:nvSpPr>
+          <p:cNvPr id="14" name="TextBox 13"/>
+          <p:cNvSpPr txBox="1"/>
+          <p:nvPr userDrawn="1"/>
+        </p:nvSpPr>
+        <p:spPr>
+          <a:xfrm>
+            <a:off x="10204614" y="6268081"/>
+            <a:ext cx="1718149" cy="325911"/>
+          </a:xfrm>
+          <a:prstGeom prst="rect">
+            <a:avLst/>
+          </a:prstGeom>
+          <a:noFill/>
+        </p:spPr>
+        <p:txBody>
+          <a:bodyPr wrap="square" lIns="0" tIns="0" rIns="0" bIns="0" rtlCol="0">
+            <a:spAutoFit/>
+          </a:bodyPr>
+          <a:lstStyle/>
+          <a:p>
+            <a:pPr>
+              <a:lnSpc>
+                <a:spcPct val="90000"/>
+              </a:lnSpc>
+              <a:spcAft>
+                <a:spcPts val="588"/>
+              </a:spcAft>
+            </a:pPr>
+            <a:r>
+              <a:rPr lang="en-US" sz="2353" dirty="0" err="1">
+                <a:solidFill>
+                  <a:schemeClr val="bg1"/>
+                </a:solidFill>
+              </a:rPr>
+              <a:t>aka.ms</a:t>
+            </a:r>
+            <a:r>
+              <a:rPr lang="en-US" sz="2353" dirty="0">
+                <a:solidFill>
+                  <a:schemeClr val="bg1"/>
+                </a:solidFill>
+              </a:rPr>
+              <a:t>/give</a:t>
+            </a:r>
+          </a:p>
+        </p:txBody>
+      </p:sp>
+      <p:pic>
+        <p:nvPicPr>
+          <p:cNvPr id="16" name="Picture 15"/>
+          <p:cNvPicPr>
+            <a:picLocks noChangeAspect="1"/>
+          </p:cNvPicPr>
+          <p:nvPr userDrawn="1"/>
+        </p:nvPicPr>
+        <p:blipFill>
+          <a:blip r:embed="rId2">
+            <a:extLst>
+              <a:ext uri="{28A0092B-C50C-407E-A947-70E740481C1C}">
+                <a14:useLocalDpi xmlns:a14="http://schemas.microsoft.com/office/drawing/2010/main" val="0"/>
+              </a:ext>
+            </a:extLst>
+          </a:blip>
+          <a:stretch>
+            <a:fillRect/>
+          </a:stretch>
+        </p:blipFill>
+        <p:spPr>
+          <a:xfrm>
+            <a:off x="448212" y="6253139"/>
+            <a:ext cx="1470839" cy="313793"/>
+          </a:xfrm>
+          <a:prstGeom prst="rect">
+            <a:avLst/>
+          </a:prstGeom>
+        </p:spPr>
+      </p:pic>
+      <p:pic>
+        <p:nvPicPr>
+          <p:cNvPr id="2" name="Picture 1"/>
+          <p:cNvPicPr>
+            <a:picLocks noChangeAspect="1"/>
+          </p:cNvPicPr>
+          <p:nvPr userDrawn="1"/>
+        </p:nvPicPr>
+        <p:blipFill>
+          <a:blip r:embed="rId3">
+            <a:extLst>
+              <a:ext uri="{28A0092B-C50C-407E-A947-70E740481C1C}">
+                <a14:useLocalDpi xmlns:a14="http://schemas.microsoft.com/office/drawing/2010/main" val="0"/>
+              </a:ext>
+            </a:extLst>
+          </a:blip>
+          <a:stretch>
+            <a:fillRect/>
+          </a:stretch>
+        </p:blipFill>
+        <p:spPr>
+          <a:xfrm>
+            <a:off x="622100" y="291067"/>
+            <a:ext cx="10777746" cy="5454025"/>
+          </a:xfrm>
+          <a:prstGeom prst="rect">
+            <a:avLst/>
+          </a:prstGeom>
+        </p:spPr>
+      </p:pic>
+    </p:spTree>
+    <p:extLst>
+      <p:ext uri="{BB962C8B-B14F-4D97-AF65-F5344CB8AC3E}">
+        <p14:creationId xmlns:p14="http://schemas.microsoft.com/office/powerpoint/2010/main" val="2270970626"/>
+      </p:ext>
+    </p:extLst>
+  </p:cSld>
+  <p:clrMapOvr>
+    <a:masterClrMapping/>
+  </p:clrMapOvr>
+  <mc:AlternateContent xmlns:mc="http://schemas.openxmlformats.org/markup-compatibility/2006" xmlns:p14="http://schemas.microsoft.com/office/powerpoint/2010/main">
+    <mc:Choice Requires="p14">
+      <p:transition spd="med" p14:dur="700">
+        <p:fade/>
+      </p:transition>
+    </mc:Choice>
+    <mc:Fallback xmlns="">
+      <p:transition spd="med">
+        <p:fade/>
+      </p:transition>
+    </mc:Fallback>
+  </mc:AlternateContent>
 </p:sldLayout>
 </file>
 
@@ -1990,7 +2519,7 @@
           <a:p>
             <a:fld id="{0F069A3C-2E8B-4392-AB6A-C96A40850A1F}" type="datetimeFigureOut">
               <a:rPr lang="en-US" smtClean="0"/>
-              <a:t>9/29/2017</a:t>
+              <a:t>4/12/2018</a:t>
             </a:fld>
             <a:endParaRPr lang="en-US"/>
           </a:p>
@@ -2236,7 +2765,7 @@
           <a:p>
             <a:fld id="{0F069A3C-2E8B-4392-AB6A-C96A40850A1F}" type="datetimeFigureOut">
               <a:rPr lang="en-US" smtClean="0"/>
-              <a:t>9/29/2017</a:t>
+              <a:t>4/12/2018</a:t>
             </a:fld>
             <a:endParaRPr lang="en-US"/>
           </a:p>
@@ -2468,7 +2997,7 @@
           <a:p>
             <a:fld id="{0F069A3C-2E8B-4392-AB6A-C96A40850A1F}" type="datetimeFigureOut">
               <a:rPr lang="en-US" smtClean="0"/>
-              <a:t>9/29/2017</a:t>
+              <a:t>4/12/2018</a:t>
             </a:fld>
             <a:endParaRPr lang="en-US"/>
           </a:p>
@@ -2835,7 +3364,7 @@
           <a:p>
             <a:fld id="{0F069A3C-2E8B-4392-AB6A-C96A40850A1F}" type="datetimeFigureOut">
               <a:rPr lang="en-US" smtClean="0"/>
-              <a:t>9/29/2017</a:t>
+              <a:t>4/12/2018</a:t>
             </a:fld>
             <a:endParaRPr lang="en-US"/>
           </a:p>
@@ -2953,7 +3482,7 @@
           <a:p>
             <a:fld id="{0F069A3C-2E8B-4392-AB6A-C96A40850A1F}" type="datetimeFigureOut">
               <a:rPr lang="en-US" smtClean="0"/>
-              <a:t>9/29/2017</a:t>
+              <a:t>4/12/2018</a:t>
             </a:fld>
             <a:endParaRPr lang="en-US"/>
           </a:p>
@@ -3048,7 +3577,7 @@
           <a:p>
             <a:fld id="{0F069A3C-2E8B-4392-AB6A-C96A40850A1F}" type="datetimeFigureOut">
               <a:rPr lang="en-US" smtClean="0"/>
-              <a:t>9/29/2017</a:t>
+              <a:t>4/12/2018</a:t>
             </a:fld>
             <a:endParaRPr lang="en-US"/>
           </a:p>
@@ -3325,7 +3854,7 @@
           <a:p>
             <a:fld id="{0F069A3C-2E8B-4392-AB6A-C96A40850A1F}" type="datetimeFigureOut">
               <a:rPr lang="en-US" smtClean="0"/>
-              <a:t>9/29/2017</a:t>
+              <a:t>4/12/2018</a:t>
             </a:fld>
             <a:endParaRPr lang="en-US"/>
           </a:p>
@@ -3582,7 +4111,7 @@
           <a:p>
             <a:fld id="{0F069A3C-2E8B-4392-AB6A-C96A40850A1F}" type="datetimeFigureOut">
               <a:rPr lang="en-US" smtClean="0"/>
-              <a:t>9/29/2017</a:t>
+              <a:t>4/12/2018</a:t>
             </a:fld>
             <a:endParaRPr lang="en-US"/>
           </a:p>
@@ -3795,7 +4324,7 @@
           <a:p>
             <a:fld id="{0F069A3C-2E8B-4392-AB6A-C96A40850A1F}" type="datetimeFigureOut">
               <a:rPr lang="en-US" smtClean="0"/>
-              <a:t>9/29/2017</a:t>
+              <a:t>4/12/2018</a:t>
             </a:fld>
             <a:endParaRPr lang="en-US"/>
           </a:p>
@@ -3899,6 +4428,7 @@
     <p:sldLayoutId id="2147483840" r:id="rId9"/>
     <p:sldLayoutId id="2147483841" r:id="rId10"/>
     <p:sldLayoutId id="2147483842" r:id="rId11"/>
+    <p:sldLayoutId id="2147483843" r:id="rId12"/>
   </p:sldLayoutIdLst>
   <p:txStyles>
     <p:titleStyle>
@@ -4200,2558 +4730,32 @@
           <a:chExt cx="0" cy="0"/>
         </a:xfrm>
       </p:grpSpPr>
-      <p:pic>
-        <p:nvPicPr>
-          <p:cNvPr id="8" name="Picture 7"/>
-          <p:cNvPicPr>
-            <a:picLocks noChangeAspect="1"/>
-          </p:cNvPicPr>
-          <p:nvPr/>
-        </p:nvPicPr>
-        <p:blipFill rotWithShape="1">
-          <a:blip r:embed="rId3"/>
-          <a:srcRect t="24999" r="25223"/>
-          <a:stretch/>
-        </p:blipFill>
-        <p:spPr>
-          <a:xfrm>
-            <a:off x="0" y="0"/>
-            <a:ext cx="12192000" cy="6858000"/>
-          </a:xfrm>
-          <a:prstGeom prst="rect">
-            <a:avLst/>
-          </a:prstGeom>
-        </p:spPr>
-      </p:pic>
-      <p:sp>
-        <p:nvSpPr>
-          <p:cNvPr id="12" name="Rectangle 11"/>
-          <p:cNvSpPr/>
-          <p:nvPr/>
-        </p:nvSpPr>
-        <p:spPr>
-          <a:xfrm>
-            <a:off x="0" y="642258"/>
-            <a:ext cx="10668000" cy="1480456"/>
-          </a:xfrm>
-          <a:prstGeom prst="rect">
-            <a:avLst/>
-          </a:prstGeom>
-          <a:solidFill>
-            <a:schemeClr val="tx1">
-              <a:lumMod val="50000"/>
-              <a:alpha val="62000"/>
-            </a:schemeClr>
-          </a:solidFill>
-          <a:ln w="12700" cap="flat" cmpd="sng" algn="ctr">
-            <a:noFill/>
-            <a:prstDash val="solid"/>
-          </a:ln>
-          <a:effectLst/>
-        </p:spPr>
-        <p:txBody>
-          <a:bodyPr rtlCol="0" anchor="ctr"/>
-          <a:lstStyle/>
-          <a:p>
-            <a:pPr algn="ctr" defTabSz="1219170">
-              <a:defRPr/>
-            </a:pPr>
-            <a:endParaRPr lang="en-GB" sz="2133" kern="0" dirty="0">
-              <a:solidFill>
-                <a:schemeClr val="bg1"/>
-              </a:solidFill>
-              <a:latin typeface="Arial"/>
-            </a:endParaRPr>
-          </a:p>
-        </p:txBody>
-      </p:sp>
-      <p:sp>
-        <p:nvSpPr>
-          <p:cNvPr id="10" name="Text Placeholder 3"/>
-          <p:cNvSpPr txBox="1">
-            <a:spLocks/>
-          </p:cNvSpPr>
-          <p:nvPr/>
-        </p:nvSpPr>
-        <p:spPr>
-          <a:xfrm>
-            <a:off x="4451838" y="1172231"/>
-            <a:ext cx="6216162" cy="407953"/>
-          </a:xfrm>
-          <a:prstGeom prst="rect">
-            <a:avLst/>
-          </a:prstGeom>
-        </p:spPr>
-        <p:txBody>
-          <a:bodyPr vert="horz" lIns="91440" tIns="45720" rIns="91440" bIns="45720" rtlCol="0" anchor="ctr"/>
-          <a:lstStyle>
-            <a:defPPr>
-              <a:defRPr lang="en-US"/>
-            </a:defPPr>
-            <a:lvl1pPr algn="l" rtl="0" fontAlgn="base">
-              <a:spcBef>
-                <a:spcPct val="0"/>
-              </a:spcBef>
-              <a:spcAft>
-                <a:spcPct val="0"/>
-              </a:spcAft>
-              <a:defRPr sz="900" kern="1200">
-                <a:solidFill>
-                  <a:schemeClr val="tx1">
-                    <a:tint val="75000"/>
-                  </a:schemeClr>
-                </a:solidFill>
-                <a:latin typeface="Arial" charset="0"/>
-                <a:ea typeface="+mn-ea"/>
-                <a:cs typeface="Arial" charset="0"/>
-              </a:defRPr>
-            </a:lvl1pPr>
-            <a:lvl2pPr marL="342946" algn="l" rtl="0" fontAlgn="base">
-              <a:spcBef>
-                <a:spcPct val="0"/>
-              </a:spcBef>
-              <a:spcAft>
-                <a:spcPct val="0"/>
-              </a:spcAft>
-              <a:defRPr kern="1200">
-                <a:solidFill>
-                  <a:schemeClr val="tx1"/>
-                </a:solidFill>
-                <a:latin typeface="Arial" charset="0"/>
-                <a:ea typeface="+mn-ea"/>
-                <a:cs typeface="Arial" charset="0"/>
-              </a:defRPr>
-            </a:lvl2pPr>
-            <a:lvl3pPr marL="685891" algn="l" rtl="0" fontAlgn="base">
-              <a:spcBef>
-                <a:spcPct val="0"/>
-              </a:spcBef>
-              <a:spcAft>
-                <a:spcPct val="0"/>
-              </a:spcAft>
-              <a:defRPr kern="1200">
-                <a:solidFill>
-                  <a:schemeClr val="tx1"/>
-                </a:solidFill>
-                <a:latin typeface="Arial" charset="0"/>
-                <a:ea typeface="+mn-ea"/>
-                <a:cs typeface="Arial" charset="0"/>
-              </a:defRPr>
-            </a:lvl3pPr>
-            <a:lvl4pPr marL="1028837" algn="l" rtl="0" fontAlgn="base">
-              <a:spcBef>
-                <a:spcPct val="0"/>
-              </a:spcBef>
-              <a:spcAft>
-                <a:spcPct val="0"/>
-              </a:spcAft>
-              <a:defRPr kern="1200">
-                <a:solidFill>
-                  <a:schemeClr val="tx1"/>
-                </a:solidFill>
-                <a:latin typeface="Arial" charset="0"/>
-                <a:ea typeface="+mn-ea"/>
-                <a:cs typeface="Arial" charset="0"/>
-              </a:defRPr>
-            </a:lvl4pPr>
-            <a:lvl5pPr marL="1371783" algn="l" rtl="0" fontAlgn="base">
-              <a:spcBef>
-                <a:spcPct val="0"/>
-              </a:spcBef>
-              <a:spcAft>
-                <a:spcPct val="0"/>
-              </a:spcAft>
-              <a:defRPr kern="1200">
-                <a:solidFill>
-                  <a:schemeClr val="tx1"/>
-                </a:solidFill>
-                <a:latin typeface="Arial" charset="0"/>
-                <a:ea typeface="+mn-ea"/>
-                <a:cs typeface="Arial" charset="0"/>
-              </a:defRPr>
-            </a:lvl5pPr>
-            <a:lvl6pPr marL="1714729" algn="l" defTabSz="685891" rtl="0" eaLnBrk="1" latinLnBrk="0" hangingPunct="1">
-              <a:defRPr kern="1200">
-                <a:solidFill>
-                  <a:schemeClr val="tx1"/>
-                </a:solidFill>
-                <a:latin typeface="Arial" charset="0"/>
-                <a:ea typeface="+mn-ea"/>
-                <a:cs typeface="Arial" charset="0"/>
-              </a:defRPr>
-            </a:lvl6pPr>
-            <a:lvl7pPr marL="2057674" algn="l" defTabSz="685891" rtl="0" eaLnBrk="1" latinLnBrk="0" hangingPunct="1">
-              <a:defRPr kern="1200">
-                <a:solidFill>
-                  <a:schemeClr val="tx1"/>
-                </a:solidFill>
-                <a:latin typeface="Arial" charset="0"/>
-                <a:ea typeface="+mn-ea"/>
-                <a:cs typeface="Arial" charset="0"/>
-              </a:defRPr>
-            </a:lvl7pPr>
-            <a:lvl8pPr marL="2400620" algn="l" defTabSz="685891" rtl="0" eaLnBrk="1" latinLnBrk="0" hangingPunct="1">
-              <a:defRPr kern="1200">
-                <a:solidFill>
-                  <a:schemeClr val="tx1"/>
-                </a:solidFill>
-                <a:latin typeface="Arial" charset="0"/>
-                <a:ea typeface="+mn-ea"/>
-                <a:cs typeface="Arial" charset="0"/>
-              </a:defRPr>
-            </a:lvl8pPr>
-            <a:lvl9pPr marL="2743566" algn="l" defTabSz="685891" rtl="0" eaLnBrk="1" latinLnBrk="0" hangingPunct="1">
-              <a:defRPr kern="1200">
-                <a:solidFill>
-                  <a:schemeClr val="tx1"/>
-                </a:solidFill>
-                <a:latin typeface="Arial" charset="0"/>
-                <a:ea typeface="+mn-ea"/>
-                <a:cs typeface="Arial" charset="0"/>
-              </a:defRPr>
-            </a:lvl9pPr>
-          </a:lstStyle>
-          <a:p>
-            <a:r>
-              <a:rPr lang="en-US" sz="4400" dirty="0" err="1">
-                <a:solidFill>
-                  <a:schemeClr val="bg1"/>
-                </a:solidFill>
-                <a:latin typeface="Segoe UI Light" panose="020B0502040204020203" pitchFamily="34" charset="0"/>
-                <a:cs typeface="Segoe UI Light" panose="020B0502040204020203" pitchFamily="34" charset="0"/>
-              </a:rPr>
-              <a:t>Mapathon</a:t>
-            </a:r>
-            <a:r>
-              <a:rPr lang="en-US" sz="4400" dirty="0">
-                <a:solidFill>
-                  <a:schemeClr val="bg1"/>
-                </a:solidFill>
-                <a:latin typeface="Segoe UI Light" panose="020B0502040204020203" pitchFamily="34" charset="0"/>
-                <a:cs typeface="Segoe UI Light" panose="020B0502040204020203" pitchFamily="34" charset="0"/>
-              </a:rPr>
-              <a:t> Introduction</a:t>
-            </a:r>
-          </a:p>
-        </p:txBody>
-      </p:sp>
-      <p:pic>
-        <p:nvPicPr>
-          <p:cNvPr id="7" name="Picture 6"/>
-          <p:cNvPicPr>
-            <a:picLocks noChangeAspect="1"/>
-          </p:cNvPicPr>
-          <p:nvPr/>
-        </p:nvPicPr>
-        <p:blipFill>
-          <a:blip r:embed="rId4">
-            <a:extLst>
-              <a:ext uri="{28A0092B-C50C-407E-A947-70E740481C1C}">
-                <a14:useLocalDpi xmlns:a14="http://schemas.microsoft.com/office/drawing/2010/main" val="0"/>
-              </a:ext>
-            </a:extLst>
-          </a:blip>
-          <a:stretch>
-            <a:fillRect/>
-          </a:stretch>
-        </p:blipFill>
-        <p:spPr>
-          <a:xfrm>
-            <a:off x="987028" y="826973"/>
-            <a:ext cx="2802681" cy="1111023"/>
-          </a:xfrm>
-          <a:prstGeom prst="rect">
-            <a:avLst/>
-          </a:prstGeom>
-        </p:spPr>
-      </p:pic>
     </p:spTree>
     <p:extLst>
       <p:ext uri="{BB962C8B-B14F-4D97-AF65-F5344CB8AC3E}">
-        <p14:creationId xmlns:p14="http://schemas.microsoft.com/office/powerpoint/2010/main" val="2528128065"/>
+        <p14:creationId xmlns:p14="http://schemas.microsoft.com/office/powerpoint/2010/main" val="3339234695"/>
       </p:ext>
     </p:extLst>
   </p:cSld>
   <p:clrMapOvr>
     <a:masterClrMapping/>
   </p:clrMapOvr>
+  <mc:AlternateContent xmlns:mc="http://schemas.openxmlformats.org/markup-compatibility/2006" xmlns:p14="http://schemas.microsoft.com/office/powerpoint/2010/main">
+    <mc:Choice Requires="p14">
+      <p:transition spd="med" p14:dur="700">
+        <p:fade/>
+      </p:transition>
+    </mc:Choice>
+    <mc:Fallback xmlns="">
+      <p:transition spd="med">
+        <p:fade/>
+      </p:transition>
+    </mc:Fallback>
+  </mc:AlternateContent>
 </p:sld>
 </file>
 
-<file path=ppt/slides/slide2.xml><?xml version="1.0" encoding="utf-8"?>
-<p:sld xmlns:a="http://schemas.openxmlformats.org/drawingml/2006/main" xmlns:r="http://schemas.openxmlformats.org/officeDocument/2006/relationships" xmlns:p="http://schemas.openxmlformats.org/presentationml/2006/main">
-  <p:cSld>
-    <p:spTree>
-      <p:nvGrpSpPr>
-        <p:cNvPr id="1" name=""/>
-        <p:cNvGrpSpPr/>
-        <p:nvPr/>
-      </p:nvGrpSpPr>
-      <p:grpSpPr>
-        <a:xfrm>
-          <a:off x="0" y="0"/>
-          <a:ext cx="0" cy="0"/>
-          <a:chOff x="0" y="0"/>
-          <a:chExt cx="0" cy="0"/>
-        </a:xfrm>
-      </p:grpSpPr>
-      <p:sp>
-        <p:nvSpPr>
-          <p:cNvPr id="7" name="Content Placeholder 4"/>
-          <p:cNvSpPr txBox="1">
-            <a:spLocks/>
-          </p:cNvSpPr>
-          <p:nvPr/>
-        </p:nvSpPr>
-        <p:spPr>
-          <a:xfrm>
-            <a:off x="1147276" y="1727637"/>
-            <a:ext cx="10385963" cy="4668837"/>
-          </a:xfrm>
-          <a:prstGeom prst="rect">
-            <a:avLst/>
-          </a:prstGeom>
-        </p:spPr>
-        <p:txBody>
-          <a:bodyPr vert="horz" lIns="0" tIns="0" rIns="0" bIns="0" rtlCol="0">
-            <a:noAutofit/>
-          </a:bodyPr>
-          <a:lstStyle>
-            <a:lvl1pPr marL="0" indent="0" algn="l" rtl="0" eaLnBrk="1" fontAlgn="base" hangingPunct="1">
-              <a:spcBef>
-                <a:spcPts val="0"/>
-              </a:spcBef>
-              <a:spcAft>
-                <a:spcPts val="533"/>
-              </a:spcAft>
-              <a:buSzPct val="80000"/>
-              <a:buFont typeface="Arial" pitchFamily="34" charset="0"/>
-              <a:buNone/>
-              <a:defRPr sz="2667" kern="1200">
-                <a:solidFill>
-                  <a:schemeClr val="tx1"/>
-                </a:solidFill>
-                <a:latin typeface="+mn-lt"/>
-                <a:ea typeface="Arial" pitchFamily="-105" charset="-52"/>
-                <a:cs typeface="Arial" pitchFamily="34" charset="0"/>
-              </a:defRPr>
-            </a:lvl1pPr>
-            <a:lvl2pPr marL="457239" indent="-230418" algn="l" rtl="0" eaLnBrk="1" fontAlgn="base" hangingPunct="1">
-              <a:spcBef>
-                <a:spcPts val="0"/>
-              </a:spcBef>
-              <a:spcAft>
-                <a:spcPts val="533"/>
-              </a:spcAft>
-              <a:buSzPct val="80000"/>
-              <a:buFont typeface="Arial" pitchFamily="34" charset="0"/>
-              <a:buChar char="–"/>
-              <a:defRPr sz="2400" kern="1200">
-                <a:solidFill>
-                  <a:schemeClr val="tx1"/>
-                </a:solidFill>
-                <a:latin typeface="+mn-lt"/>
-                <a:ea typeface="Arial" pitchFamily="-105" charset="-52"/>
-                <a:cs typeface="Arial" pitchFamily="34" charset="0"/>
-              </a:defRPr>
-            </a:lvl2pPr>
-            <a:lvl3pPr marL="687657" indent="-230418" algn="l" rtl="0" eaLnBrk="1" fontAlgn="base" hangingPunct="1">
-              <a:spcBef>
-                <a:spcPts val="0"/>
-              </a:spcBef>
-              <a:spcAft>
-                <a:spcPts val="533"/>
-              </a:spcAft>
-              <a:buSzPct val="80000"/>
-              <a:buFont typeface="Arial" pitchFamily="34" charset="0"/>
-              <a:buChar char="•"/>
-              <a:defRPr sz="2000" kern="1200">
-                <a:solidFill>
-                  <a:schemeClr val="tx1"/>
-                </a:solidFill>
-                <a:latin typeface="+mn-lt"/>
-                <a:ea typeface="Arial" pitchFamily="-105" charset="-52"/>
-                <a:cs typeface="Arial" pitchFamily="34" charset="0"/>
-              </a:defRPr>
-            </a:lvl3pPr>
-            <a:lvl4pPr marL="910876" indent="-226818" algn="l" rtl="0" eaLnBrk="1" fontAlgn="base" hangingPunct="1">
-              <a:spcBef>
-                <a:spcPts val="0"/>
-              </a:spcBef>
-              <a:spcAft>
-                <a:spcPts val="533"/>
-              </a:spcAft>
-              <a:buSzPct val="80000"/>
-              <a:buFont typeface="Arial" pitchFamily="34" charset="0"/>
-              <a:buChar char="–"/>
-              <a:defRPr sz="1867" kern="1200">
-                <a:solidFill>
-                  <a:schemeClr val="tx1"/>
-                </a:solidFill>
-                <a:latin typeface="+mn-lt"/>
-                <a:ea typeface="Arial" pitchFamily="-105" charset="-52"/>
-                <a:cs typeface="Arial" pitchFamily="34" charset="0"/>
-              </a:defRPr>
-            </a:lvl4pPr>
-            <a:lvl5pPr marL="1144895" indent="-230418" algn="l" rtl="0" eaLnBrk="1" fontAlgn="base" hangingPunct="1">
-              <a:spcBef>
-                <a:spcPts val="0"/>
-              </a:spcBef>
-              <a:spcAft>
-                <a:spcPts val="533"/>
-              </a:spcAft>
-              <a:buSzPct val="80000"/>
-              <a:buFont typeface="Arial" pitchFamily="34" charset="0"/>
-              <a:buChar char="•"/>
-              <a:defRPr sz="1600" kern="1200">
-                <a:solidFill>
-                  <a:schemeClr val="tx1"/>
-                </a:solidFill>
-                <a:latin typeface="+mn-lt"/>
-                <a:ea typeface="Arial" pitchFamily="-105" charset="-52"/>
-                <a:cs typeface="Arial" pitchFamily="34" charset="0"/>
-              </a:defRPr>
-            </a:lvl5pPr>
-            <a:lvl6pPr marL="2514809" indent="-228620" algn="l" defTabSz="914476" rtl="0" eaLnBrk="1" latinLnBrk="0" hangingPunct="1">
-              <a:spcBef>
-                <a:spcPct val="20000"/>
-              </a:spcBef>
-              <a:buFont typeface="Arial" pitchFamily="34" charset="0"/>
-              <a:buChar char="•"/>
-              <a:defRPr sz="2000" kern="1200">
-                <a:solidFill>
-                  <a:schemeClr val="tx1"/>
-                </a:solidFill>
-                <a:latin typeface="+mn-lt"/>
-                <a:ea typeface="+mn-ea"/>
-                <a:cs typeface="+mn-cs"/>
-              </a:defRPr>
-            </a:lvl6pPr>
-            <a:lvl7pPr marL="2972047" indent="-228620" algn="l" defTabSz="914476" rtl="0" eaLnBrk="1" latinLnBrk="0" hangingPunct="1">
-              <a:spcBef>
-                <a:spcPct val="20000"/>
-              </a:spcBef>
-              <a:buFont typeface="Arial" pitchFamily="34" charset="0"/>
-              <a:buChar char="•"/>
-              <a:defRPr sz="2000" kern="1200">
-                <a:solidFill>
-                  <a:schemeClr val="tx1"/>
-                </a:solidFill>
-                <a:latin typeface="+mn-lt"/>
-                <a:ea typeface="+mn-ea"/>
-                <a:cs typeface="+mn-cs"/>
-              </a:defRPr>
-            </a:lvl7pPr>
-            <a:lvl8pPr marL="3429286" indent="-228620" algn="l" defTabSz="914476" rtl="0" eaLnBrk="1" latinLnBrk="0" hangingPunct="1">
-              <a:spcBef>
-                <a:spcPct val="20000"/>
-              </a:spcBef>
-              <a:buFont typeface="Arial" pitchFamily="34" charset="0"/>
-              <a:buChar char="•"/>
-              <a:defRPr sz="2000" kern="1200">
-                <a:solidFill>
-                  <a:schemeClr val="tx1"/>
-                </a:solidFill>
-                <a:latin typeface="+mn-lt"/>
-                <a:ea typeface="+mn-ea"/>
-                <a:cs typeface="+mn-cs"/>
-              </a:defRPr>
-            </a:lvl8pPr>
-            <a:lvl9pPr marL="3886524" indent="-228620" algn="l" defTabSz="914476" rtl="0" eaLnBrk="1" latinLnBrk="0" hangingPunct="1">
-              <a:spcBef>
-                <a:spcPct val="20000"/>
-              </a:spcBef>
-              <a:buFont typeface="Arial" pitchFamily="34" charset="0"/>
-              <a:buChar char="•"/>
-              <a:defRPr sz="2000" kern="1200">
-                <a:solidFill>
-                  <a:schemeClr val="tx1"/>
-                </a:solidFill>
-                <a:latin typeface="+mn-lt"/>
-                <a:ea typeface="+mn-ea"/>
-                <a:cs typeface="+mn-cs"/>
-              </a:defRPr>
-            </a:lvl9pPr>
-          </a:lstStyle>
-          <a:p>
-            <a:r>
-              <a:rPr lang="en-GB" sz="2400" dirty="0">
-                <a:latin typeface="Segoe UI" panose="020B0502040204020203" pitchFamily="34" charset="0"/>
-                <a:cs typeface="Segoe UI" panose="020B0502040204020203" pitchFamily="34" charset="0"/>
-              </a:rPr>
-              <a:t>Thanks for attending the </a:t>
-            </a:r>
-            <a:r>
-              <a:rPr lang="en-GB" sz="2400" dirty="0">
-                <a:solidFill>
-                  <a:srgbClr val="FF0000"/>
-                </a:solidFill>
-                <a:latin typeface="Segoe UI" panose="020B0502040204020203" pitchFamily="34" charset="0"/>
-                <a:cs typeface="Segoe UI" panose="020B0502040204020203" pitchFamily="34" charset="0"/>
-              </a:rPr>
-              <a:t>&lt;insert details&gt; </a:t>
-            </a:r>
-            <a:r>
-              <a:rPr lang="en-GB" sz="2400" dirty="0" err="1">
-                <a:latin typeface="Segoe UI" panose="020B0502040204020203" pitchFamily="34" charset="0"/>
-                <a:cs typeface="Segoe UI" panose="020B0502040204020203" pitchFamily="34" charset="0"/>
-              </a:rPr>
-              <a:t>mapathon</a:t>
-            </a:r>
-            <a:endParaRPr lang="en-GB" sz="2400" dirty="0">
-              <a:latin typeface="Segoe UI" panose="020B0502040204020203" pitchFamily="34" charset="0"/>
-              <a:cs typeface="Segoe UI" panose="020B0502040204020203" pitchFamily="34" charset="0"/>
-            </a:endParaRPr>
-          </a:p>
-          <a:p>
-            <a:endParaRPr lang="en-US" sz="2400" dirty="0">
-              <a:latin typeface="Segoe UI" panose="020B0502040204020203" pitchFamily="34" charset="0"/>
-              <a:cs typeface="Segoe UI" panose="020B0502040204020203" pitchFamily="34" charset="0"/>
-            </a:endParaRPr>
-          </a:p>
-          <a:p>
-            <a:r>
-              <a:rPr lang="en-US" sz="2400" dirty="0">
-                <a:latin typeface="Segoe UI" panose="020B0502040204020203" pitchFamily="34" charset="0"/>
-                <a:cs typeface="Segoe UI" panose="020B0502040204020203" pitchFamily="34" charset="0"/>
-              </a:rPr>
-              <a:t>While you are waiting for others to arrive, complete the below steps:</a:t>
-            </a:r>
-          </a:p>
-          <a:p>
-            <a:pPr marL="514350" indent="-514350">
-              <a:buAutoNum type="arabicPeriod"/>
-            </a:pPr>
-            <a:r>
-              <a:rPr lang="en-US" sz="2400" dirty="0">
-                <a:latin typeface="Segoe UI" panose="020B0502040204020203" pitchFamily="34" charset="0"/>
-                <a:cs typeface="Segoe UI" panose="020B0502040204020203" pitchFamily="34" charset="0"/>
-              </a:rPr>
-              <a:t>Sign up for an account at </a:t>
-            </a:r>
-            <a:r>
-              <a:rPr lang="en-US" sz="2400" dirty="0">
-                <a:latin typeface="Segoe UI" panose="020B0502040204020203" pitchFamily="34" charset="0"/>
-                <a:cs typeface="Segoe UI" panose="020B0502040204020203" pitchFamily="34" charset="0"/>
-                <a:hlinkClick r:id="rId3"/>
-              </a:rPr>
-              <a:t>www.openstreetmap.org</a:t>
-            </a:r>
-            <a:endParaRPr lang="en-US" sz="2400" dirty="0">
-              <a:latin typeface="Segoe UI" panose="020B0502040204020203" pitchFamily="34" charset="0"/>
-              <a:cs typeface="Segoe UI" panose="020B0502040204020203" pitchFamily="34" charset="0"/>
-            </a:endParaRPr>
-          </a:p>
-          <a:p>
-            <a:pPr marL="514350" indent="-514350">
-              <a:buAutoNum type="arabicPeriod"/>
-            </a:pPr>
-            <a:r>
-              <a:rPr lang="en-US" sz="2400" dirty="0">
-                <a:latin typeface="Segoe UI" panose="020B0502040204020203" pitchFamily="34" charset="0"/>
-                <a:cs typeface="Segoe UI" panose="020B0502040204020203" pitchFamily="34" charset="0"/>
-              </a:rPr>
-              <a:t>Check your email and confirm your account by clicking the link provided!</a:t>
-            </a:r>
-          </a:p>
-          <a:p>
-            <a:pPr marL="514350" indent="-514350">
-              <a:buAutoNum type="arabicPeriod"/>
-            </a:pPr>
-            <a:r>
-              <a:rPr lang="en-US" sz="2400" dirty="0">
-                <a:latin typeface="Segoe UI" panose="020B0502040204020203" pitchFamily="34" charset="0"/>
-                <a:cs typeface="Segoe UI" panose="020B0502040204020203" pitchFamily="34" charset="0"/>
-              </a:rPr>
-              <a:t>Read through the steps on the guide on your table, to get familiar with how to map</a:t>
-            </a:r>
-          </a:p>
-          <a:p>
-            <a:endParaRPr lang="en-US" sz="1800" dirty="0">
-              <a:latin typeface="Segoe UI" panose="020B0502040204020203" pitchFamily="34" charset="0"/>
-              <a:cs typeface="Segoe UI" panose="020B0502040204020203" pitchFamily="34" charset="0"/>
-            </a:endParaRPr>
-          </a:p>
-          <a:p>
-            <a:endParaRPr lang="en-US" sz="500" dirty="0">
-              <a:solidFill>
-                <a:srgbClr val="000000"/>
-              </a:solidFill>
-              <a:latin typeface="Segoe UI" panose="020B0502040204020203" pitchFamily="34" charset="0"/>
-              <a:cs typeface="Segoe UI" panose="020B0502040204020203" pitchFamily="34" charset="0"/>
-            </a:endParaRPr>
-          </a:p>
-        </p:txBody>
-      </p:sp>
-      <p:pic>
-        <p:nvPicPr>
-          <p:cNvPr id="8" name="Picture 7"/>
-          <p:cNvPicPr>
-            <a:picLocks noChangeAspect="1"/>
-          </p:cNvPicPr>
-          <p:nvPr/>
-        </p:nvPicPr>
-        <p:blipFill rotWithShape="1">
-          <a:blip r:embed="rId4">
-            <a:extLst>
-              <a:ext uri="{28A0092B-C50C-407E-A947-70E740481C1C}">
-                <a14:useLocalDpi xmlns:a14="http://schemas.microsoft.com/office/drawing/2010/main" val="0"/>
-              </a:ext>
-            </a:extLst>
-          </a:blip>
-          <a:srcRect r="63392"/>
-          <a:stretch/>
-        </p:blipFill>
-        <p:spPr>
-          <a:xfrm>
-            <a:off x="10333703" y="235415"/>
-            <a:ext cx="1430593" cy="1549153"/>
-          </a:xfrm>
-          <a:prstGeom prst="rect">
-            <a:avLst/>
-          </a:prstGeom>
-        </p:spPr>
-      </p:pic>
-      <p:sp>
-        <p:nvSpPr>
-          <p:cNvPr id="11" name="TextBox 10">
-            <a:extLst>
-              <a:ext uri="{FF2B5EF4-FFF2-40B4-BE49-F238E27FC236}">
-                <a16:creationId xmlns:a16="http://schemas.microsoft.com/office/drawing/2014/main" id="{82A069F7-99E2-4D54-AAA6-95B51AB692B5}"/>
-              </a:ext>
-            </a:extLst>
-          </p:cNvPr>
-          <p:cNvSpPr txBox="1"/>
-          <p:nvPr/>
-        </p:nvSpPr>
-        <p:spPr>
-          <a:xfrm>
-            <a:off x="958645" y="444198"/>
-            <a:ext cx="5299587" cy="1015663"/>
-          </a:xfrm>
-          <a:prstGeom prst="rect">
-            <a:avLst/>
-          </a:prstGeom>
-          <a:noFill/>
-        </p:spPr>
-        <p:txBody>
-          <a:bodyPr wrap="square" rtlCol="0">
-            <a:spAutoFit/>
-          </a:bodyPr>
-          <a:lstStyle/>
-          <a:p>
-            <a:r>
-              <a:rPr lang="en-US" sz="6000" dirty="0">
-                <a:latin typeface="Segoe UI Semibold" panose="020B0702040204020203" pitchFamily="34" charset="0"/>
-                <a:ea typeface="Segoe UI Black" panose="020B0A02040204020203" pitchFamily="34" charset="0"/>
-                <a:cs typeface="Segoe UI Semibold" panose="020B0702040204020203" pitchFamily="34" charset="0"/>
-              </a:rPr>
-              <a:t>Welcome</a:t>
-            </a:r>
-          </a:p>
-        </p:txBody>
-      </p:sp>
-    </p:spTree>
-    <p:extLst>
-      <p:ext uri="{BB962C8B-B14F-4D97-AF65-F5344CB8AC3E}">
-        <p14:creationId xmlns:p14="http://schemas.microsoft.com/office/powerpoint/2010/main" val="3999282096"/>
-      </p:ext>
-    </p:extLst>
-  </p:cSld>
-  <p:clrMapOvr>
-    <a:masterClrMapping/>
-  </p:clrMapOvr>
-</p:sld>
-</file>
-
-<file path=ppt/slides/slide3.xml><?xml version="1.0" encoding="utf-8"?>
-<p:sld xmlns:a="http://schemas.openxmlformats.org/drawingml/2006/main" xmlns:r="http://schemas.openxmlformats.org/officeDocument/2006/relationships" xmlns:p="http://schemas.openxmlformats.org/presentationml/2006/main">
-  <p:cSld>
-    <p:spTree>
-      <p:nvGrpSpPr>
-        <p:cNvPr id="1" name=""/>
-        <p:cNvGrpSpPr/>
-        <p:nvPr/>
-      </p:nvGrpSpPr>
-      <p:grpSpPr>
-        <a:xfrm>
-          <a:off x="0" y="0"/>
-          <a:ext cx="0" cy="0"/>
-          <a:chOff x="0" y="0"/>
-          <a:chExt cx="0" cy="0"/>
-        </a:xfrm>
-      </p:grpSpPr>
-      <p:pic>
-        <p:nvPicPr>
-          <p:cNvPr id="4" name="Content Placeholder 3" descr="osm_density.png"/>
-          <p:cNvPicPr>
-            <a:picLocks noGrp="1" noChangeAspect="1"/>
-          </p:cNvPicPr>
-          <p:nvPr>
-            <p:ph idx="1"/>
-          </p:nvPr>
-        </p:nvPicPr>
-        <p:blipFill rotWithShape="1">
-          <a:blip r:embed="rId3" cstate="print">
-            <a:extLst>
-              <a:ext uri="{28A0092B-C50C-407E-A947-70E740481C1C}">
-                <a14:useLocalDpi xmlns:a14="http://schemas.microsoft.com/office/drawing/2010/main"/>
-              </a:ext>
-            </a:extLst>
-          </a:blip>
-          <a:srcRect l="789" t="1" b="-1"/>
-          <a:stretch/>
-        </p:blipFill>
-        <p:spPr>
-          <a:xfrm>
-            <a:off x="0" y="0"/>
-            <a:ext cx="12192000" cy="6858000"/>
-          </a:xfrm>
-        </p:spPr>
-      </p:pic>
-      <p:sp>
-        <p:nvSpPr>
-          <p:cNvPr id="6" name="Content Placeholder 2"/>
-          <p:cNvSpPr txBox="1">
-            <a:spLocks/>
-          </p:cNvSpPr>
-          <p:nvPr/>
-        </p:nvSpPr>
-        <p:spPr>
-          <a:xfrm>
-            <a:off x="4562089" y="5218203"/>
-            <a:ext cx="5295275" cy="1154241"/>
-          </a:xfrm>
-          <a:prstGeom prst="rect">
-            <a:avLst/>
-          </a:prstGeom>
-          <a:noFill/>
-        </p:spPr>
-        <p:txBody>
-          <a:bodyPr vert="horz" lIns="68580" tIns="34290" rIns="68580" bIns="34290" rtlCol="0">
-            <a:normAutofit/>
-          </a:bodyPr>
-          <a:lstStyle>
-            <a:lvl1pPr marL="342900" indent="-342900" algn="l" defTabSz="457200" rtl="0" eaLnBrk="1" latinLnBrk="0" hangingPunct="1">
-              <a:spcBef>
-                <a:spcPct val="20000"/>
-              </a:spcBef>
-              <a:buFont typeface="Arial"/>
-              <a:buChar char="•"/>
-              <a:defRPr sz="3200" kern="1200">
-                <a:solidFill>
-                  <a:schemeClr val="tx1"/>
-                </a:solidFill>
-                <a:latin typeface="+mn-lt"/>
-                <a:ea typeface="+mn-ea"/>
-                <a:cs typeface="+mn-cs"/>
-              </a:defRPr>
-            </a:lvl1pPr>
-            <a:lvl2pPr marL="742950" indent="-285750" algn="l" defTabSz="457200" rtl="0" eaLnBrk="1" latinLnBrk="0" hangingPunct="1">
-              <a:spcBef>
-                <a:spcPct val="20000"/>
-              </a:spcBef>
-              <a:buFont typeface="Arial"/>
-              <a:buChar char="–"/>
-              <a:defRPr sz="2800" kern="1200">
-                <a:solidFill>
-                  <a:schemeClr val="tx1"/>
-                </a:solidFill>
-                <a:latin typeface="+mn-lt"/>
-                <a:ea typeface="+mn-ea"/>
-                <a:cs typeface="+mn-cs"/>
-              </a:defRPr>
-            </a:lvl2pPr>
-            <a:lvl3pPr marL="1143000" indent="-228600" algn="l" defTabSz="457200" rtl="0" eaLnBrk="1" latinLnBrk="0" hangingPunct="1">
-              <a:spcBef>
-                <a:spcPct val="20000"/>
-              </a:spcBef>
-              <a:buFont typeface="Arial"/>
-              <a:buChar char="•"/>
-              <a:defRPr sz="2400" kern="1200">
-                <a:solidFill>
-                  <a:schemeClr val="tx1"/>
-                </a:solidFill>
-                <a:latin typeface="+mn-lt"/>
-                <a:ea typeface="+mn-ea"/>
-                <a:cs typeface="+mn-cs"/>
-              </a:defRPr>
-            </a:lvl3pPr>
-            <a:lvl4pPr marL="1600200" indent="-228600" algn="l" defTabSz="457200" rtl="0" eaLnBrk="1" latinLnBrk="0" hangingPunct="1">
-              <a:spcBef>
-                <a:spcPct val="20000"/>
-              </a:spcBef>
-              <a:buFont typeface="Arial"/>
-              <a:buChar char="–"/>
-              <a:defRPr sz="2000" kern="1200">
-                <a:solidFill>
-                  <a:schemeClr val="tx1"/>
-                </a:solidFill>
-                <a:latin typeface="+mn-lt"/>
-                <a:ea typeface="+mn-ea"/>
-                <a:cs typeface="+mn-cs"/>
-              </a:defRPr>
-            </a:lvl4pPr>
-            <a:lvl5pPr marL="2057400" indent="-228600" algn="l" defTabSz="457200" rtl="0" eaLnBrk="1" latinLnBrk="0" hangingPunct="1">
-              <a:spcBef>
-                <a:spcPct val="20000"/>
-              </a:spcBef>
-              <a:buFont typeface="Arial"/>
-              <a:buChar char="»"/>
-              <a:defRPr sz="2000" kern="1200">
-                <a:solidFill>
-                  <a:schemeClr val="tx1"/>
-                </a:solidFill>
-                <a:latin typeface="+mn-lt"/>
-                <a:ea typeface="+mn-ea"/>
-                <a:cs typeface="+mn-cs"/>
-              </a:defRPr>
-            </a:lvl5pPr>
-            <a:lvl6pPr marL="2514600" indent="-228600" algn="l" defTabSz="457200" rtl="0" eaLnBrk="1" latinLnBrk="0" hangingPunct="1">
-              <a:spcBef>
-                <a:spcPct val="20000"/>
-              </a:spcBef>
-              <a:buFont typeface="Arial"/>
-              <a:buChar char="•"/>
-              <a:defRPr sz="2000" kern="1200">
-                <a:solidFill>
-                  <a:schemeClr val="tx1"/>
-                </a:solidFill>
-                <a:latin typeface="+mn-lt"/>
-                <a:ea typeface="+mn-ea"/>
-                <a:cs typeface="+mn-cs"/>
-              </a:defRPr>
-            </a:lvl6pPr>
-            <a:lvl7pPr marL="2971800" indent="-228600" algn="l" defTabSz="457200" rtl="0" eaLnBrk="1" latinLnBrk="0" hangingPunct="1">
-              <a:spcBef>
-                <a:spcPct val="20000"/>
-              </a:spcBef>
-              <a:buFont typeface="Arial"/>
-              <a:buChar char="•"/>
-              <a:defRPr sz="2000" kern="1200">
-                <a:solidFill>
-                  <a:schemeClr val="tx1"/>
-                </a:solidFill>
-                <a:latin typeface="+mn-lt"/>
-                <a:ea typeface="+mn-ea"/>
-                <a:cs typeface="+mn-cs"/>
-              </a:defRPr>
-            </a:lvl7pPr>
-            <a:lvl8pPr marL="3429000" indent="-228600" algn="l" defTabSz="457200" rtl="0" eaLnBrk="1" latinLnBrk="0" hangingPunct="1">
-              <a:spcBef>
-                <a:spcPct val="20000"/>
-              </a:spcBef>
-              <a:buFont typeface="Arial"/>
-              <a:buChar char="•"/>
-              <a:defRPr sz="2000" kern="1200">
-                <a:solidFill>
-                  <a:schemeClr val="tx1"/>
-                </a:solidFill>
-                <a:latin typeface="+mn-lt"/>
-                <a:ea typeface="+mn-ea"/>
-                <a:cs typeface="+mn-cs"/>
-              </a:defRPr>
-            </a:lvl8pPr>
-            <a:lvl9pPr marL="3886200" indent="-228600" algn="l" defTabSz="457200" rtl="0" eaLnBrk="1" latinLnBrk="0" hangingPunct="1">
-              <a:spcBef>
-                <a:spcPct val="20000"/>
-              </a:spcBef>
-              <a:buFont typeface="Arial"/>
-              <a:buChar char="•"/>
-              <a:defRPr sz="2000" kern="1200">
-                <a:solidFill>
-                  <a:schemeClr val="tx1"/>
-                </a:solidFill>
-                <a:latin typeface="+mn-lt"/>
-                <a:ea typeface="+mn-ea"/>
-                <a:cs typeface="+mn-cs"/>
-              </a:defRPr>
-            </a:lvl9pPr>
-          </a:lstStyle>
-          <a:p>
-            <a:pPr marL="0" indent="0">
-              <a:buNone/>
-            </a:pPr>
-            <a:r>
-              <a:rPr lang="en-US" sz="2800" dirty="0">
-                <a:solidFill>
-                  <a:schemeClr val="bg1"/>
-                </a:solidFill>
-                <a:latin typeface="Segoe UI" panose="020B0502040204020203" pitchFamily="34" charset="0"/>
-                <a:ea typeface="Helvetica" charset="0"/>
-                <a:cs typeface="Segoe UI" panose="020B0502040204020203" pitchFamily="34" charset="0"/>
-              </a:rPr>
-              <a:t>Most of the developing world’s population is </a:t>
-            </a:r>
-            <a:r>
-              <a:rPr lang="en-US" sz="2800" dirty="0">
-                <a:solidFill>
-                  <a:schemeClr val="accent2"/>
-                </a:solidFill>
-                <a:latin typeface="Segoe UI" panose="020B0502040204020203" pitchFamily="34" charset="0"/>
-                <a:ea typeface="Helvetica" charset="0"/>
-                <a:cs typeface="Segoe UI" panose="020B0502040204020203" pitchFamily="34" charset="0"/>
-              </a:rPr>
-              <a:t>not</a:t>
-            </a:r>
-            <a:r>
-              <a:rPr lang="en-US" sz="2800" dirty="0">
-                <a:solidFill>
-                  <a:schemeClr val="bg1"/>
-                </a:solidFill>
-                <a:latin typeface="Segoe UI" panose="020B0502040204020203" pitchFamily="34" charset="0"/>
-                <a:ea typeface="Helvetica" charset="0"/>
-                <a:cs typeface="Segoe UI" panose="020B0502040204020203" pitchFamily="34" charset="0"/>
-              </a:rPr>
-              <a:t> on any map.</a:t>
-            </a:r>
-          </a:p>
-        </p:txBody>
-      </p:sp>
-    </p:spTree>
-    <p:extLst>
-      <p:ext uri="{BB962C8B-B14F-4D97-AF65-F5344CB8AC3E}">
-        <p14:creationId xmlns:p14="http://schemas.microsoft.com/office/powerpoint/2010/main" val="1764666116"/>
-      </p:ext>
-    </p:extLst>
-  </p:cSld>
-  <p:clrMapOvr>
-    <a:masterClrMapping/>
-  </p:clrMapOvr>
-</p:sld>
-</file>
-
-<file path=ppt/slides/slide4.xml><?xml version="1.0" encoding="utf-8"?>
-<p:sld xmlns:a="http://schemas.openxmlformats.org/drawingml/2006/main" xmlns:r="http://schemas.openxmlformats.org/officeDocument/2006/relationships" xmlns:p="http://schemas.openxmlformats.org/presentationml/2006/main">
-  <p:cSld>
-    <p:spTree>
-      <p:nvGrpSpPr>
-        <p:cNvPr id="1" name=""/>
-        <p:cNvGrpSpPr/>
-        <p:nvPr/>
-      </p:nvGrpSpPr>
-      <p:grpSpPr>
-        <a:xfrm>
-          <a:off x="0" y="0"/>
-          <a:ext cx="0" cy="0"/>
-          <a:chOff x="0" y="0"/>
-          <a:chExt cx="0" cy="0"/>
-        </a:xfrm>
-      </p:grpSpPr>
-      <p:sp>
-        <p:nvSpPr>
-          <p:cNvPr id="7" name="Content Placeholder 4"/>
-          <p:cNvSpPr txBox="1">
-            <a:spLocks/>
-          </p:cNvSpPr>
-          <p:nvPr/>
-        </p:nvSpPr>
-        <p:spPr>
-          <a:xfrm>
-            <a:off x="719572" y="1661023"/>
-            <a:ext cx="10617022" cy="4668837"/>
-          </a:xfrm>
-          <a:prstGeom prst="rect">
-            <a:avLst/>
-          </a:prstGeom>
-        </p:spPr>
-        <p:txBody>
-          <a:bodyPr vert="horz" lIns="0" tIns="0" rIns="0" bIns="0" rtlCol="0">
-            <a:noAutofit/>
-          </a:bodyPr>
-          <a:lstStyle>
-            <a:lvl1pPr marL="0" indent="0" algn="l" rtl="0" eaLnBrk="1" fontAlgn="base" hangingPunct="1">
-              <a:spcBef>
-                <a:spcPts val="0"/>
-              </a:spcBef>
-              <a:spcAft>
-                <a:spcPts val="533"/>
-              </a:spcAft>
-              <a:buSzPct val="80000"/>
-              <a:buFont typeface="Arial" pitchFamily="34" charset="0"/>
-              <a:buNone/>
-              <a:defRPr sz="2667" kern="1200">
-                <a:solidFill>
-                  <a:schemeClr val="tx1"/>
-                </a:solidFill>
-                <a:latin typeface="+mn-lt"/>
-                <a:ea typeface="Arial" pitchFamily="-105" charset="-52"/>
-                <a:cs typeface="Arial" pitchFamily="34" charset="0"/>
-              </a:defRPr>
-            </a:lvl1pPr>
-            <a:lvl2pPr marL="457239" indent="-230418" algn="l" rtl="0" eaLnBrk="1" fontAlgn="base" hangingPunct="1">
-              <a:spcBef>
-                <a:spcPts val="0"/>
-              </a:spcBef>
-              <a:spcAft>
-                <a:spcPts val="533"/>
-              </a:spcAft>
-              <a:buSzPct val="80000"/>
-              <a:buFont typeface="Arial" pitchFamily="34" charset="0"/>
-              <a:buChar char="–"/>
-              <a:defRPr sz="2400" kern="1200">
-                <a:solidFill>
-                  <a:schemeClr val="tx1"/>
-                </a:solidFill>
-                <a:latin typeface="+mn-lt"/>
-                <a:ea typeface="Arial" pitchFamily="-105" charset="-52"/>
-                <a:cs typeface="Arial" pitchFamily="34" charset="0"/>
-              </a:defRPr>
-            </a:lvl2pPr>
-            <a:lvl3pPr marL="687657" indent="-230418" algn="l" rtl="0" eaLnBrk="1" fontAlgn="base" hangingPunct="1">
-              <a:spcBef>
-                <a:spcPts val="0"/>
-              </a:spcBef>
-              <a:spcAft>
-                <a:spcPts val="533"/>
-              </a:spcAft>
-              <a:buSzPct val="80000"/>
-              <a:buFont typeface="Arial" pitchFamily="34" charset="0"/>
-              <a:buChar char="•"/>
-              <a:defRPr sz="2000" kern="1200">
-                <a:solidFill>
-                  <a:schemeClr val="tx1"/>
-                </a:solidFill>
-                <a:latin typeface="+mn-lt"/>
-                <a:ea typeface="Arial" pitchFamily="-105" charset="-52"/>
-                <a:cs typeface="Arial" pitchFamily="34" charset="0"/>
-              </a:defRPr>
-            </a:lvl3pPr>
-            <a:lvl4pPr marL="910876" indent="-226818" algn="l" rtl="0" eaLnBrk="1" fontAlgn="base" hangingPunct="1">
-              <a:spcBef>
-                <a:spcPts val="0"/>
-              </a:spcBef>
-              <a:spcAft>
-                <a:spcPts val="533"/>
-              </a:spcAft>
-              <a:buSzPct val="80000"/>
-              <a:buFont typeface="Arial" pitchFamily="34" charset="0"/>
-              <a:buChar char="–"/>
-              <a:defRPr sz="1867" kern="1200">
-                <a:solidFill>
-                  <a:schemeClr val="tx1"/>
-                </a:solidFill>
-                <a:latin typeface="+mn-lt"/>
-                <a:ea typeface="Arial" pitchFamily="-105" charset="-52"/>
-                <a:cs typeface="Arial" pitchFamily="34" charset="0"/>
-              </a:defRPr>
-            </a:lvl4pPr>
-            <a:lvl5pPr marL="1144895" indent="-230418" algn="l" rtl="0" eaLnBrk="1" fontAlgn="base" hangingPunct="1">
-              <a:spcBef>
-                <a:spcPts val="0"/>
-              </a:spcBef>
-              <a:spcAft>
-                <a:spcPts val="533"/>
-              </a:spcAft>
-              <a:buSzPct val="80000"/>
-              <a:buFont typeface="Arial" pitchFamily="34" charset="0"/>
-              <a:buChar char="•"/>
-              <a:defRPr sz="1600" kern="1200">
-                <a:solidFill>
-                  <a:schemeClr val="tx1"/>
-                </a:solidFill>
-                <a:latin typeface="+mn-lt"/>
-                <a:ea typeface="Arial" pitchFamily="-105" charset="-52"/>
-                <a:cs typeface="Arial" pitchFamily="34" charset="0"/>
-              </a:defRPr>
-            </a:lvl5pPr>
-            <a:lvl6pPr marL="2514809" indent="-228620" algn="l" defTabSz="914476" rtl="0" eaLnBrk="1" latinLnBrk="0" hangingPunct="1">
-              <a:spcBef>
-                <a:spcPct val="20000"/>
-              </a:spcBef>
-              <a:buFont typeface="Arial" pitchFamily="34" charset="0"/>
-              <a:buChar char="•"/>
-              <a:defRPr sz="2000" kern="1200">
-                <a:solidFill>
-                  <a:schemeClr val="tx1"/>
-                </a:solidFill>
-                <a:latin typeface="+mn-lt"/>
-                <a:ea typeface="+mn-ea"/>
-                <a:cs typeface="+mn-cs"/>
-              </a:defRPr>
-            </a:lvl6pPr>
-            <a:lvl7pPr marL="2972047" indent="-228620" algn="l" defTabSz="914476" rtl="0" eaLnBrk="1" latinLnBrk="0" hangingPunct="1">
-              <a:spcBef>
-                <a:spcPct val="20000"/>
-              </a:spcBef>
-              <a:buFont typeface="Arial" pitchFamily="34" charset="0"/>
-              <a:buChar char="•"/>
-              <a:defRPr sz="2000" kern="1200">
-                <a:solidFill>
-                  <a:schemeClr val="tx1"/>
-                </a:solidFill>
-                <a:latin typeface="+mn-lt"/>
-                <a:ea typeface="+mn-ea"/>
-                <a:cs typeface="+mn-cs"/>
-              </a:defRPr>
-            </a:lvl7pPr>
-            <a:lvl8pPr marL="3429286" indent="-228620" algn="l" defTabSz="914476" rtl="0" eaLnBrk="1" latinLnBrk="0" hangingPunct="1">
-              <a:spcBef>
-                <a:spcPct val="20000"/>
-              </a:spcBef>
-              <a:buFont typeface="Arial" pitchFamily="34" charset="0"/>
-              <a:buChar char="•"/>
-              <a:defRPr sz="2000" kern="1200">
-                <a:solidFill>
-                  <a:schemeClr val="tx1"/>
-                </a:solidFill>
-                <a:latin typeface="+mn-lt"/>
-                <a:ea typeface="+mn-ea"/>
-                <a:cs typeface="+mn-cs"/>
-              </a:defRPr>
-            </a:lvl8pPr>
-            <a:lvl9pPr marL="3886524" indent="-228620" algn="l" defTabSz="914476" rtl="0" eaLnBrk="1" latinLnBrk="0" hangingPunct="1">
-              <a:spcBef>
-                <a:spcPct val="20000"/>
-              </a:spcBef>
-              <a:buFont typeface="Arial" pitchFamily="34" charset="0"/>
-              <a:buChar char="•"/>
-              <a:defRPr sz="2000" kern="1200">
-                <a:solidFill>
-                  <a:schemeClr val="tx1"/>
-                </a:solidFill>
-                <a:latin typeface="+mn-lt"/>
-                <a:ea typeface="+mn-ea"/>
-                <a:cs typeface="+mn-cs"/>
-              </a:defRPr>
-            </a:lvl9pPr>
-          </a:lstStyle>
-          <a:p>
-            <a:r>
-              <a:rPr lang="en-US" sz="1800" b="1" dirty="0">
-                <a:latin typeface="Segoe UI" panose="020B0502040204020203" pitchFamily="34" charset="0"/>
-                <a:cs typeface="Segoe UI" panose="020B0502040204020203" pitchFamily="34" charset="0"/>
-              </a:rPr>
-              <a:t>Aim</a:t>
-            </a:r>
-            <a:r>
-              <a:rPr lang="en-US" sz="1800" dirty="0">
-                <a:latin typeface="Segoe UI" panose="020B0502040204020203" pitchFamily="34" charset="0"/>
-                <a:cs typeface="Segoe UI" panose="020B0502040204020203" pitchFamily="34" charset="0"/>
-              </a:rPr>
-              <a:t>: Creating digital maps of the world’s ‘forgotten’ places by crowdsourcing. Described as </a:t>
-            </a:r>
-          </a:p>
-          <a:p>
-            <a:r>
-              <a:rPr lang="en-US" sz="1800" dirty="0">
-                <a:latin typeface="Segoe UI" panose="020B0502040204020203" pitchFamily="34" charset="0"/>
-                <a:cs typeface="Segoe UI" panose="020B0502040204020203" pitchFamily="34" charset="0"/>
-              </a:rPr>
-              <a:t>‘</a:t>
-            </a:r>
-            <a:r>
-              <a:rPr lang="en-US" sz="1800" dirty="0">
-                <a:latin typeface="Segoe UI" panose="020B0502040204020203" pitchFamily="34" charset="0"/>
-                <a:cs typeface="Segoe UI" panose="020B0502040204020203" pitchFamily="34" charset="0"/>
-                <a:hlinkClick r:id="rId3"/>
-              </a:rPr>
-              <a:t>the human genome project for international development</a:t>
-            </a:r>
-            <a:r>
-              <a:rPr lang="en-US" sz="1800" dirty="0">
-                <a:latin typeface="Segoe UI" panose="020B0502040204020203" pitchFamily="34" charset="0"/>
-                <a:cs typeface="Segoe UI" panose="020B0502040204020203" pitchFamily="34" charset="0"/>
-              </a:rPr>
-              <a:t>’.</a:t>
-            </a:r>
-          </a:p>
-          <a:p>
-            <a:endParaRPr lang="en-US" sz="1800" dirty="0">
-              <a:latin typeface="Segoe UI" panose="020B0502040204020203" pitchFamily="34" charset="0"/>
-              <a:cs typeface="Segoe UI" panose="020B0502040204020203" pitchFamily="34" charset="0"/>
-            </a:endParaRPr>
-          </a:p>
-          <a:p>
-            <a:r>
-              <a:rPr lang="en-US" sz="1800" b="1" dirty="0">
-                <a:latin typeface="Segoe UI" panose="020B0502040204020203" pitchFamily="34" charset="0"/>
-                <a:cs typeface="Segoe UI" panose="020B0502040204020203" pitchFamily="34" charset="0"/>
-              </a:rPr>
-              <a:t>Why</a:t>
-            </a:r>
-            <a:r>
-              <a:rPr lang="en-US" sz="1800" dirty="0">
-                <a:latin typeface="Segoe UI" panose="020B0502040204020203" pitchFamily="34" charset="0"/>
-                <a:cs typeface="Segoe UI" panose="020B0502040204020203" pitchFamily="34" charset="0"/>
-              </a:rPr>
-              <a:t>: </a:t>
-            </a:r>
-            <a:r>
-              <a:rPr lang="en-GB" sz="1800" dirty="0">
-                <a:latin typeface="Segoe UI" panose="020B0502040204020203" pitchFamily="34" charset="0"/>
-                <a:cs typeface="Segoe UI" panose="020B0502040204020203" pitchFamily="34" charset="0"/>
-              </a:rPr>
-              <a:t>Many parts of the world most vulnerable to humanitarian crises such as natural disasters, disease outbreaks, epidemics or conflict are not mapped. People have limited/ no visibility to the situation on the ground.</a:t>
-            </a:r>
-          </a:p>
-          <a:p>
-            <a:endParaRPr lang="en-US" sz="1800" b="1" dirty="0">
-              <a:latin typeface="Segoe UI" panose="020B0502040204020203" pitchFamily="34" charset="0"/>
-              <a:cs typeface="Segoe UI" panose="020B0502040204020203" pitchFamily="34" charset="0"/>
-            </a:endParaRPr>
-          </a:p>
-          <a:p>
-            <a:r>
-              <a:rPr lang="en-US" sz="1800" b="1" dirty="0">
-                <a:latin typeface="Segoe UI" panose="020B0502040204020203" pitchFamily="34" charset="0"/>
-                <a:cs typeface="Segoe UI" panose="020B0502040204020203" pitchFamily="34" charset="0"/>
-              </a:rPr>
-              <a:t>Process</a:t>
-            </a:r>
-            <a:r>
-              <a:rPr lang="en-US" sz="1800" dirty="0">
-                <a:latin typeface="Segoe UI" panose="020B0502040204020203" pitchFamily="34" charset="0"/>
-                <a:cs typeface="Segoe UI" panose="020B0502040204020203" pitchFamily="34" charset="0"/>
-              </a:rPr>
-              <a:t>:</a:t>
-            </a:r>
-          </a:p>
-          <a:p>
-            <a:pPr marL="342900" indent="-342900">
-              <a:buFont typeface="Arial" pitchFamily="34" charset="0"/>
-              <a:buAutoNum type="arabicPeriod"/>
-            </a:pPr>
-            <a:r>
-              <a:rPr lang="en-US" sz="1800" dirty="0">
-                <a:latin typeface="Segoe UI" panose="020B0502040204020203" pitchFamily="34" charset="0"/>
-                <a:cs typeface="Segoe UI" panose="020B0502040204020203" pitchFamily="34" charset="0"/>
-              </a:rPr>
-              <a:t>Remote volunteers trace maps over satellite pictures, using a tool called </a:t>
-            </a:r>
-            <a:r>
-              <a:rPr lang="en-US" sz="1800" dirty="0" err="1">
-                <a:latin typeface="Segoe UI" panose="020B0502040204020203" pitchFamily="34" charset="0"/>
-                <a:cs typeface="Segoe UI" panose="020B0502040204020203" pitchFamily="34" charset="0"/>
-              </a:rPr>
-              <a:t>OpenStreetMap</a:t>
-            </a:r>
-            <a:endParaRPr lang="en-US" sz="1800" dirty="0">
-              <a:latin typeface="Segoe UI" panose="020B0502040204020203" pitchFamily="34" charset="0"/>
-              <a:cs typeface="Segoe UI" panose="020B0502040204020203" pitchFamily="34" charset="0"/>
-            </a:endParaRPr>
-          </a:p>
-          <a:p>
-            <a:pPr marL="342900" indent="-342900">
-              <a:buFont typeface="Arial" pitchFamily="34" charset="0"/>
-              <a:buAutoNum type="arabicPeriod"/>
-            </a:pPr>
-            <a:r>
-              <a:rPr lang="en-US" sz="1800" dirty="0">
-                <a:latin typeface="Segoe UI" panose="020B0502040204020203" pitchFamily="34" charset="0"/>
-                <a:cs typeface="Segoe UI" panose="020B0502040204020203" pitchFamily="34" charset="0"/>
-              </a:rPr>
-              <a:t>The maps are validated by remote experienced mappers</a:t>
-            </a:r>
-          </a:p>
-          <a:p>
-            <a:pPr marL="342900" indent="-342900">
-              <a:buFont typeface="Arial" pitchFamily="34" charset="0"/>
-              <a:buAutoNum type="arabicPeriod"/>
-            </a:pPr>
-            <a:r>
-              <a:rPr lang="en-US" sz="1800" dirty="0">
-                <a:latin typeface="Segoe UI" panose="020B0502040204020203" pitchFamily="34" charset="0"/>
-                <a:cs typeface="Segoe UI" panose="020B0502040204020203" pitchFamily="34" charset="0"/>
-              </a:rPr>
-              <a:t>The maps are validated locally by volunteers, and details e.g. place names, identifying hospitals are added </a:t>
-            </a:r>
-            <a:r>
-              <a:rPr lang="en-US" sz="1800" i="1" dirty="0">
-                <a:latin typeface="Segoe UI" panose="020B0502040204020203" pitchFamily="34" charset="0"/>
-                <a:cs typeface="Segoe UI" panose="020B0502040204020203" pitchFamily="34" charset="0"/>
-              </a:rPr>
-              <a:t>(project dependent)</a:t>
-            </a:r>
-          </a:p>
-          <a:p>
-            <a:endParaRPr lang="en-US" sz="1800" dirty="0">
-              <a:latin typeface="Segoe UI" panose="020B0502040204020203" pitchFamily="34" charset="0"/>
-              <a:cs typeface="Segoe UI" panose="020B0502040204020203" pitchFamily="34" charset="0"/>
-            </a:endParaRPr>
-          </a:p>
-          <a:p>
-            <a:r>
-              <a:rPr lang="en-US" sz="1800" dirty="0">
-                <a:latin typeface="Segoe UI" panose="020B0502040204020203" pitchFamily="34" charset="0"/>
-                <a:cs typeface="Segoe UI" panose="020B0502040204020203" pitchFamily="34" charset="0"/>
-              </a:rPr>
-              <a:t>Humanitarian organizations can then use mapped information to plan risk reduction and disaster response activities that save lives</a:t>
-            </a:r>
-          </a:p>
-          <a:p>
-            <a:endParaRPr lang="en-US" sz="500" dirty="0">
-              <a:solidFill>
-                <a:srgbClr val="000000"/>
-              </a:solidFill>
-              <a:latin typeface="Segoe UI" panose="020B0502040204020203" pitchFamily="34" charset="0"/>
-              <a:cs typeface="Segoe UI" panose="020B0502040204020203" pitchFamily="34" charset="0"/>
-            </a:endParaRPr>
-          </a:p>
-        </p:txBody>
-      </p:sp>
-      <p:sp>
-        <p:nvSpPr>
-          <p:cNvPr id="11" name="TextBox 10">
-            <a:extLst>
-              <a:ext uri="{FF2B5EF4-FFF2-40B4-BE49-F238E27FC236}">
-                <a16:creationId xmlns:a16="http://schemas.microsoft.com/office/drawing/2014/main" id="{30F476DC-B40D-4471-9028-9095666F3329}"/>
-              </a:ext>
-            </a:extLst>
-          </p:cNvPr>
-          <p:cNvSpPr txBox="1"/>
-          <p:nvPr/>
-        </p:nvSpPr>
-        <p:spPr>
-          <a:xfrm>
-            <a:off x="575187" y="441028"/>
-            <a:ext cx="9581536" cy="830997"/>
-          </a:xfrm>
-          <a:prstGeom prst="rect">
-            <a:avLst/>
-          </a:prstGeom>
-          <a:noFill/>
-        </p:spPr>
-        <p:txBody>
-          <a:bodyPr wrap="square" rtlCol="0">
-            <a:spAutoFit/>
-          </a:bodyPr>
-          <a:lstStyle/>
-          <a:p>
-            <a:r>
-              <a:rPr lang="en-US" sz="4800" dirty="0">
-                <a:latin typeface="Segoe UI Semibold" panose="020B0702040204020203" pitchFamily="34" charset="0"/>
-                <a:ea typeface="Segoe UI Black" panose="020B0A02040204020203" pitchFamily="34" charset="0"/>
-                <a:cs typeface="Segoe UI Semibold" panose="020B0702040204020203" pitchFamily="34" charset="0"/>
-              </a:rPr>
-              <a:t>What is mapping and why do it?</a:t>
-            </a:r>
-          </a:p>
-        </p:txBody>
-      </p:sp>
-      <p:pic>
-        <p:nvPicPr>
-          <p:cNvPr id="12" name="Picture 11">
-            <a:extLst>
-              <a:ext uri="{FF2B5EF4-FFF2-40B4-BE49-F238E27FC236}">
-                <a16:creationId xmlns:a16="http://schemas.microsoft.com/office/drawing/2014/main" id="{2C05E4FE-58EC-4FB6-9B59-67FEB48F5E7D}"/>
-              </a:ext>
-            </a:extLst>
-          </p:cNvPr>
-          <p:cNvPicPr>
-            <a:picLocks noChangeAspect="1"/>
-          </p:cNvPicPr>
-          <p:nvPr/>
-        </p:nvPicPr>
-        <p:blipFill rotWithShape="1">
-          <a:blip r:embed="rId4">
-            <a:extLst>
-              <a:ext uri="{28A0092B-C50C-407E-A947-70E740481C1C}">
-                <a14:useLocalDpi xmlns:a14="http://schemas.microsoft.com/office/drawing/2010/main" val="0"/>
-              </a:ext>
-            </a:extLst>
-          </a:blip>
-          <a:srcRect r="63392"/>
-          <a:stretch/>
-        </p:blipFill>
-        <p:spPr>
-          <a:xfrm>
-            <a:off x="10333703" y="235415"/>
-            <a:ext cx="1430593" cy="1549153"/>
-          </a:xfrm>
-          <a:prstGeom prst="rect">
-            <a:avLst/>
-          </a:prstGeom>
-        </p:spPr>
-      </p:pic>
-    </p:spTree>
-    <p:extLst>
-      <p:ext uri="{BB962C8B-B14F-4D97-AF65-F5344CB8AC3E}">
-        <p14:creationId xmlns:p14="http://schemas.microsoft.com/office/powerpoint/2010/main" val="3312662598"/>
-      </p:ext>
-    </p:extLst>
-  </p:cSld>
-  <p:clrMapOvr>
-    <a:masterClrMapping/>
-  </p:clrMapOvr>
-</p:sld>
-</file>
-
-<file path=ppt/slides/slide5.xml><?xml version="1.0" encoding="utf-8"?>
-<p:sld xmlns:a="http://schemas.openxmlformats.org/drawingml/2006/main" xmlns:r="http://schemas.openxmlformats.org/officeDocument/2006/relationships" xmlns:p="http://schemas.openxmlformats.org/presentationml/2006/main">
-  <p:cSld>
-    <p:spTree>
-      <p:nvGrpSpPr>
-        <p:cNvPr id="1" name=""/>
-        <p:cNvGrpSpPr/>
-        <p:nvPr/>
-      </p:nvGrpSpPr>
-      <p:grpSpPr>
-        <a:xfrm>
-          <a:off x="0" y="0"/>
-          <a:ext cx="0" cy="0"/>
-          <a:chOff x="0" y="0"/>
-          <a:chExt cx="0" cy="0"/>
-        </a:xfrm>
-      </p:grpSpPr>
-      <p:pic>
-        <p:nvPicPr>
-          <p:cNvPr id="4" name="Picture 3"/>
-          <p:cNvPicPr>
-            <a:picLocks noChangeAspect="1"/>
-          </p:cNvPicPr>
-          <p:nvPr/>
-        </p:nvPicPr>
-        <p:blipFill>
-          <a:blip r:embed="rId3">
-            <a:duotone>
-              <a:schemeClr val="accent1">
-                <a:shade val="45000"/>
-                <a:satMod val="135000"/>
-              </a:schemeClr>
-              <a:prstClr val="white"/>
-            </a:duotone>
-          </a:blip>
-          <a:stretch>
-            <a:fillRect/>
-          </a:stretch>
-        </p:blipFill>
-        <p:spPr>
-          <a:xfrm>
-            <a:off x="1821512" y="1719468"/>
-            <a:ext cx="1329249" cy="1329249"/>
-          </a:xfrm>
-          <a:prstGeom prst="rect">
-            <a:avLst/>
-          </a:prstGeom>
-        </p:spPr>
-      </p:pic>
-      <p:pic>
-        <p:nvPicPr>
-          <p:cNvPr id="5" name="Picture 4"/>
-          <p:cNvPicPr>
-            <a:picLocks noChangeAspect="1"/>
-          </p:cNvPicPr>
-          <p:nvPr/>
-        </p:nvPicPr>
-        <p:blipFill>
-          <a:blip r:embed="rId4">
-            <a:duotone>
-              <a:schemeClr val="accent6">
-                <a:shade val="45000"/>
-                <a:satMod val="135000"/>
-              </a:schemeClr>
-              <a:prstClr val="white"/>
-            </a:duotone>
-          </a:blip>
-          <a:stretch>
-            <a:fillRect/>
-          </a:stretch>
-        </p:blipFill>
-        <p:spPr>
-          <a:xfrm>
-            <a:off x="3763538" y="1715639"/>
-            <a:ext cx="1329249" cy="1329249"/>
-          </a:xfrm>
-          <a:prstGeom prst="rect">
-            <a:avLst/>
-          </a:prstGeom>
-        </p:spPr>
-      </p:pic>
-      <p:pic>
-        <p:nvPicPr>
-          <p:cNvPr id="6" name="Picture 5"/>
-          <p:cNvPicPr>
-            <a:picLocks noChangeAspect="1"/>
-          </p:cNvPicPr>
-          <p:nvPr/>
-        </p:nvPicPr>
-        <p:blipFill>
-          <a:blip r:embed="rId5">
-            <a:duotone>
-              <a:schemeClr val="accent3">
-                <a:shade val="45000"/>
-                <a:satMod val="135000"/>
-              </a:schemeClr>
-              <a:prstClr val="white"/>
-            </a:duotone>
-          </a:blip>
-          <a:stretch>
-            <a:fillRect/>
-          </a:stretch>
-        </p:blipFill>
-        <p:spPr>
-          <a:xfrm>
-            <a:off x="1821512" y="3922876"/>
-            <a:ext cx="1330887" cy="1330887"/>
-          </a:xfrm>
-          <a:prstGeom prst="rect">
-            <a:avLst/>
-          </a:prstGeom>
-        </p:spPr>
-      </p:pic>
-      <p:pic>
-        <p:nvPicPr>
-          <p:cNvPr id="7" name="Picture 6"/>
-          <p:cNvPicPr>
-            <a:picLocks noChangeAspect="1"/>
-          </p:cNvPicPr>
-          <p:nvPr/>
-        </p:nvPicPr>
-        <p:blipFill>
-          <a:blip r:embed="rId6">
-            <a:duotone>
-              <a:schemeClr val="accent2">
-                <a:shade val="45000"/>
-                <a:satMod val="135000"/>
-              </a:schemeClr>
-              <a:prstClr val="white"/>
-            </a:duotone>
-          </a:blip>
-          <a:stretch>
-            <a:fillRect/>
-          </a:stretch>
-        </p:blipFill>
-        <p:spPr>
-          <a:xfrm>
-            <a:off x="6026158" y="1690221"/>
-            <a:ext cx="1270000" cy="1270000"/>
-          </a:xfrm>
-          <a:prstGeom prst="rect">
-            <a:avLst/>
-          </a:prstGeom>
-        </p:spPr>
-      </p:pic>
-      <p:sp>
-        <p:nvSpPr>
-          <p:cNvPr id="9" name="Title 1"/>
-          <p:cNvSpPr>
-            <a:spLocks noGrp="1"/>
-          </p:cNvSpPr>
-          <p:nvPr>
-            <p:ph type="title"/>
-          </p:nvPr>
-        </p:nvSpPr>
-        <p:spPr>
-          <a:xfrm>
-            <a:off x="811160" y="172439"/>
-            <a:ext cx="9645445" cy="1325563"/>
-          </a:xfrm>
-        </p:spPr>
-        <p:txBody>
-          <a:bodyPr>
-            <a:normAutofit/>
-          </a:bodyPr>
-          <a:lstStyle/>
-          <a:p>
-            <a:pPr algn="l"/>
-            <a:r>
-              <a:rPr lang="en-GB" sz="3600" dirty="0">
-                <a:latin typeface="Segoe UI Semibold" panose="020B0702040204020203" pitchFamily="34" charset="0"/>
-                <a:cs typeface="Segoe UI Semibold" panose="020B0702040204020203" pitchFamily="34" charset="0"/>
-              </a:rPr>
-              <a:t>When  you map, you’re solving real world data challenges for NGOs, helping with:</a:t>
-            </a:r>
-          </a:p>
-        </p:txBody>
-      </p:sp>
-      <p:sp>
-        <p:nvSpPr>
-          <p:cNvPr id="11" name="TextBox 10"/>
-          <p:cNvSpPr txBox="1"/>
-          <p:nvPr/>
-        </p:nvSpPr>
-        <p:spPr>
-          <a:xfrm>
-            <a:off x="1280132" y="6035994"/>
-            <a:ext cx="1758244" cy="584776"/>
-          </a:xfrm>
-          <a:prstGeom prst="rect">
-            <a:avLst/>
-          </a:prstGeom>
-          <a:noFill/>
-        </p:spPr>
-        <p:txBody>
-          <a:bodyPr wrap="square" rtlCol="0">
-            <a:spAutoFit/>
-          </a:bodyPr>
-          <a:lstStyle/>
-          <a:p>
-            <a:r>
-              <a:rPr lang="en-US" sz="1600" dirty="0">
-                <a:latin typeface="Arial"/>
-                <a:cs typeface="Arial"/>
-              </a:rPr>
-              <a:t>Missing Maps founders:</a:t>
-            </a:r>
-          </a:p>
-        </p:txBody>
-      </p:sp>
-      <p:pic>
-        <p:nvPicPr>
-          <p:cNvPr id="12" name="Picture 12"/>
-          <p:cNvPicPr>
-            <a:picLocks noChangeAspect="1" noChangeArrowheads="1"/>
-          </p:cNvPicPr>
-          <p:nvPr/>
-        </p:nvPicPr>
-        <p:blipFill>
-          <a:blip r:embed="rId7" cstate="print">
-            <a:extLst>
-              <a:ext uri="{28A0092B-C50C-407E-A947-70E740481C1C}">
-                <a14:useLocalDpi xmlns:a14="http://schemas.microsoft.com/office/drawing/2010/main" val="0"/>
-              </a:ext>
-            </a:extLst>
-          </a:blip>
-          <a:srcRect/>
-          <a:stretch>
-            <a:fillRect/>
-          </a:stretch>
-        </p:blipFill>
-        <p:spPr bwMode="auto">
-          <a:xfrm>
-            <a:off x="6776496" y="6135619"/>
-            <a:ext cx="1820844" cy="447749"/>
-          </a:xfrm>
-          <a:prstGeom prst="rect">
-            <a:avLst/>
-          </a:prstGeom>
-          <a:noFill/>
-          <a:ln>
-            <a:noFill/>
-          </a:ln>
-          <a:extLst>
-            <a:ext uri="{909E8E84-426E-40dd-AFC4-6F175D3DCCD1}">
-              <a14:hiddenFill xmlns:a14="http://schemas.microsoft.com/office/drawing/2010/main" xmlns="">
-                <a:solidFill>
-                  <a:schemeClr val="accent1"/>
-                </a:solidFill>
-              </a14:hiddenFill>
-            </a:ext>
-            <a:ext uri="{91240B29-F687-4f45-9708-019B960494DF}">
-              <a14:hiddenLine xmlns:a14="http://schemas.microsoft.com/office/drawing/2010/main" xmlns="" w="9525">
-                <a:solidFill>
-                  <a:schemeClr val="tx1"/>
-                </a:solidFill>
-                <a:miter lim="800000"/>
-                <a:headEnd/>
-                <a:tailEnd/>
-              </a14:hiddenLine>
-            </a:ext>
-          </a:extLst>
-        </p:spPr>
-      </p:pic>
-      <p:pic>
-        <p:nvPicPr>
-          <p:cNvPr id="13" name="Picture 14"/>
-          <p:cNvPicPr>
-            <a:picLocks noChangeAspect="1" noChangeArrowheads="1"/>
-          </p:cNvPicPr>
-          <p:nvPr/>
-        </p:nvPicPr>
-        <p:blipFill>
-          <a:blip r:embed="rId8" cstate="print">
-            <a:extLst>
-              <a:ext uri="{28A0092B-C50C-407E-A947-70E740481C1C}">
-                <a14:useLocalDpi xmlns:a14="http://schemas.microsoft.com/office/drawing/2010/main" val="0"/>
-              </a:ext>
-            </a:extLst>
-          </a:blip>
-          <a:srcRect/>
-          <a:stretch>
-            <a:fillRect/>
-          </a:stretch>
-        </p:blipFill>
-        <p:spPr bwMode="auto">
-          <a:xfrm>
-            <a:off x="4707718" y="5881290"/>
-            <a:ext cx="2017059" cy="756397"/>
-          </a:xfrm>
-          <a:prstGeom prst="rect">
-            <a:avLst/>
-          </a:prstGeom>
-          <a:noFill/>
-          <a:ln>
-            <a:noFill/>
-          </a:ln>
-          <a:extLst>
-            <a:ext uri="{909E8E84-426E-40dd-AFC4-6F175D3DCCD1}">
-              <a14:hiddenFill xmlns:a14="http://schemas.microsoft.com/office/drawing/2010/main" xmlns="">
-                <a:solidFill>
-                  <a:schemeClr val="accent1"/>
-                </a:solidFill>
-              </a14:hiddenFill>
-            </a:ext>
-            <a:ext uri="{91240B29-F687-4f45-9708-019B960494DF}">
-              <a14:hiddenLine xmlns:a14="http://schemas.microsoft.com/office/drawing/2010/main" xmlns="" w="9525">
-                <a:solidFill>
-                  <a:schemeClr val="tx1"/>
-                </a:solidFill>
-                <a:miter lim="800000"/>
-                <a:headEnd/>
-                <a:tailEnd/>
-              </a14:hiddenLine>
-            </a:ext>
-          </a:extLst>
-        </p:spPr>
-      </p:pic>
-      <p:pic>
-        <p:nvPicPr>
-          <p:cNvPr id="14" name="Picture 2" descr="Image result for american red cross"/>
-          <p:cNvPicPr>
-            <a:picLocks noChangeAspect="1" noChangeArrowheads="1"/>
-          </p:cNvPicPr>
-          <p:nvPr/>
-        </p:nvPicPr>
-        <p:blipFill rotWithShape="1">
-          <a:blip r:embed="rId9">
-            <a:extLst>
-              <a:ext uri="{28A0092B-C50C-407E-A947-70E740481C1C}">
-                <a14:useLocalDpi xmlns:a14="http://schemas.microsoft.com/office/drawing/2010/main" val="0"/>
-              </a:ext>
-            </a:extLst>
-          </a:blip>
-          <a:srcRect t="17419" b="34834"/>
-          <a:stretch/>
-        </p:blipFill>
-        <p:spPr bwMode="auto">
-          <a:xfrm>
-            <a:off x="8592429" y="5963384"/>
-            <a:ext cx="1522492" cy="726925"/>
-          </a:xfrm>
-          <a:prstGeom prst="rect">
-            <a:avLst/>
-          </a:prstGeom>
-          <a:noFill/>
-          <a:extLst>
-            <a:ext uri="{909E8E84-426E-40dd-AFC4-6F175D3DCCD1}">
-              <a14:hiddenFill xmlns:a14="http://schemas.microsoft.com/office/drawing/2010/main" xmlns="">
-                <a:solidFill>
-                  <a:srgbClr val="FFFFFF"/>
-                </a:solidFill>
-              </a14:hiddenFill>
-            </a:ext>
-          </a:extLst>
-        </p:spPr>
-      </p:pic>
-      <p:pic>
-        <p:nvPicPr>
-          <p:cNvPr id="20" name="Picture 19"/>
-          <p:cNvPicPr>
-            <a:picLocks noChangeAspect="1"/>
-          </p:cNvPicPr>
-          <p:nvPr/>
-        </p:nvPicPr>
-        <p:blipFill>
-          <a:blip r:embed="rId10">
-            <a:duotone>
-              <a:schemeClr val="accent4">
-                <a:shade val="45000"/>
-                <a:satMod val="135000"/>
-              </a:schemeClr>
-              <a:prstClr val="white"/>
-            </a:duotone>
-          </a:blip>
-          <a:stretch>
-            <a:fillRect/>
-          </a:stretch>
-        </p:blipFill>
-        <p:spPr>
-          <a:xfrm>
-            <a:off x="3921416" y="4113697"/>
-            <a:ext cx="1196509" cy="1196509"/>
-          </a:xfrm>
-          <a:prstGeom prst="rect">
-            <a:avLst/>
-          </a:prstGeom>
-        </p:spPr>
-      </p:pic>
-      <p:pic>
-        <p:nvPicPr>
-          <p:cNvPr id="21" name="Picture 20"/>
-          <p:cNvPicPr>
-            <a:picLocks noChangeAspect="1"/>
-          </p:cNvPicPr>
-          <p:nvPr/>
-        </p:nvPicPr>
-        <p:blipFill>
-          <a:blip r:embed="rId11">
-            <a:duotone>
-              <a:schemeClr val="bg2">
-                <a:shade val="45000"/>
-                <a:satMod val="135000"/>
-              </a:schemeClr>
-              <a:prstClr val="white"/>
-            </a:duotone>
-          </a:blip>
-          <a:stretch>
-            <a:fillRect/>
-          </a:stretch>
-        </p:blipFill>
-        <p:spPr>
-          <a:xfrm>
-            <a:off x="6148526" y="4083021"/>
-            <a:ext cx="990233" cy="990233"/>
-          </a:xfrm>
-          <a:prstGeom prst="rect">
-            <a:avLst/>
-          </a:prstGeom>
-        </p:spPr>
-      </p:pic>
-      <p:pic>
-        <p:nvPicPr>
-          <p:cNvPr id="22" name="Picture 21"/>
-          <p:cNvPicPr>
-            <a:picLocks noChangeAspect="1"/>
-          </p:cNvPicPr>
-          <p:nvPr/>
-        </p:nvPicPr>
-        <p:blipFill>
-          <a:blip r:embed="rId12">
-            <a:duotone>
-              <a:schemeClr val="accent5">
-                <a:shade val="45000"/>
-                <a:satMod val="135000"/>
-              </a:schemeClr>
-              <a:prstClr val="white"/>
-            </a:duotone>
-          </a:blip>
-          <a:stretch>
-            <a:fillRect/>
-          </a:stretch>
-        </p:blipFill>
-        <p:spPr>
-          <a:xfrm>
-            <a:off x="8195975" y="4134062"/>
-            <a:ext cx="1119701" cy="1119701"/>
-          </a:xfrm>
-          <a:prstGeom prst="rect">
-            <a:avLst/>
-          </a:prstGeom>
-        </p:spPr>
-      </p:pic>
-      <p:sp>
-        <p:nvSpPr>
-          <p:cNvPr id="24" name="TextBox 23"/>
-          <p:cNvSpPr txBox="1"/>
-          <p:nvPr/>
-        </p:nvSpPr>
-        <p:spPr>
-          <a:xfrm>
-            <a:off x="3716967" y="3161604"/>
-            <a:ext cx="1909436" cy="553998"/>
-          </a:xfrm>
-          <a:prstGeom prst="rect">
-            <a:avLst/>
-          </a:prstGeom>
-          <a:noFill/>
-        </p:spPr>
-        <p:txBody>
-          <a:bodyPr wrap="square" rtlCol="0">
-            <a:spAutoFit/>
-          </a:bodyPr>
-          <a:lstStyle/>
-          <a:p>
-            <a:pPr algn="ctr"/>
-            <a:r>
-              <a:rPr lang="en-US" sz="1500" dirty="0">
-                <a:latin typeface="Arial"/>
-                <a:cs typeface="Arial"/>
-              </a:rPr>
-              <a:t>Infectious diseases e.g. Ebola</a:t>
-            </a:r>
-          </a:p>
-        </p:txBody>
-      </p:sp>
-      <p:pic>
-        <p:nvPicPr>
-          <p:cNvPr id="25" name="Picture 24"/>
-          <p:cNvPicPr>
-            <a:picLocks noChangeAspect="1"/>
-          </p:cNvPicPr>
-          <p:nvPr/>
-        </p:nvPicPr>
-        <p:blipFill>
-          <a:blip r:embed="rId13">
-            <a:duotone>
-              <a:schemeClr val="accent1">
-                <a:shade val="45000"/>
-                <a:satMod val="135000"/>
-              </a:schemeClr>
-              <a:prstClr val="white"/>
-            </a:duotone>
-            <a:extLst>
-              <a:ext uri="{BEBA8EAE-BF5A-486C-A8C5-ECC9F3942E4B}">
-                <a14:imgProps xmlns:a14="http://schemas.microsoft.com/office/drawing/2010/main">
-                  <a14:imgLayer r:embed="rId14">
-                    <a14:imgEffect>
-                      <a14:colorTemperature colorTemp="11200"/>
-                    </a14:imgEffect>
-                  </a14:imgLayer>
-                </a14:imgProps>
-              </a:ext>
-            </a:extLst>
-          </a:blip>
-          <a:stretch>
-            <a:fillRect/>
-          </a:stretch>
-        </p:blipFill>
-        <p:spPr>
-          <a:xfrm>
-            <a:off x="7787780" y="1653781"/>
-            <a:ext cx="1729191" cy="1729191"/>
-          </a:xfrm>
-          <a:prstGeom prst="rect">
-            <a:avLst/>
-          </a:prstGeom>
-        </p:spPr>
-      </p:pic>
-      <p:sp>
-        <p:nvSpPr>
-          <p:cNvPr id="27" name="TextBox 26"/>
-          <p:cNvSpPr txBox="1"/>
-          <p:nvPr/>
-        </p:nvSpPr>
-        <p:spPr>
-          <a:xfrm>
-            <a:off x="5711683" y="3175715"/>
-            <a:ext cx="1909436" cy="553998"/>
-          </a:xfrm>
-          <a:prstGeom prst="rect">
-            <a:avLst/>
-          </a:prstGeom>
-          <a:noFill/>
-        </p:spPr>
-        <p:txBody>
-          <a:bodyPr wrap="square" rtlCol="0">
-            <a:spAutoFit/>
-          </a:bodyPr>
-          <a:lstStyle/>
-          <a:p>
-            <a:pPr algn="ctr"/>
-            <a:r>
-              <a:rPr lang="en-US" sz="1500" dirty="0">
-                <a:latin typeface="Arial"/>
-                <a:cs typeface="Arial"/>
-              </a:rPr>
-              <a:t>Vaccination campaigns</a:t>
-            </a:r>
-          </a:p>
-        </p:txBody>
-      </p:sp>
-      <p:sp>
-        <p:nvSpPr>
-          <p:cNvPr id="28" name="TextBox 27"/>
-          <p:cNvSpPr txBox="1"/>
-          <p:nvPr/>
-        </p:nvSpPr>
-        <p:spPr>
-          <a:xfrm>
-            <a:off x="7635231" y="3175715"/>
-            <a:ext cx="2123139" cy="553998"/>
-          </a:xfrm>
-          <a:prstGeom prst="rect">
-            <a:avLst/>
-          </a:prstGeom>
-          <a:noFill/>
-        </p:spPr>
-        <p:txBody>
-          <a:bodyPr wrap="square" rtlCol="0">
-            <a:spAutoFit/>
-          </a:bodyPr>
-          <a:lstStyle/>
-          <a:p>
-            <a:pPr algn="ctr"/>
-            <a:r>
-              <a:rPr lang="en-US" sz="1500" dirty="0">
-                <a:latin typeface="Arial"/>
-                <a:cs typeface="Arial"/>
-              </a:rPr>
-              <a:t>Waterborne diseases e.g. cholera</a:t>
-            </a:r>
-          </a:p>
-        </p:txBody>
-      </p:sp>
-      <p:sp>
-        <p:nvSpPr>
-          <p:cNvPr id="29" name="TextBox 28"/>
-          <p:cNvSpPr txBox="1"/>
-          <p:nvPr/>
-        </p:nvSpPr>
-        <p:spPr>
-          <a:xfrm>
-            <a:off x="1434782" y="5394873"/>
-            <a:ext cx="2123139" cy="323165"/>
-          </a:xfrm>
-          <a:prstGeom prst="rect">
-            <a:avLst/>
-          </a:prstGeom>
-          <a:noFill/>
-        </p:spPr>
-        <p:txBody>
-          <a:bodyPr wrap="square" rtlCol="0">
-            <a:spAutoFit/>
-          </a:bodyPr>
-          <a:lstStyle/>
-          <a:p>
-            <a:pPr algn="ctr"/>
-            <a:r>
-              <a:rPr lang="en-US" sz="1500" dirty="0">
-                <a:latin typeface="Arial"/>
-                <a:cs typeface="Arial"/>
-              </a:rPr>
-              <a:t>Malnutrition</a:t>
-            </a:r>
-          </a:p>
-        </p:txBody>
-      </p:sp>
-      <p:sp>
-        <p:nvSpPr>
-          <p:cNvPr id="30" name="TextBox 29"/>
-          <p:cNvSpPr txBox="1"/>
-          <p:nvPr/>
-        </p:nvSpPr>
-        <p:spPr>
-          <a:xfrm>
-            <a:off x="3529699" y="5406163"/>
-            <a:ext cx="2123139" cy="323165"/>
-          </a:xfrm>
-          <a:prstGeom prst="rect">
-            <a:avLst/>
-          </a:prstGeom>
-          <a:noFill/>
-        </p:spPr>
-        <p:txBody>
-          <a:bodyPr wrap="square" rtlCol="0">
-            <a:spAutoFit/>
-          </a:bodyPr>
-          <a:lstStyle/>
-          <a:p>
-            <a:pPr algn="ctr"/>
-            <a:r>
-              <a:rPr lang="en-US" sz="1500" dirty="0">
-                <a:latin typeface="Arial"/>
-                <a:cs typeface="Arial"/>
-              </a:rPr>
-              <a:t>Earthquakes</a:t>
-            </a:r>
-          </a:p>
-        </p:txBody>
-      </p:sp>
-      <p:sp>
-        <p:nvSpPr>
-          <p:cNvPr id="31" name="TextBox 30"/>
-          <p:cNvSpPr txBox="1"/>
-          <p:nvPr/>
-        </p:nvSpPr>
-        <p:spPr>
-          <a:xfrm>
-            <a:off x="5584685" y="5406163"/>
-            <a:ext cx="2123139" cy="323165"/>
-          </a:xfrm>
-          <a:prstGeom prst="rect">
-            <a:avLst/>
-          </a:prstGeom>
-          <a:noFill/>
-        </p:spPr>
-        <p:txBody>
-          <a:bodyPr wrap="square" rtlCol="0">
-            <a:spAutoFit/>
-          </a:bodyPr>
-          <a:lstStyle/>
-          <a:p>
-            <a:pPr algn="ctr"/>
-            <a:r>
-              <a:rPr lang="en-US" sz="1500" dirty="0">
-                <a:latin typeface="Arial"/>
-                <a:cs typeface="Arial"/>
-              </a:rPr>
-              <a:t>Hurricanes</a:t>
-            </a:r>
-          </a:p>
-        </p:txBody>
-      </p:sp>
-      <p:sp>
-        <p:nvSpPr>
-          <p:cNvPr id="32" name="TextBox 31"/>
-          <p:cNvSpPr txBox="1"/>
-          <p:nvPr/>
-        </p:nvSpPr>
-        <p:spPr>
-          <a:xfrm>
-            <a:off x="7694256" y="5394873"/>
-            <a:ext cx="2123139" cy="323165"/>
-          </a:xfrm>
-          <a:prstGeom prst="rect">
-            <a:avLst/>
-          </a:prstGeom>
-          <a:noFill/>
-        </p:spPr>
-        <p:txBody>
-          <a:bodyPr wrap="square" rtlCol="0">
-            <a:spAutoFit/>
-          </a:bodyPr>
-          <a:lstStyle/>
-          <a:p>
-            <a:pPr algn="ctr"/>
-            <a:r>
-              <a:rPr lang="en-US" sz="1500" dirty="0">
-                <a:latin typeface="Arial"/>
-                <a:cs typeface="Arial"/>
-              </a:rPr>
-              <a:t>Flooding</a:t>
-            </a:r>
-          </a:p>
-        </p:txBody>
-      </p:sp>
-      <p:sp>
-        <p:nvSpPr>
-          <p:cNvPr id="33" name="TextBox 32"/>
-          <p:cNvSpPr txBox="1"/>
-          <p:nvPr/>
-        </p:nvSpPr>
-        <p:spPr>
-          <a:xfrm>
-            <a:off x="1515705" y="3174452"/>
-            <a:ext cx="1909436" cy="553998"/>
-          </a:xfrm>
-          <a:prstGeom prst="rect">
-            <a:avLst/>
-          </a:prstGeom>
-          <a:noFill/>
-        </p:spPr>
-        <p:txBody>
-          <a:bodyPr wrap="square" rtlCol="0">
-            <a:spAutoFit/>
-          </a:bodyPr>
-          <a:lstStyle/>
-          <a:p>
-            <a:pPr algn="ctr"/>
-            <a:r>
-              <a:rPr lang="en-US" sz="1500" dirty="0">
-                <a:latin typeface="Arial"/>
-                <a:cs typeface="Arial"/>
-              </a:rPr>
-              <a:t>Medical supplies</a:t>
-            </a:r>
-          </a:p>
-          <a:p>
-            <a:pPr algn="ctr"/>
-            <a:r>
-              <a:rPr lang="en-US" sz="1500" dirty="0">
-                <a:latin typeface="Arial"/>
-                <a:cs typeface="Arial"/>
-              </a:rPr>
-              <a:t>+ logistics</a:t>
-            </a:r>
-          </a:p>
-        </p:txBody>
-      </p:sp>
-      <p:pic>
-        <p:nvPicPr>
-          <p:cNvPr id="2" name="Picture 1" descr="logo.png"/>
-          <p:cNvPicPr>
-            <a:picLocks noChangeAspect="1"/>
-          </p:cNvPicPr>
-          <p:nvPr/>
-        </p:nvPicPr>
-        <p:blipFill>
-          <a:blip r:embed="rId15">
-            <a:extLst>
-              <a:ext uri="{28A0092B-C50C-407E-A947-70E740481C1C}">
-                <a14:useLocalDpi xmlns:a14="http://schemas.microsoft.com/office/drawing/2010/main" val="0"/>
-              </a:ext>
-            </a:extLst>
-          </a:blip>
-          <a:stretch>
-            <a:fillRect/>
-          </a:stretch>
-        </p:blipFill>
-        <p:spPr>
-          <a:xfrm>
-            <a:off x="2735482" y="6135618"/>
-            <a:ext cx="1949206" cy="451554"/>
-          </a:xfrm>
-          <a:prstGeom prst="rect">
-            <a:avLst/>
-          </a:prstGeom>
-        </p:spPr>
-      </p:pic>
-      <p:pic>
-        <p:nvPicPr>
-          <p:cNvPr id="35" name="Picture 34">
-            <a:extLst>
-              <a:ext uri="{FF2B5EF4-FFF2-40B4-BE49-F238E27FC236}">
-                <a16:creationId xmlns:a16="http://schemas.microsoft.com/office/drawing/2014/main" id="{CD138FA8-4553-42B4-A26C-231A58F22929}"/>
-              </a:ext>
-            </a:extLst>
-          </p:cNvPr>
-          <p:cNvPicPr>
-            <a:picLocks noChangeAspect="1"/>
-          </p:cNvPicPr>
-          <p:nvPr/>
-        </p:nvPicPr>
-        <p:blipFill rotWithShape="1">
-          <a:blip r:embed="rId16">
-            <a:extLst>
-              <a:ext uri="{28A0092B-C50C-407E-A947-70E740481C1C}">
-                <a14:useLocalDpi xmlns:a14="http://schemas.microsoft.com/office/drawing/2010/main" val="0"/>
-              </a:ext>
-            </a:extLst>
-          </a:blip>
-          <a:srcRect r="63392"/>
-          <a:stretch/>
-        </p:blipFill>
-        <p:spPr>
-          <a:xfrm>
-            <a:off x="10333703" y="235415"/>
-            <a:ext cx="1430593" cy="1549153"/>
-          </a:xfrm>
-          <a:prstGeom prst="rect">
-            <a:avLst/>
-          </a:prstGeom>
-        </p:spPr>
-      </p:pic>
-    </p:spTree>
-    <p:extLst>
-      <p:ext uri="{BB962C8B-B14F-4D97-AF65-F5344CB8AC3E}">
-        <p14:creationId xmlns:p14="http://schemas.microsoft.com/office/powerpoint/2010/main" val="306018293"/>
-      </p:ext>
-    </p:extLst>
-  </p:cSld>
-  <p:clrMapOvr>
-    <a:masterClrMapping/>
-  </p:clrMapOvr>
-</p:sld>
-</file>
-
-<file path=ppt/slides/slide6.xml><?xml version="1.0" encoding="utf-8"?>
-<p:sld xmlns:a="http://schemas.openxmlformats.org/drawingml/2006/main" xmlns:r="http://schemas.openxmlformats.org/officeDocument/2006/relationships" xmlns:p="http://schemas.openxmlformats.org/presentationml/2006/main">
-  <p:cSld>
-    <p:spTree>
-      <p:nvGrpSpPr>
-        <p:cNvPr id="1" name=""/>
-        <p:cNvGrpSpPr/>
-        <p:nvPr/>
-      </p:nvGrpSpPr>
-      <p:grpSpPr>
-        <a:xfrm>
-          <a:off x="0" y="0"/>
-          <a:ext cx="0" cy="0"/>
-          <a:chOff x="0" y="0"/>
-          <a:chExt cx="0" cy="0"/>
-        </a:xfrm>
-      </p:grpSpPr>
-      <p:pic>
-        <p:nvPicPr>
-          <p:cNvPr id="3" name="Picture 2">
-            <a:extLst>
-              <a:ext uri="{FF2B5EF4-FFF2-40B4-BE49-F238E27FC236}">
-                <a16:creationId xmlns:a16="http://schemas.microsoft.com/office/drawing/2014/main" id="{CBC649B3-3A9D-4B68-A492-41F0F133A5D8}"/>
-              </a:ext>
-            </a:extLst>
-          </p:cNvPr>
-          <p:cNvPicPr>
-            <a:picLocks noChangeAspect="1"/>
-          </p:cNvPicPr>
-          <p:nvPr/>
-        </p:nvPicPr>
-        <p:blipFill>
-          <a:blip r:embed="rId3"/>
-          <a:stretch>
-            <a:fillRect/>
-          </a:stretch>
-        </p:blipFill>
-        <p:spPr>
-          <a:xfrm>
-            <a:off x="1148315" y="3157203"/>
-            <a:ext cx="4004932" cy="3331213"/>
-          </a:xfrm>
-          <a:prstGeom prst="rect">
-            <a:avLst/>
-          </a:prstGeom>
-        </p:spPr>
-      </p:pic>
-      <p:sp>
-        <p:nvSpPr>
-          <p:cNvPr id="15" name="TextBox 14"/>
-          <p:cNvSpPr txBox="1"/>
-          <p:nvPr/>
-        </p:nvSpPr>
-        <p:spPr>
-          <a:xfrm>
-            <a:off x="704822" y="1427163"/>
-            <a:ext cx="9564972" cy="1538883"/>
-          </a:xfrm>
-          <a:prstGeom prst="rect">
-            <a:avLst/>
-          </a:prstGeom>
-          <a:noFill/>
-        </p:spPr>
-        <p:txBody>
-          <a:bodyPr wrap="square" rtlCol="0">
-            <a:spAutoFit/>
-          </a:bodyPr>
-          <a:lstStyle/>
-          <a:p>
-            <a:pPr>
-              <a:spcAft>
-                <a:spcPts val="1800"/>
-              </a:spcAft>
-              <a:buClr>
-                <a:schemeClr val="accent2"/>
-              </a:buClr>
-            </a:pPr>
-            <a:r>
-              <a:rPr lang="en-GB" sz="1600" dirty="0">
-                <a:latin typeface="Segoe UI" panose="020B0502040204020203" pitchFamily="34" charset="0"/>
-                <a:cs typeface="Segoe UI" panose="020B0502040204020203" pitchFamily="34" charset="0"/>
-              </a:rPr>
-              <a:t>This is a thriving trading city of 120,000 people – mapped in just one evening by 70 people!</a:t>
-            </a:r>
-          </a:p>
-          <a:p>
-            <a:pPr>
-              <a:spcAft>
-                <a:spcPts val="1800"/>
-              </a:spcAft>
-              <a:buClr>
-                <a:schemeClr val="accent2"/>
-              </a:buClr>
-            </a:pPr>
-            <a:r>
-              <a:rPr lang="en-GB" sz="1600" dirty="0">
-                <a:latin typeface="Segoe UI" panose="020B0502040204020203" pitchFamily="34" charset="0"/>
-                <a:cs typeface="Segoe UI" panose="020B0502040204020203" pitchFamily="34" charset="0"/>
-              </a:rPr>
-              <a:t>Bing maps still (to this date) shows no buildings in the area, whereas Open Street Map has thousands of buildings on an open source platform for all NGOs to use.</a:t>
-            </a:r>
-          </a:p>
-          <a:p>
-            <a:pPr>
-              <a:spcAft>
-                <a:spcPts val="1800"/>
-              </a:spcAft>
-              <a:buClr>
-                <a:schemeClr val="accent2"/>
-              </a:buClr>
-            </a:pPr>
-            <a:r>
-              <a:rPr lang="en-GB" sz="1600" dirty="0">
-                <a:latin typeface="Segoe UI" panose="020B0502040204020203" pitchFamily="34" charset="0"/>
-                <a:cs typeface="Segoe UI" panose="020B0502040204020203" pitchFamily="34" charset="0"/>
-              </a:rPr>
-              <a:t>To see the below for yourself and zoom in to see the individual buildings mapped, click </a:t>
-            </a:r>
-            <a:r>
-              <a:rPr lang="en-GB" sz="1600" dirty="0">
-                <a:latin typeface="Segoe UI" panose="020B0502040204020203" pitchFamily="34" charset="0"/>
-                <a:cs typeface="Segoe UI" panose="020B0502040204020203" pitchFamily="34" charset="0"/>
-                <a:hlinkClick r:id="rId4"/>
-              </a:rPr>
-              <a:t>here</a:t>
-            </a:r>
-            <a:endParaRPr lang="en-GB" sz="1600" dirty="0">
-              <a:latin typeface="Segoe UI" panose="020B0502040204020203" pitchFamily="34" charset="0"/>
-              <a:cs typeface="Segoe UI" panose="020B0502040204020203" pitchFamily="34" charset="0"/>
-            </a:endParaRPr>
-          </a:p>
-        </p:txBody>
-      </p:sp>
-      <p:pic>
-        <p:nvPicPr>
-          <p:cNvPr id="16" name="Content Placeholder 2"/>
-          <p:cNvPicPr>
-            <a:picLocks noChangeAspect="1"/>
-          </p:cNvPicPr>
-          <p:nvPr/>
-        </p:nvPicPr>
-        <p:blipFill rotWithShape="1">
-          <a:blip r:embed="rId5" cstate="screen">
-            <a:extLst>
-              <a:ext uri="{28A0092B-C50C-407E-A947-70E740481C1C}">
-                <a14:useLocalDpi xmlns:a14="http://schemas.microsoft.com/office/drawing/2010/main"/>
-              </a:ext>
-            </a:extLst>
-          </a:blip>
-          <a:srcRect/>
-          <a:stretch/>
-        </p:blipFill>
-        <p:spPr>
-          <a:xfrm>
-            <a:off x="6580959" y="3121184"/>
-            <a:ext cx="4129120" cy="3403252"/>
-          </a:xfrm>
-          <a:prstGeom prst="rect">
-            <a:avLst/>
-          </a:prstGeom>
-        </p:spPr>
-      </p:pic>
-      <p:sp>
-        <p:nvSpPr>
-          <p:cNvPr id="18" name="TextBox 17"/>
-          <p:cNvSpPr txBox="1"/>
-          <p:nvPr/>
-        </p:nvSpPr>
-        <p:spPr>
-          <a:xfrm>
-            <a:off x="3754643" y="5261302"/>
-            <a:ext cx="1398604" cy="769441"/>
-          </a:xfrm>
-          <a:prstGeom prst="rect">
-            <a:avLst/>
-          </a:prstGeom>
-          <a:noFill/>
-        </p:spPr>
-        <p:txBody>
-          <a:bodyPr wrap="square" rtlCol="0">
-            <a:spAutoFit/>
-          </a:bodyPr>
-          <a:lstStyle/>
-          <a:p>
-            <a:r>
-              <a:rPr lang="en-GB" sz="2200" dirty="0"/>
-              <a:t>Bing Maps Now</a:t>
-            </a:r>
-          </a:p>
-        </p:txBody>
-      </p:sp>
-      <p:sp>
-        <p:nvSpPr>
-          <p:cNvPr id="19" name="TextBox 18"/>
-          <p:cNvSpPr txBox="1"/>
-          <p:nvPr/>
-        </p:nvSpPr>
-        <p:spPr>
-          <a:xfrm>
-            <a:off x="9164631" y="4934481"/>
-            <a:ext cx="1398604" cy="1446550"/>
-          </a:xfrm>
-          <a:prstGeom prst="rect">
-            <a:avLst/>
-          </a:prstGeom>
-          <a:noFill/>
-        </p:spPr>
-        <p:txBody>
-          <a:bodyPr wrap="square" rtlCol="0">
-            <a:spAutoFit/>
-          </a:bodyPr>
-          <a:lstStyle/>
-          <a:p>
-            <a:r>
-              <a:rPr lang="en-GB" sz="2200" dirty="0"/>
-              <a:t>Open Street Map</a:t>
-            </a:r>
-          </a:p>
-          <a:p>
-            <a:r>
-              <a:rPr lang="en-GB" sz="2200" dirty="0"/>
-              <a:t>Now</a:t>
-            </a:r>
-          </a:p>
-        </p:txBody>
-      </p:sp>
-      <p:sp>
-        <p:nvSpPr>
-          <p:cNvPr id="12" name="TextBox 11">
-            <a:extLst>
-              <a:ext uri="{FF2B5EF4-FFF2-40B4-BE49-F238E27FC236}">
-                <a16:creationId xmlns:a16="http://schemas.microsoft.com/office/drawing/2014/main" id="{EE0F01D1-9CE6-4210-83B3-43CC706D6E64}"/>
-              </a:ext>
-            </a:extLst>
-          </p:cNvPr>
-          <p:cNvSpPr txBox="1"/>
-          <p:nvPr/>
-        </p:nvSpPr>
-        <p:spPr>
-          <a:xfrm>
-            <a:off x="575187" y="441028"/>
-            <a:ext cx="9581536" cy="830997"/>
-          </a:xfrm>
-          <a:prstGeom prst="rect">
-            <a:avLst/>
-          </a:prstGeom>
-          <a:noFill/>
-        </p:spPr>
-        <p:txBody>
-          <a:bodyPr wrap="square" rtlCol="0">
-            <a:spAutoFit/>
-          </a:bodyPr>
-          <a:lstStyle/>
-          <a:p>
-            <a:r>
-              <a:rPr lang="en-US" sz="4800" dirty="0">
-                <a:latin typeface="Segoe UI Semibold" panose="020B0702040204020203" pitchFamily="34" charset="0"/>
-                <a:ea typeface="Segoe UI Black" panose="020B0A02040204020203" pitchFamily="34" charset="0"/>
-                <a:cs typeface="Segoe UI Semibold" panose="020B0702040204020203" pitchFamily="34" charset="0"/>
-              </a:rPr>
-              <a:t>The impact of </a:t>
-            </a:r>
-            <a:r>
-              <a:rPr lang="en-US" sz="4800" dirty="0" err="1">
-                <a:latin typeface="Segoe UI Semibold" panose="020B0702040204020203" pitchFamily="34" charset="0"/>
-                <a:ea typeface="Segoe UI Black" panose="020B0A02040204020203" pitchFamily="34" charset="0"/>
-                <a:cs typeface="Segoe UI Semibold" panose="020B0702040204020203" pitchFamily="34" charset="0"/>
-              </a:rPr>
-              <a:t>mapathons</a:t>
-            </a:r>
-            <a:endParaRPr lang="en-US" sz="4800" dirty="0">
-              <a:latin typeface="Segoe UI Semibold" panose="020B0702040204020203" pitchFamily="34" charset="0"/>
-              <a:ea typeface="Segoe UI Black" panose="020B0A02040204020203" pitchFamily="34" charset="0"/>
-              <a:cs typeface="Segoe UI Semibold" panose="020B0702040204020203" pitchFamily="34" charset="0"/>
-            </a:endParaRPr>
-          </a:p>
-        </p:txBody>
-      </p:sp>
-      <p:pic>
-        <p:nvPicPr>
-          <p:cNvPr id="14" name="Picture 13">
-            <a:extLst>
-              <a:ext uri="{FF2B5EF4-FFF2-40B4-BE49-F238E27FC236}">
-                <a16:creationId xmlns:a16="http://schemas.microsoft.com/office/drawing/2014/main" id="{F926E6A1-E651-4821-B3BA-BD89E6E23D38}"/>
-              </a:ext>
-            </a:extLst>
-          </p:cNvPr>
-          <p:cNvPicPr>
-            <a:picLocks noChangeAspect="1"/>
-          </p:cNvPicPr>
-          <p:nvPr/>
-        </p:nvPicPr>
-        <p:blipFill rotWithShape="1">
-          <a:blip r:embed="rId6">
-            <a:extLst>
-              <a:ext uri="{28A0092B-C50C-407E-A947-70E740481C1C}">
-                <a14:useLocalDpi xmlns:a14="http://schemas.microsoft.com/office/drawing/2010/main" val="0"/>
-              </a:ext>
-            </a:extLst>
-          </a:blip>
-          <a:srcRect r="63392"/>
-          <a:stretch/>
-        </p:blipFill>
-        <p:spPr>
-          <a:xfrm>
-            <a:off x="10333703" y="235415"/>
-            <a:ext cx="1430593" cy="1549153"/>
-          </a:xfrm>
-          <a:prstGeom prst="rect">
-            <a:avLst/>
-          </a:prstGeom>
-        </p:spPr>
-      </p:pic>
-    </p:spTree>
-    <p:extLst>
-      <p:ext uri="{BB962C8B-B14F-4D97-AF65-F5344CB8AC3E}">
-        <p14:creationId xmlns:p14="http://schemas.microsoft.com/office/powerpoint/2010/main" val="1447857538"/>
-      </p:ext>
-    </p:extLst>
-  </p:cSld>
-  <p:clrMapOvr>
-    <a:masterClrMapping/>
-  </p:clrMapOvr>
-</p:sld>
-</file>
-
-<file path=ppt/slides/slide7.xml><?xml version="1.0" encoding="utf-8"?>
+<file path=ppt/slides/slide10.xml><?xml version="1.0" encoding="utf-8"?>
 <p:sld xmlns:a="http://schemas.openxmlformats.org/drawingml/2006/main" xmlns:r="http://schemas.openxmlformats.org/officeDocument/2006/relationships" xmlns:p="http://schemas.openxmlformats.org/presentationml/2006/main">
   <p:cSld>
     <p:spTree>
@@ -7042,6 +5046,2955 @@
     <p:extLst>
       <p:ext uri="{BB962C8B-B14F-4D97-AF65-F5344CB8AC3E}">
         <p14:creationId xmlns:p14="http://schemas.microsoft.com/office/powerpoint/2010/main" val="1539719352"/>
+      </p:ext>
+    </p:extLst>
+  </p:cSld>
+  <p:clrMapOvr>
+    <a:masterClrMapping/>
+  </p:clrMapOvr>
+</p:sld>
+</file>
+
+<file path=ppt/slides/slide11.xml><?xml version="1.0" encoding="utf-8"?>
+<p:sld xmlns:a="http://schemas.openxmlformats.org/drawingml/2006/main" xmlns:r="http://schemas.openxmlformats.org/officeDocument/2006/relationships" xmlns:p="http://schemas.openxmlformats.org/presentationml/2006/main">
+  <p:cSld>
+    <p:spTree>
+      <p:nvGrpSpPr>
+        <p:cNvPr id="1" name=""/>
+        <p:cNvGrpSpPr/>
+        <p:nvPr/>
+      </p:nvGrpSpPr>
+      <p:grpSpPr>
+        <a:xfrm>
+          <a:off x="0" y="0"/>
+          <a:ext cx="0" cy="0"/>
+          <a:chOff x="0" y="0"/>
+          <a:chExt cx="0" cy="0"/>
+        </a:xfrm>
+      </p:grpSpPr>
+    </p:spTree>
+    <p:extLst>
+      <p:ext uri="{BB962C8B-B14F-4D97-AF65-F5344CB8AC3E}">
+        <p14:creationId xmlns:p14="http://schemas.microsoft.com/office/powerpoint/2010/main" val="1265256198"/>
+      </p:ext>
+    </p:extLst>
+  </p:cSld>
+  <p:clrMapOvr>
+    <a:masterClrMapping/>
+  </p:clrMapOvr>
+  <mc:AlternateContent xmlns:mc="http://schemas.openxmlformats.org/markup-compatibility/2006" xmlns:p14="http://schemas.microsoft.com/office/powerpoint/2010/main">
+    <mc:Choice Requires="p14">
+      <p:transition spd="med" p14:dur="700">
+        <p:fade/>
+      </p:transition>
+    </mc:Choice>
+    <mc:Fallback xmlns="">
+      <p:transition spd="med">
+        <p:fade/>
+      </p:transition>
+    </mc:Fallback>
+  </mc:AlternateContent>
+</p:sld>
+</file>
+
+<file path=ppt/slides/slide2.xml><?xml version="1.0" encoding="utf-8"?>
+<p:sld xmlns:a="http://schemas.openxmlformats.org/drawingml/2006/main" xmlns:r="http://schemas.openxmlformats.org/officeDocument/2006/relationships" xmlns:p="http://schemas.openxmlformats.org/presentationml/2006/main">
+  <p:cSld>
+    <p:bg>
+      <p:bgPr>
+        <a:solidFill>
+          <a:schemeClr val="bg1"/>
+        </a:solidFill>
+        <a:effectLst/>
+      </p:bgPr>
+    </p:bg>
+    <p:spTree>
+      <p:nvGrpSpPr>
+        <p:cNvPr id="1" name=""/>
+        <p:cNvGrpSpPr/>
+        <p:nvPr/>
+      </p:nvGrpSpPr>
+      <p:grpSpPr>
+        <a:xfrm>
+          <a:off x="0" y="0"/>
+          <a:ext cx="0" cy="0"/>
+          <a:chOff x="0" y="0"/>
+          <a:chExt cx="0" cy="0"/>
+        </a:xfrm>
+      </p:grpSpPr>
+      <p:pic>
+        <p:nvPicPr>
+          <p:cNvPr id="8" name="Picture 7" descr="A close up of a logo&#10;&#10;Description generated with very high confidence">
+            <a:extLst>
+              <a:ext uri="{FF2B5EF4-FFF2-40B4-BE49-F238E27FC236}">
+                <a16:creationId xmlns:a16="http://schemas.microsoft.com/office/drawing/2014/main" id="{1D5BDF08-0479-4997-9FFE-AEC5DCE9C473}"/>
+              </a:ext>
+            </a:extLst>
+          </p:cNvPr>
+          <p:cNvPicPr>
+            <a:picLocks noChangeAspect="1"/>
+          </p:cNvPicPr>
+          <p:nvPr/>
+        </p:nvPicPr>
+        <p:blipFill rotWithShape="1">
+          <a:blip r:embed="rId2">
+            <a:extLst>
+              <a:ext uri="{28A0092B-C50C-407E-A947-70E740481C1C}">
+                <a14:useLocalDpi xmlns:a14="http://schemas.microsoft.com/office/drawing/2010/main" val="0"/>
+              </a:ext>
+            </a:extLst>
+          </a:blip>
+          <a:srcRect b="401"/>
+          <a:stretch/>
+        </p:blipFill>
+        <p:spPr>
+          <a:xfrm>
+            <a:off x="-1" y="1"/>
+            <a:ext cx="12192000" cy="6132262"/>
+          </a:xfrm>
+          <a:prstGeom prst="rect">
+            <a:avLst/>
+          </a:prstGeom>
+        </p:spPr>
+      </p:pic>
+      <p:pic>
+        <p:nvPicPr>
+          <p:cNvPr id="13" name="Picture 12">
+            <a:extLst>
+              <a:ext uri="{FF2B5EF4-FFF2-40B4-BE49-F238E27FC236}">
+                <a16:creationId xmlns:a16="http://schemas.microsoft.com/office/drawing/2014/main" id="{C378A39E-7C31-46DC-BF58-1048E7CF392E}"/>
+              </a:ext>
+            </a:extLst>
+          </p:cNvPr>
+          <p:cNvPicPr>
+            <a:picLocks noGrp="1" noRot="1" noChangeAspect="1" noMove="1" noResize="1" noEditPoints="1" noAdjustHandles="1" noChangeArrowheads="1" noChangeShapeType="1" noCrop="1"/>
+          </p:cNvPicPr>
+          <p:nvPr>
+            <p:extLst>
+              <p:ext uri="{386F3935-93C4-4BCD-93E2-E3B085C9AB24}">
+                <p16:designElem xmlns:p16="http://schemas.microsoft.com/office/powerpoint/2015/main" val="1"/>
+              </p:ext>
+            </p:extLst>
+          </p:nvPr>
+        </p:nvPicPr>
+        <p:blipFill>
+          <a:blip r:embed="rId3">
+            <a:extLst>
+              <a:ext uri="{28A0092B-C50C-407E-A947-70E740481C1C}">
+                <a14:useLocalDpi xmlns:a14="http://schemas.microsoft.com/office/drawing/2010/main" val="0"/>
+              </a:ext>
+            </a:extLst>
+          </a:blip>
+          <a:srcRect t="46751" b="26582"/>
+          <a:stretch>
+            <a:fillRect/>
+          </a:stretch>
+        </p:blipFill>
+        <p:spPr>
+          <a:xfrm>
+            <a:off x="0" y="5029200"/>
+            <a:ext cx="12192000" cy="1828800"/>
+          </a:xfrm>
+          <a:custGeom>
+            <a:avLst/>
+            <a:gdLst>
+              <a:gd name="connsiteX0" fmla="*/ 0 w 12192000"/>
+              <a:gd name="connsiteY0" fmla="*/ 0 h 1828800"/>
+              <a:gd name="connsiteX1" fmla="*/ 12192000 w 12192000"/>
+              <a:gd name="connsiteY1" fmla="*/ 0 h 1828800"/>
+              <a:gd name="connsiteX2" fmla="*/ 12192000 w 12192000"/>
+              <a:gd name="connsiteY2" fmla="*/ 1828800 h 1828800"/>
+              <a:gd name="connsiteX3" fmla="*/ 0 w 12192000"/>
+              <a:gd name="connsiteY3" fmla="*/ 1828800 h 1828800"/>
+            </a:gdLst>
+            <a:ahLst/>
+            <a:cxnLst>
+              <a:cxn ang="0">
+                <a:pos x="connsiteX0" y="connsiteY0"/>
+              </a:cxn>
+              <a:cxn ang="0">
+                <a:pos x="connsiteX1" y="connsiteY1"/>
+              </a:cxn>
+              <a:cxn ang="0">
+                <a:pos x="connsiteX2" y="connsiteY2"/>
+              </a:cxn>
+              <a:cxn ang="0">
+                <a:pos x="connsiteX3" y="connsiteY3"/>
+              </a:cxn>
+            </a:cxnLst>
+            <a:rect l="l" t="t" r="r" b="b"/>
+            <a:pathLst>
+              <a:path w="12192000" h="1828800">
+                <a:moveTo>
+                  <a:pt x="0" y="0"/>
+                </a:moveTo>
+                <a:lnTo>
+                  <a:pt x="12192000" y="0"/>
+                </a:lnTo>
+                <a:lnTo>
+                  <a:pt x="12192000" y="1828800"/>
+                </a:lnTo>
+                <a:lnTo>
+                  <a:pt x="0" y="1828800"/>
+                </a:lnTo>
+                <a:close/>
+              </a:path>
+            </a:pathLst>
+          </a:custGeom>
+        </p:spPr>
+      </p:pic>
+    </p:spTree>
+    <p:extLst>
+      <p:ext uri="{BB962C8B-B14F-4D97-AF65-F5344CB8AC3E}">
+        <p14:creationId xmlns:p14="http://schemas.microsoft.com/office/powerpoint/2010/main" val="598360227"/>
+      </p:ext>
+    </p:extLst>
+  </p:cSld>
+  <p:clrMapOvr>
+    <a:masterClrMapping/>
+  </p:clrMapOvr>
+</p:sld>
+</file>
+
+<file path=ppt/slides/slide3.xml><?xml version="1.0" encoding="utf-8"?>
+<p:sld xmlns:a="http://schemas.openxmlformats.org/drawingml/2006/main" xmlns:r="http://schemas.openxmlformats.org/officeDocument/2006/relationships" xmlns:p="http://schemas.openxmlformats.org/presentationml/2006/main">
+  <p:cSld>
+    <p:spTree>
+      <p:nvGrpSpPr>
+        <p:cNvPr id="1" name=""/>
+        <p:cNvGrpSpPr/>
+        <p:nvPr/>
+      </p:nvGrpSpPr>
+      <p:grpSpPr>
+        <a:xfrm>
+          <a:off x="0" y="0"/>
+          <a:ext cx="0" cy="0"/>
+          <a:chOff x="0" y="0"/>
+          <a:chExt cx="0" cy="0"/>
+        </a:xfrm>
+      </p:grpSpPr>
+      <p:pic>
+        <p:nvPicPr>
+          <p:cNvPr id="2" name="Online Media 1">
+            <a:hlinkClick r:id="" action="ppaction://media"/>
+            <a:extLst>
+              <a:ext uri="{FF2B5EF4-FFF2-40B4-BE49-F238E27FC236}">
+                <a16:creationId xmlns:a16="http://schemas.microsoft.com/office/drawing/2014/main" id="{CCFBAA40-C4D2-4FEF-A403-DB061567BCF5}"/>
+              </a:ext>
+            </a:extLst>
+          </p:cNvPr>
+          <p:cNvPicPr>
+            <a:picLocks noRot="1" noChangeAspect="1"/>
+          </p:cNvPicPr>
+          <p:nvPr>
+            <a:videoFile r:link="rId1"/>
+          </p:nvPr>
+        </p:nvPicPr>
+        <p:blipFill>
+          <a:blip r:embed="rId3"/>
+          <a:stretch>
+            <a:fillRect/>
+          </a:stretch>
+        </p:blipFill>
+        <p:spPr>
+          <a:xfrm>
+            <a:off x="0" y="0"/>
+            <a:ext cx="12192000" cy="6858000"/>
+          </a:xfrm>
+          <a:prstGeom prst="rect">
+            <a:avLst/>
+          </a:prstGeom>
+        </p:spPr>
+      </p:pic>
+    </p:spTree>
+    <p:extLst>
+      <p:ext uri="{BB962C8B-B14F-4D97-AF65-F5344CB8AC3E}">
+        <p14:creationId xmlns:p14="http://schemas.microsoft.com/office/powerpoint/2010/main" val="312967953"/>
+      </p:ext>
+    </p:extLst>
+  </p:cSld>
+  <p:clrMapOvr>
+    <a:masterClrMapping/>
+  </p:clrMapOvr>
+  <p:timing>
+    <p:tnLst>
+      <p:par>
+        <p:cTn id="1" dur="indefinite" restart="never" nodeType="tmRoot">
+          <p:childTnLst>
+            <p:seq concurrent="1" nextAc="seek">
+              <p:cTn id="2" dur="indefinite" nodeType="mainSeq">
+                <p:childTnLst>
+                  <p:par>
+                    <p:cTn id="3" fill="hold">
+                      <p:stCondLst>
+                        <p:cond delay="indefinite"/>
+                        <p:cond evt="onBegin" delay="0">
+                          <p:tn val="2"/>
+                        </p:cond>
+                      </p:stCondLst>
+                      <p:childTnLst>
+                        <p:par>
+                          <p:cTn id="4" fill="hold">
+                            <p:stCondLst>
+                              <p:cond delay="0"/>
+                            </p:stCondLst>
+                            <p:childTnLst>
+                              <p:par>
+                                <p:cTn id="5" presetID="1" presetClass="mediacall" presetSubtype="0" fill="hold" nodeType="afterEffect">
+                                  <p:stCondLst>
+                                    <p:cond delay="0"/>
+                                  </p:stCondLst>
+                                  <p:childTnLst>
+                                    <p:cmd type="call" cmd="playFrom(0.0)">
+                                      <p:cBhvr>
+                                        <p:cTn id="6" dur="1" fill="hold"/>
+                                        <p:tgtEl>
+                                          <p:spTgt spid="2"/>
+                                        </p:tgtEl>
+                                      </p:cBhvr>
+                                    </p:cmd>
+                                  </p:childTnLst>
+                                </p:cTn>
+                              </p:par>
+                            </p:childTnLst>
+                          </p:cTn>
+                        </p:par>
+                      </p:childTnLst>
+                    </p:cTn>
+                  </p:par>
+                </p:childTnLst>
+              </p:cTn>
+              <p:prevCondLst>
+                <p:cond evt="onPrev" delay="0">
+                  <p:tgtEl>
+                    <p:sldTgt/>
+                  </p:tgtEl>
+                </p:cond>
+              </p:prevCondLst>
+              <p:nextCondLst>
+                <p:cond evt="onNext" delay="0">
+                  <p:tgtEl>
+                    <p:sldTgt/>
+                  </p:tgtEl>
+                </p:cond>
+              </p:nextCondLst>
+            </p:seq>
+            <p:video>
+              <p:cMediaNode>
+                <p:cTn id="7" fill="hold" display="0">
+                  <p:stCondLst>
+                    <p:cond delay="indefinite"/>
+                  </p:stCondLst>
+                </p:cTn>
+                <p:tgtEl>
+                  <p:spTgt spid="2"/>
+                </p:tgtEl>
+              </p:cMediaNode>
+            </p:video>
+            <p:seq concurrent="1" nextAc="seek">
+              <p:cTn id="8" restart="whenNotActive" fill="hold" evtFilter="cancelBubble" nodeType="interactiveSeq">
+                <p:stCondLst>
+                  <p:cond evt="onClick" delay="0">
+                    <p:tgtEl>
+                      <p:spTgt spid="2"/>
+                    </p:tgtEl>
+                  </p:cond>
+                </p:stCondLst>
+                <p:endSync evt="end" delay="0">
+                  <p:rtn val="all"/>
+                </p:endSync>
+                <p:childTnLst>
+                  <p:par>
+                    <p:cTn id="9" fill="hold">
+                      <p:stCondLst>
+                        <p:cond delay="0"/>
+                      </p:stCondLst>
+                      <p:childTnLst>
+                        <p:par>
+                          <p:cTn id="10" fill="hold">
+                            <p:stCondLst>
+                              <p:cond delay="0"/>
+                            </p:stCondLst>
+                            <p:childTnLst>
+                              <p:par>
+                                <p:cTn id="11" presetID="2" presetClass="mediacall" presetSubtype="0" fill="hold" nodeType="clickEffect">
+                                  <p:stCondLst>
+                                    <p:cond delay="0"/>
+                                  </p:stCondLst>
+                                  <p:childTnLst>
+                                    <p:cmd type="call" cmd="togglePause">
+                                      <p:cBhvr>
+                                        <p:cTn id="12" dur="1" fill="hold"/>
+                                        <p:tgtEl>
+                                          <p:spTgt spid="2"/>
+                                        </p:tgtEl>
+                                      </p:cBhvr>
+                                    </p:cmd>
+                                  </p:childTnLst>
+                                </p:cTn>
+                              </p:par>
+                            </p:childTnLst>
+                          </p:cTn>
+                        </p:par>
+                      </p:childTnLst>
+                    </p:cTn>
+                  </p:par>
+                </p:childTnLst>
+              </p:cTn>
+              <p:nextCondLst>
+                <p:cond evt="onClick" delay="0">
+                  <p:tgtEl>
+                    <p:spTgt spid="2"/>
+                  </p:tgtEl>
+                </p:cond>
+              </p:nextCondLst>
+            </p:seq>
+          </p:childTnLst>
+        </p:cTn>
+      </p:par>
+    </p:tnLst>
+  </p:timing>
+</p:sld>
+</file>
+
+<file path=ppt/slides/slide4.xml><?xml version="1.0" encoding="utf-8"?>
+<p:sld xmlns:a="http://schemas.openxmlformats.org/drawingml/2006/main" xmlns:r="http://schemas.openxmlformats.org/officeDocument/2006/relationships" xmlns:p="http://schemas.openxmlformats.org/presentationml/2006/main">
+  <p:cSld>
+    <p:spTree>
+      <p:nvGrpSpPr>
+        <p:cNvPr id="1" name=""/>
+        <p:cNvGrpSpPr/>
+        <p:nvPr/>
+      </p:nvGrpSpPr>
+      <p:grpSpPr>
+        <a:xfrm>
+          <a:off x="0" y="0"/>
+          <a:ext cx="0" cy="0"/>
+          <a:chOff x="0" y="0"/>
+          <a:chExt cx="0" cy="0"/>
+        </a:xfrm>
+      </p:grpSpPr>
+      <p:pic>
+        <p:nvPicPr>
+          <p:cNvPr id="8" name="Picture 7"/>
+          <p:cNvPicPr>
+            <a:picLocks noChangeAspect="1"/>
+          </p:cNvPicPr>
+          <p:nvPr/>
+        </p:nvPicPr>
+        <p:blipFill rotWithShape="1">
+          <a:blip r:embed="rId3"/>
+          <a:srcRect t="24999" r="25223"/>
+          <a:stretch/>
+        </p:blipFill>
+        <p:spPr>
+          <a:xfrm>
+            <a:off x="0" y="0"/>
+            <a:ext cx="12192000" cy="6858000"/>
+          </a:xfrm>
+          <a:prstGeom prst="rect">
+            <a:avLst/>
+          </a:prstGeom>
+        </p:spPr>
+      </p:pic>
+      <p:sp>
+        <p:nvSpPr>
+          <p:cNvPr id="12" name="Rectangle 11"/>
+          <p:cNvSpPr/>
+          <p:nvPr/>
+        </p:nvSpPr>
+        <p:spPr>
+          <a:xfrm>
+            <a:off x="0" y="642258"/>
+            <a:ext cx="10668000" cy="1480456"/>
+          </a:xfrm>
+          <a:prstGeom prst="rect">
+            <a:avLst/>
+          </a:prstGeom>
+          <a:solidFill>
+            <a:schemeClr val="tx1">
+              <a:lumMod val="50000"/>
+              <a:alpha val="62000"/>
+            </a:schemeClr>
+          </a:solidFill>
+          <a:ln w="12700" cap="flat" cmpd="sng" algn="ctr">
+            <a:noFill/>
+            <a:prstDash val="solid"/>
+          </a:ln>
+          <a:effectLst/>
+        </p:spPr>
+        <p:txBody>
+          <a:bodyPr rtlCol="0" anchor="ctr"/>
+          <a:lstStyle/>
+          <a:p>
+            <a:pPr algn="ctr" defTabSz="1219170">
+              <a:defRPr/>
+            </a:pPr>
+            <a:endParaRPr lang="en-GB" sz="2133" kern="0" dirty="0">
+              <a:solidFill>
+                <a:schemeClr val="bg1"/>
+              </a:solidFill>
+              <a:latin typeface="Arial"/>
+            </a:endParaRPr>
+          </a:p>
+        </p:txBody>
+      </p:sp>
+      <p:sp>
+        <p:nvSpPr>
+          <p:cNvPr id="10" name="Text Placeholder 3"/>
+          <p:cNvSpPr txBox="1">
+            <a:spLocks/>
+          </p:cNvSpPr>
+          <p:nvPr/>
+        </p:nvSpPr>
+        <p:spPr>
+          <a:xfrm>
+            <a:off x="4451838" y="1172231"/>
+            <a:ext cx="6216162" cy="407953"/>
+          </a:xfrm>
+          <a:prstGeom prst="rect">
+            <a:avLst/>
+          </a:prstGeom>
+        </p:spPr>
+        <p:txBody>
+          <a:bodyPr vert="horz" lIns="91440" tIns="45720" rIns="91440" bIns="45720" rtlCol="0" anchor="ctr"/>
+          <a:lstStyle>
+            <a:defPPr>
+              <a:defRPr lang="en-US"/>
+            </a:defPPr>
+            <a:lvl1pPr algn="l" rtl="0" fontAlgn="base">
+              <a:spcBef>
+                <a:spcPct val="0"/>
+              </a:spcBef>
+              <a:spcAft>
+                <a:spcPct val="0"/>
+              </a:spcAft>
+              <a:defRPr sz="900" kern="1200">
+                <a:solidFill>
+                  <a:schemeClr val="tx1">
+                    <a:tint val="75000"/>
+                  </a:schemeClr>
+                </a:solidFill>
+                <a:latin typeface="Arial" charset="0"/>
+                <a:ea typeface="+mn-ea"/>
+                <a:cs typeface="Arial" charset="0"/>
+              </a:defRPr>
+            </a:lvl1pPr>
+            <a:lvl2pPr marL="342946" algn="l" rtl="0" fontAlgn="base">
+              <a:spcBef>
+                <a:spcPct val="0"/>
+              </a:spcBef>
+              <a:spcAft>
+                <a:spcPct val="0"/>
+              </a:spcAft>
+              <a:defRPr kern="1200">
+                <a:solidFill>
+                  <a:schemeClr val="tx1"/>
+                </a:solidFill>
+                <a:latin typeface="Arial" charset="0"/>
+                <a:ea typeface="+mn-ea"/>
+                <a:cs typeface="Arial" charset="0"/>
+              </a:defRPr>
+            </a:lvl2pPr>
+            <a:lvl3pPr marL="685891" algn="l" rtl="0" fontAlgn="base">
+              <a:spcBef>
+                <a:spcPct val="0"/>
+              </a:spcBef>
+              <a:spcAft>
+                <a:spcPct val="0"/>
+              </a:spcAft>
+              <a:defRPr kern="1200">
+                <a:solidFill>
+                  <a:schemeClr val="tx1"/>
+                </a:solidFill>
+                <a:latin typeface="Arial" charset="0"/>
+                <a:ea typeface="+mn-ea"/>
+                <a:cs typeface="Arial" charset="0"/>
+              </a:defRPr>
+            </a:lvl3pPr>
+            <a:lvl4pPr marL="1028837" algn="l" rtl="0" fontAlgn="base">
+              <a:spcBef>
+                <a:spcPct val="0"/>
+              </a:spcBef>
+              <a:spcAft>
+                <a:spcPct val="0"/>
+              </a:spcAft>
+              <a:defRPr kern="1200">
+                <a:solidFill>
+                  <a:schemeClr val="tx1"/>
+                </a:solidFill>
+                <a:latin typeface="Arial" charset="0"/>
+                <a:ea typeface="+mn-ea"/>
+                <a:cs typeface="Arial" charset="0"/>
+              </a:defRPr>
+            </a:lvl4pPr>
+            <a:lvl5pPr marL="1371783" algn="l" rtl="0" fontAlgn="base">
+              <a:spcBef>
+                <a:spcPct val="0"/>
+              </a:spcBef>
+              <a:spcAft>
+                <a:spcPct val="0"/>
+              </a:spcAft>
+              <a:defRPr kern="1200">
+                <a:solidFill>
+                  <a:schemeClr val="tx1"/>
+                </a:solidFill>
+                <a:latin typeface="Arial" charset="0"/>
+                <a:ea typeface="+mn-ea"/>
+                <a:cs typeface="Arial" charset="0"/>
+              </a:defRPr>
+            </a:lvl5pPr>
+            <a:lvl6pPr marL="1714729" algn="l" defTabSz="685891" rtl="0" eaLnBrk="1" latinLnBrk="0" hangingPunct="1">
+              <a:defRPr kern="1200">
+                <a:solidFill>
+                  <a:schemeClr val="tx1"/>
+                </a:solidFill>
+                <a:latin typeface="Arial" charset="0"/>
+                <a:ea typeface="+mn-ea"/>
+                <a:cs typeface="Arial" charset="0"/>
+              </a:defRPr>
+            </a:lvl6pPr>
+            <a:lvl7pPr marL="2057674" algn="l" defTabSz="685891" rtl="0" eaLnBrk="1" latinLnBrk="0" hangingPunct="1">
+              <a:defRPr kern="1200">
+                <a:solidFill>
+                  <a:schemeClr val="tx1"/>
+                </a:solidFill>
+                <a:latin typeface="Arial" charset="0"/>
+                <a:ea typeface="+mn-ea"/>
+                <a:cs typeface="Arial" charset="0"/>
+              </a:defRPr>
+            </a:lvl7pPr>
+            <a:lvl8pPr marL="2400620" algn="l" defTabSz="685891" rtl="0" eaLnBrk="1" latinLnBrk="0" hangingPunct="1">
+              <a:defRPr kern="1200">
+                <a:solidFill>
+                  <a:schemeClr val="tx1"/>
+                </a:solidFill>
+                <a:latin typeface="Arial" charset="0"/>
+                <a:ea typeface="+mn-ea"/>
+                <a:cs typeface="Arial" charset="0"/>
+              </a:defRPr>
+            </a:lvl8pPr>
+            <a:lvl9pPr marL="2743566" algn="l" defTabSz="685891" rtl="0" eaLnBrk="1" latinLnBrk="0" hangingPunct="1">
+              <a:defRPr kern="1200">
+                <a:solidFill>
+                  <a:schemeClr val="tx1"/>
+                </a:solidFill>
+                <a:latin typeface="Arial" charset="0"/>
+                <a:ea typeface="+mn-ea"/>
+                <a:cs typeface="Arial" charset="0"/>
+              </a:defRPr>
+            </a:lvl9pPr>
+          </a:lstStyle>
+          <a:p>
+            <a:r>
+              <a:rPr lang="en-US" sz="4400" dirty="0" err="1">
+                <a:solidFill>
+                  <a:schemeClr val="bg1"/>
+                </a:solidFill>
+                <a:latin typeface="Segoe UI Light" panose="020B0502040204020203" pitchFamily="34" charset="0"/>
+                <a:cs typeface="Segoe UI Light" panose="020B0502040204020203" pitchFamily="34" charset="0"/>
+              </a:rPr>
+              <a:t>Mapathon</a:t>
+            </a:r>
+            <a:r>
+              <a:rPr lang="en-US" sz="4400" dirty="0">
+                <a:solidFill>
+                  <a:schemeClr val="bg1"/>
+                </a:solidFill>
+                <a:latin typeface="Segoe UI Light" panose="020B0502040204020203" pitchFamily="34" charset="0"/>
+                <a:cs typeface="Segoe UI Light" panose="020B0502040204020203" pitchFamily="34" charset="0"/>
+              </a:rPr>
+              <a:t> Introduction</a:t>
+            </a:r>
+          </a:p>
+        </p:txBody>
+      </p:sp>
+      <p:pic>
+        <p:nvPicPr>
+          <p:cNvPr id="7" name="Picture 6"/>
+          <p:cNvPicPr>
+            <a:picLocks noChangeAspect="1"/>
+          </p:cNvPicPr>
+          <p:nvPr/>
+        </p:nvPicPr>
+        <p:blipFill>
+          <a:blip r:embed="rId4">
+            <a:extLst>
+              <a:ext uri="{28A0092B-C50C-407E-A947-70E740481C1C}">
+                <a14:useLocalDpi xmlns:a14="http://schemas.microsoft.com/office/drawing/2010/main" val="0"/>
+              </a:ext>
+            </a:extLst>
+          </a:blip>
+          <a:stretch>
+            <a:fillRect/>
+          </a:stretch>
+        </p:blipFill>
+        <p:spPr>
+          <a:xfrm>
+            <a:off x="987028" y="826973"/>
+            <a:ext cx="2802681" cy="1111023"/>
+          </a:xfrm>
+          <a:prstGeom prst="rect">
+            <a:avLst/>
+          </a:prstGeom>
+        </p:spPr>
+      </p:pic>
+    </p:spTree>
+    <p:extLst>
+      <p:ext uri="{BB962C8B-B14F-4D97-AF65-F5344CB8AC3E}">
+        <p14:creationId xmlns:p14="http://schemas.microsoft.com/office/powerpoint/2010/main" val="2528128065"/>
+      </p:ext>
+    </p:extLst>
+  </p:cSld>
+  <p:clrMapOvr>
+    <a:masterClrMapping/>
+  </p:clrMapOvr>
+</p:sld>
+</file>
+
+<file path=ppt/slides/slide5.xml><?xml version="1.0" encoding="utf-8"?>
+<p:sld xmlns:a="http://schemas.openxmlformats.org/drawingml/2006/main" xmlns:r="http://schemas.openxmlformats.org/officeDocument/2006/relationships" xmlns:p="http://schemas.openxmlformats.org/presentationml/2006/main">
+  <p:cSld>
+    <p:spTree>
+      <p:nvGrpSpPr>
+        <p:cNvPr id="1" name=""/>
+        <p:cNvGrpSpPr/>
+        <p:nvPr/>
+      </p:nvGrpSpPr>
+      <p:grpSpPr>
+        <a:xfrm>
+          <a:off x="0" y="0"/>
+          <a:ext cx="0" cy="0"/>
+          <a:chOff x="0" y="0"/>
+          <a:chExt cx="0" cy="0"/>
+        </a:xfrm>
+      </p:grpSpPr>
+      <p:sp>
+        <p:nvSpPr>
+          <p:cNvPr id="7" name="Content Placeholder 4"/>
+          <p:cNvSpPr txBox="1">
+            <a:spLocks/>
+          </p:cNvSpPr>
+          <p:nvPr/>
+        </p:nvSpPr>
+        <p:spPr>
+          <a:xfrm>
+            <a:off x="1147276" y="1727637"/>
+            <a:ext cx="10385963" cy="4668837"/>
+          </a:xfrm>
+          <a:prstGeom prst="rect">
+            <a:avLst/>
+          </a:prstGeom>
+        </p:spPr>
+        <p:txBody>
+          <a:bodyPr vert="horz" lIns="0" tIns="0" rIns="0" bIns="0" rtlCol="0">
+            <a:noAutofit/>
+          </a:bodyPr>
+          <a:lstStyle>
+            <a:lvl1pPr marL="0" indent="0" algn="l" rtl="0" eaLnBrk="1" fontAlgn="base" hangingPunct="1">
+              <a:spcBef>
+                <a:spcPts val="0"/>
+              </a:spcBef>
+              <a:spcAft>
+                <a:spcPts val="533"/>
+              </a:spcAft>
+              <a:buSzPct val="80000"/>
+              <a:buFont typeface="Arial" pitchFamily="34" charset="0"/>
+              <a:buNone/>
+              <a:defRPr sz="2667" kern="1200">
+                <a:solidFill>
+                  <a:schemeClr val="tx1"/>
+                </a:solidFill>
+                <a:latin typeface="+mn-lt"/>
+                <a:ea typeface="Arial" pitchFamily="-105" charset="-52"/>
+                <a:cs typeface="Arial" pitchFamily="34" charset="0"/>
+              </a:defRPr>
+            </a:lvl1pPr>
+            <a:lvl2pPr marL="457239" indent="-230418" algn="l" rtl="0" eaLnBrk="1" fontAlgn="base" hangingPunct="1">
+              <a:spcBef>
+                <a:spcPts val="0"/>
+              </a:spcBef>
+              <a:spcAft>
+                <a:spcPts val="533"/>
+              </a:spcAft>
+              <a:buSzPct val="80000"/>
+              <a:buFont typeface="Arial" pitchFamily="34" charset="0"/>
+              <a:buChar char="–"/>
+              <a:defRPr sz="2400" kern="1200">
+                <a:solidFill>
+                  <a:schemeClr val="tx1"/>
+                </a:solidFill>
+                <a:latin typeface="+mn-lt"/>
+                <a:ea typeface="Arial" pitchFamily="-105" charset="-52"/>
+                <a:cs typeface="Arial" pitchFamily="34" charset="0"/>
+              </a:defRPr>
+            </a:lvl2pPr>
+            <a:lvl3pPr marL="687657" indent="-230418" algn="l" rtl="0" eaLnBrk="1" fontAlgn="base" hangingPunct="1">
+              <a:spcBef>
+                <a:spcPts val="0"/>
+              </a:spcBef>
+              <a:spcAft>
+                <a:spcPts val="533"/>
+              </a:spcAft>
+              <a:buSzPct val="80000"/>
+              <a:buFont typeface="Arial" pitchFamily="34" charset="0"/>
+              <a:buChar char="•"/>
+              <a:defRPr sz="2000" kern="1200">
+                <a:solidFill>
+                  <a:schemeClr val="tx1"/>
+                </a:solidFill>
+                <a:latin typeface="+mn-lt"/>
+                <a:ea typeface="Arial" pitchFamily="-105" charset="-52"/>
+                <a:cs typeface="Arial" pitchFamily="34" charset="0"/>
+              </a:defRPr>
+            </a:lvl3pPr>
+            <a:lvl4pPr marL="910876" indent="-226818" algn="l" rtl="0" eaLnBrk="1" fontAlgn="base" hangingPunct="1">
+              <a:spcBef>
+                <a:spcPts val="0"/>
+              </a:spcBef>
+              <a:spcAft>
+                <a:spcPts val="533"/>
+              </a:spcAft>
+              <a:buSzPct val="80000"/>
+              <a:buFont typeface="Arial" pitchFamily="34" charset="0"/>
+              <a:buChar char="–"/>
+              <a:defRPr sz="1867" kern="1200">
+                <a:solidFill>
+                  <a:schemeClr val="tx1"/>
+                </a:solidFill>
+                <a:latin typeface="+mn-lt"/>
+                <a:ea typeface="Arial" pitchFamily="-105" charset="-52"/>
+                <a:cs typeface="Arial" pitchFamily="34" charset="0"/>
+              </a:defRPr>
+            </a:lvl4pPr>
+            <a:lvl5pPr marL="1144895" indent="-230418" algn="l" rtl="0" eaLnBrk="1" fontAlgn="base" hangingPunct="1">
+              <a:spcBef>
+                <a:spcPts val="0"/>
+              </a:spcBef>
+              <a:spcAft>
+                <a:spcPts val="533"/>
+              </a:spcAft>
+              <a:buSzPct val="80000"/>
+              <a:buFont typeface="Arial" pitchFamily="34" charset="0"/>
+              <a:buChar char="•"/>
+              <a:defRPr sz="1600" kern="1200">
+                <a:solidFill>
+                  <a:schemeClr val="tx1"/>
+                </a:solidFill>
+                <a:latin typeface="+mn-lt"/>
+                <a:ea typeface="Arial" pitchFamily="-105" charset="-52"/>
+                <a:cs typeface="Arial" pitchFamily="34" charset="0"/>
+              </a:defRPr>
+            </a:lvl5pPr>
+            <a:lvl6pPr marL="2514809" indent="-228620" algn="l" defTabSz="914476" rtl="0" eaLnBrk="1" latinLnBrk="0" hangingPunct="1">
+              <a:spcBef>
+                <a:spcPct val="20000"/>
+              </a:spcBef>
+              <a:buFont typeface="Arial" pitchFamily="34" charset="0"/>
+              <a:buChar char="•"/>
+              <a:defRPr sz="2000" kern="1200">
+                <a:solidFill>
+                  <a:schemeClr val="tx1"/>
+                </a:solidFill>
+                <a:latin typeface="+mn-lt"/>
+                <a:ea typeface="+mn-ea"/>
+                <a:cs typeface="+mn-cs"/>
+              </a:defRPr>
+            </a:lvl6pPr>
+            <a:lvl7pPr marL="2972047" indent="-228620" algn="l" defTabSz="914476" rtl="0" eaLnBrk="1" latinLnBrk="0" hangingPunct="1">
+              <a:spcBef>
+                <a:spcPct val="20000"/>
+              </a:spcBef>
+              <a:buFont typeface="Arial" pitchFamily="34" charset="0"/>
+              <a:buChar char="•"/>
+              <a:defRPr sz="2000" kern="1200">
+                <a:solidFill>
+                  <a:schemeClr val="tx1"/>
+                </a:solidFill>
+                <a:latin typeface="+mn-lt"/>
+                <a:ea typeface="+mn-ea"/>
+                <a:cs typeface="+mn-cs"/>
+              </a:defRPr>
+            </a:lvl7pPr>
+            <a:lvl8pPr marL="3429286" indent="-228620" algn="l" defTabSz="914476" rtl="0" eaLnBrk="1" latinLnBrk="0" hangingPunct="1">
+              <a:spcBef>
+                <a:spcPct val="20000"/>
+              </a:spcBef>
+              <a:buFont typeface="Arial" pitchFamily="34" charset="0"/>
+              <a:buChar char="•"/>
+              <a:defRPr sz="2000" kern="1200">
+                <a:solidFill>
+                  <a:schemeClr val="tx1"/>
+                </a:solidFill>
+                <a:latin typeface="+mn-lt"/>
+                <a:ea typeface="+mn-ea"/>
+                <a:cs typeface="+mn-cs"/>
+              </a:defRPr>
+            </a:lvl8pPr>
+            <a:lvl9pPr marL="3886524" indent="-228620" algn="l" defTabSz="914476" rtl="0" eaLnBrk="1" latinLnBrk="0" hangingPunct="1">
+              <a:spcBef>
+                <a:spcPct val="20000"/>
+              </a:spcBef>
+              <a:buFont typeface="Arial" pitchFamily="34" charset="0"/>
+              <a:buChar char="•"/>
+              <a:defRPr sz="2000" kern="1200">
+                <a:solidFill>
+                  <a:schemeClr val="tx1"/>
+                </a:solidFill>
+                <a:latin typeface="+mn-lt"/>
+                <a:ea typeface="+mn-ea"/>
+                <a:cs typeface="+mn-cs"/>
+              </a:defRPr>
+            </a:lvl9pPr>
+          </a:lstStyle>
+          <a:p>
+            <a:r>
+              <a:rPr lang="en-GB" sz="2400" dirty="0">
+                <a:latin typeface="Segoe UI" panose="020B0502040204020203" pitchFamily="34" charset="0"/>
+                <a:cs typeface="Segoe UI" panose="020B0502040204020203" pitchFamily="34" charset="0"/>
+              </a:rPr>
+              <a:t>Thanks for attending the 2018 National Volunteer Week mapathon</a:t>
+            </a:r>
+          </a:p>
+          <a:p>
+            <a:endParaRPr lang="en-US" sz="2400" dirty="0">
+              <a:latin typeface="Segoe UI" panose="020B0502040204020203" pitchFamily="34" charset="0"/>
+              <a:cs typeface="Segoe UI" panose="020B0502040204020203" pitchFamily="34" charset="0"/>
+            </a:endParaRPr>
+          </a:p>
+          <a:p>
+            <a:r>
+              <a:rPr lang="en-US" sz="2400" dirty="0">
+                <a:latin typeface="Segoe UI" panose="020B0502040204020203" pitchFamily="34" charset="0"/>
+                <a:cs typeface="Segoe UI" panose="020B0502040204020203" pitchFamily="34" charset="0"/>
+              </a:rPr>
+              <a:t>While you are waiting for others to arrive, complete the below steps:</a:t>
+            </a:r>
+          </a:p>
+          <a:p>
+            <a:pPr marL="514350" indent="-514350">
+              <a:buAutoNum type="arabicPeriod"/>
+            </a:pPr>
+            <a:r>
+              <a:rPr lang="en-US" sz="2400" dirty="0">
+                <a:latin typeface="Segoe UI" panose="020B0502040204020203" pitchFamily="34" charset="0"/>
+                <a:cs typeface="Segoe UI" panose="020B0502040204020203" pitchFamily="34" charset="0"/>
+              </a:rPr>
+              <a:t>Sign up for an account at </a:t>
+            </a:r>
+            <a:r>
+              <a:rPr lang="en-US" sz="2400" dirty="0">
+                <a:latin typeface="Segoe UI" panose="020B0502040204020203" pitchFamily="34" charset="0"/>
+                <a:cs typeface="Segoe UI" panose="020B0502040204020203" pitchFamily="34" charset="0"/>
+                <a:hlinkClick r:id="rId3"/>
+              </a:rPr>
+              <a:t>www.openstreetmap.org</a:t>
+            </a:r>
+            <a:endParaRPr lang="en-US" sz="2400" dirty="0">
+              <a:latin typeface="Segoe UI" panose="020B0502040204020203" pitchFamily="34" charset="0"/>
+              <a:cs typeface="Segoe UI" panose="020B0502040204020203" pitchFamily="34" charset="0"/>
+            </a:endParaRPr>
+          </a:p>
+          <a:p>
+            <a:pPr marL="514350" indent="-514350">
+              <a:buAutoNum type="arabicPeriod"/>
+            </a:pPr>
+            <a:r>
+              <a:rPr lang="en-US" sz="2400" dirty="0">
+                <a:latin typeface="Segoe UI" panose="020B0502040204020203" pitchFamily="34" charset="0"/>
+                <a:cs typeface="Segoe UI" panose="020B0502040204020203" pitchFamily="34" charset="0"/>
+              </a:rPr>
+              <a:t>Check your email and confirm your account by clicking the link provided!</a:t>
+            </a:r>
+          </a:p>
+          <a:p>
+            <a:pPr marL="514350" indent="-514350">
+              <a:buAutoNum type="arabicPeriod"/>
+            </a:pPr>
+            <a:r>
+              <a:rPr lang="en-US" sz="2400" dirty="0">
+                <a:latin typeface="Segoe UI" panose="020B0502040204020203" pitchFamily="34" charset="0"/>
+                <a:cs typeface="Segoe UI" panose="020B0502040204020203" pitchFamily="34" charset="0"/>
+              </a:rPr>
+              <a:t>Read through the steps on the guide on your table, to get familiar with how to map</a:t>
+            </a:r>
+          </a:p>
+          <a:p>
+            <a:endParaRPr lang="en-US" sz="1800" dirty="0">
+              <a:latin typeface="Segoe UI" panose="020B0502040204020203" pitchFamily="34" charset="0"/>
+              <a:cs typeface="Segoe UI" panose="020B0502040204020203" pitchFamily="34" charset="0"/>
+            </a:endParaRPr>
+          </a:p>
+          <a:p>
+            <a:endParaRPr lang="en-US" sz="500" dirty="0">
+              <a:solidFill>
+                <a:srgbClr val="000000"/>
+              </a:solidFill>
+              <a:latin typeface="Segoe UI" panose="020B0502040204020203" pitchFamily="34" charset="0"/>
+              <a:cs typeface="Segoe UI" panose="020B0502040204020203" pitchFamily="34" charset="0"/>
+            </a:endParaRPr>
+          </a:p>
+        </p:txBody>
+      </p:sp>
+      <p:pic>
+        <p:nvPicPr>
+          <p:cNvPr id="8" name="Picture 7"/>
+          <p:cNvPicPr>
+            <a:picLocks noChangeAspect="1"/>
+          </p:cNvPicPr>
+          <p:nvPr/>
+        </p:nvPicPr>
+        <p:blipFill rotWithShape="1">
+          <a:blip r:embed="rId4">
+            <a:extLst>
+              <a:ext uri="{28A0092B-C50C-407E-A947-70E740481C1C}">
+                <a14:useLocalDpi xmlns:a14="http://schemas.microsoft.com/office/drawing/2010/main" val="0"/>
+              </a:ext>
+            </a:extLst>
+          </a:blip>
+          <a:srcRect r="63392"/>
+          <a:stretch/>
+        </p:blipFill>
+        <p:spPr>
+          <a:xfrm>
+            <a:off x="10333703" y="235415"/>
+            <a:ext cx="1430593" cy="1549153"/>
+          </a:xfrm>
+          <a:prstGeom prst="rect">
+            <a:avLst/>
+          </a:prstGeom>
+        </p:spPr>
+      </p:pic>
+      <p:sp>
+        <p:nvSpPr>
+          <p:cNvPr id="11" name="TextBox 10">
+            <a:extLst>
+              <a:ext uri="{FF2B5EF4-FFF2-40B4-BE49-F238E27FC236}">
+                <a16:creationId xmlns:a16="http://schemas.microsoft.com/office/drawing/2014/main" id="{82A069F7-99E2-4D54-AAA6-95B51AB692B5}"/>
+              </a:ext>
+            </a:extLst>
+          </p:cNvPr>
+          <p:cNvSpPr txBox="1"/>
+          <p:nvPr/>
+        </p:nvSpPr>
+        <p:spPr>
+          <a:xfrm>
+            <a:off x="958645" y="444198"/>
+            <a:ext cx="5299587" cy="1015663"/>
+          </a:xfrm>
+          <a:prstGeom prst="rect">
+            <a:avLst/>
+          </a:prstGeom>
+          <a:noFill/>
+        </p:spPr>
+        <p:txBody>
+          <a:bodyPr wrap="square" rtlCol="0">
+            <a:spAutoFit/>
+          </a:bodyPr>
+          <a:lstStyle/>
+          <a:p>
+            <a:r>
+              <a:rPr lang="en-US" sz="6000" dirty="0">
+                <a:latin typeface="Segoe UI Semibold" panose="020B0702040204020203" pitchFamily="34" charset="0"/>
+                <a:ea typeface="Segoe UI Black" panose="020B0A02040204020203" pitchFamily="34" charset="0"/>
+                <a:cs typeface="Segoe UI Semibold" panose="020B0702040204020203" pitchFamily="34" charset="0"/>
+              </a:rPr>
+              <a:t>Welcome</a:t>
+            </a:r>
+          </a:p>
+        </p:txBody>
+      </p:sp>
+    </p:spTree>
+    <p:extLst>
+      <p:ext uri="{BB962C8B-B14F-4D97-AF65-F5344CB8AC3E}">
+        <p14:creationId xmlns:p14="http://schemas.microsoft.com/office/powerpoint/2010/main" val="3999282096"/>
+      </p:ext>
+    </p:extLst>
+  </p:cSld>
+  <p:clrMapOvr>
+    <a:masterClrMapping/>
+  </p:clrMapOvr>
+</p:sld>
+</file>
+
+<file path=ppt/slides/slide6.xml><?xml version="1.0" encoding="utf-8"?>
+<p:sld xmlns:a="http://schemas.openxmlformats.org/drawingml/2006/main" xmlns:r="http://schemas.openxmlformats.org/officeDocument/2006/relationships" xmlns:p="http://schemas.openxmlformats.org/presentationml/2006/main">
+  <p:cSld>
+    <p:spTree>
+      <p:nvGrpSpPr>
+        <p:cNvPr id="1" name=""/>
+        <p:cNvGrpSpPr/>
+        <p:nvPr/>
+      </p:nvGrpSpPr>
+      <p:grpSpPr>
+        <a:xfrm>
+          <a:off x="0" y="0"/>
+          <a:ext cx="0" cy="0"/>
+          <a:chOff x="0" y="0"/>
+          <a:chExt cx="0" cy="0"/>
+        </a:xfrm>
+      </p:grpSpPr>
+      <p:pic>
+        <p:nvPicPr>
+          <p:cNvPr id="4" name="Content Placeholder 3" descr="osm_density.png"/>
+          <p:cNvPicPr>
+            <a:picLocks noGrp="1" noChangeAspect="1"/>
+          </p:cNvPicPr>
+          <p:nvPr>
+            <p:ph idx="1"/>
+          </p:nvPr>
+        </p:nvPicPr>
+        <p:blipFill rotWithShape="1">
+          <a:blip r:embed="rId3" cstate="print">
+            <a:extLst>
+              <a:ext uri="{28A0092B-C50C-407E-A947-70E740481C1C}">
+                <a14:useLocalDpi xmlns:a14="http://schemas.microsoft.com/office/drawing/2010/main"/>
+              </a:ext>
+            </a:extLst>
+          </a:blip>
+          <a:srcRect l="789" t="1" b="-1"/>
+          <a:stretch/>
+        </p:blipFill>
+        <p:spPr>
+          <a:xfrm>
+            <a:off x="0" y="0"/>
+            <a:ext cx="12192000" cy="6858000"/>
+          </a:xfrm>
+        </p:spPr>
+      </p:pic>
+      <p:sp>
+        <p:nvSpPr>
+          <p:cNvPr id="6" name="Content Placeholder 2"/>
+          <p:cNvSpPr txBox="1">
+            <a:spLocks/>
+          </p:cNvSpPr>
+          <p:nvPr/>
+        </p:nvSpPr>
+        <p:spPr>
+          <a:xfrm>
+            <a:off x="4562089" y="5218203"/>
+            <a:ext cx="5295275" cy="1154241"/>
+          </a:xfrm>
+          <a:prstGeom prst="rect">
+            <a:avLst/>
+          </a:prstGeom>
+          <a:noFill/>
+        </p:spPr>
+        <p:txBody>
+          <a:bodyPr vert="horz" lIns="68580" tIns="34290" rIns="68580" bIns="34290" rtlCol="0">
+            <a:normAutofit/>
+          </a:bodyPr>
+          <a:lstStyle>
+            <a:lvl1pPr marL="342900" indent="-342900" algn="l" defTabSz="457200" rtl="0" eaLnBrk="1" latinLnBrk="0" hangingPunct="1">
+              <a:spcBef>
+                <a:spcPct val="20000"/>
+              </a:spcBef>
+              <a:buFont typeface="Arial"/>
+              <a:buChar char="•"/>
+              <a:defRPr sz="3200" kern="1200">
+                <a:solidFill>
+                  <a:schemeClr val="tx1"/>
+                </a:solidFill>
+                <a:latin typeface="+mn-lt"/>
+                <a:ea typeface="+mn-ea"/>
+                <a:cs typeface="+mn-cs"/>
+              </a:defRPr>
+            </a:lvl1pPr>
+            <a:lvl2pPr marL="742950" indent="-285750" algn="l" defTabSz="457200" rtl="0" eaLnBrk="1" latinLnBrk="0" hangingPunct="1">
+              <a:spcBef>
+                <a:spcPct val="20000"/>
+              </a:spcBef>
+              <a:buFont typeface="Arial"/>
+              <a:buChar char="–"/>
+              <a:defRPr sz="2800" kern="1200">
+                <a:solidFill>
+                  <a:schemeClr val="tx1"/>
+                </a:solidFill>
+                <a:latin typeface="+mn-lt"/>
+                <a:ea typeface="+mn-ea"/>
+                <a:cs typeface="+mn-cs"/>
+              </a:defRPr>
+            </a:lvl2pPr>
+            <a:lvl3pPr marL="1143000" indent="-228600" algn="l" defTabSz="457200" rtl="0" eaLnBrk="1" latinLnBrk="0" hangingPunct="1">
+              <a:spcBef>
+                <a:spcPct val="20000"/>
+              </a:spcBef>
+              <a:buFont typeface="Arial"/>
+              <a:buChar char="•"/>
+              <a:defRPr sz="2400" kern="1200">
+                <a:solidFill>
+                  <a:schemeClr val="tx1"/>
+                </a:solidFill>
+                <a:latin typeface="+mn-lt"/>
+                <a:ea typeface="+mn-ea"/>
+                <a:cs typeface="+mn-cs"/>
+              </a:defRPr>
+            </a:lvl3pPr>
+            <a:lvl4pPr marL="1600200" indent="-228600" algn="l" defTabSz="457200" rtl="0" eaLnBrk="1" latinLnBrk="0" hangingPunct="1">
+              <a:spcBef>
+                <a:spcPct val="20000"/>
+              </a:spcBef>
+              <a:buFont typeface="Arial"/>
+              <a:buChar char="–"/>
+              <a:defRPr sz="2000" kern="1200">
+                <a:solidFill>
+                  <a:schemeClr val="tx1"/>
+                </a:solidFill>
+                <a:latin typeface="+mn-lt"/>
+                <a:ea typeface="+mn-ea"/>
+                <a:cs typeface="+mn-cs"/>
+              </a:defRPr>
+            </a:lvl4pPr>
+            <a:lvl5pPr marL="2057400" indent="-228600" algn="l" defTabSz="457200" rtl="0" eaLnBrk="1" latinLnBrk="0" hangingPunct="1">
+              <a:spcBef>
+                <a:spcPct val="20000"/>
+              </a:spcBef>
+              <a:buFont typeface="Arial"/>
+              <a:buChar char="»"/>
+              <a:defRPr sz="2000" kern="1200">
+                <a:solidFill>
+                  <a:schemeClr val="tx1"/>
+                </a:solidFill>
+                <a:latin typeface="+mn-lt"/>
+                <a:ea typeface="+mn-ea"/>
+                <a:cs typeface="+mn-cs"/>
+              </a:defRPr>
+            </a:lvl5pPr>
+            <a:lvl6pPr marL="2514600" indent="-228600" algn="l" defTabSz="457200" rtl="0" eaLnBrk="1" latinLnBrk="0" hangingPunct="1">
+              <a:spcBef>
+                <a:spcPct val="20000"/>
+              </a:spcBef>
+              <a:buFont typeface="Arial"/>
+              <a:buChar char="•"/>
+              <a:defRPr sz="2000" kern="1200">
+                <a:solidFill>
+                  <a:schemeClr val="tx1"/>
+                </a:solidFill>
+                <a:latin typeface="+mn-lt"/>
+                <a:ea typeface="+mn-ea"/>
+                <a:cs typeface="+mn-cs"/>
+              </a:defRPr>
+            </a:lvl6pPr>
+            <a:lvl7pPr marL="2971800" indent="-228600" algn="l" defTabSz="457200" rtl="0" eaLnBrk="1" latinLnBrk="0" hangingPunct="1">
+              <a:spcBef>
+                <a:spcPct val="20000"/>
+              </a:spcBef>
+              <a:buFont typeface="Arial"/>
+              <a:buChar char="•"/>
+              <a:defRPr sz="2000" kern="1200">
+                <a:solidFill>
+                  <a:schemeClr val="tx1"/>
+                </a:solidFill>
+                <a:latin typeface="+mn-lt"/>
+                <a:ea typeface="+mn-ea"/>
+                <a:cs typeface="+mn-cs"/>
+              </a:defRPr>
+            </a:lvl7pPr>
+            <a:lvl8pPr marL="3429000" indent="-228600" algn="l" defTabSz="457200" rtl="0" eaLnBrk="1" latinLnBrk="0" hangingPunct="1">
+              <a:spcBef>
+                <a:spcPct val="20000"/>
+              </a:spcBef>
+              <a:buFont typeface="Arial"/>
+              <a:buChar char="•"/>
+              <a:defRPr sz="2000" kern="1200">
+                <a:solidFill>
+                  <a:schemeClr val="tx1"/>
+                </a:solidFill>
+                <a:latin typeface="+mn-lt"/>
+                <a:ea typeface="+mn-ea"/>
+                <a:cs typeface="+mn-cs"/>
+              </a:defRPr>
+            </a:lvl8pPr>
+            <a:lvl9pPr marL="3886200" indent="-228600" algn="l" defTabSz="457200" rtl="0" eaLnBrk="1" latinLnBrk="0" hangingPunct="1">
+              <a:spcBef>
+                <a:spcPct val="20000"/>
+              </a:spcBef>
+              <a:buFont typeface="Arial"/>
+              <a:buChar char="•"/>
+              <a:defRPr sz="2000" kern="1200">
+                <a:solidFill>
+                  <a:schemeClr val="tx1"/>
+                </a:solidFill>
+                <a:latin typeface="+mn-lt"/>
+                <a:ea typeface="+mn-ea"/>
+                <a:cs typeface="+mn-cs"/>
+              </a:defRPr>
+            </a:lvl9pPr>
+          </a:lstStyle>
+          <a:p>
+            <a:pPr marL="0" indent="0">
+              <a:buNone/>
+            </a:pPr>
+            <a:r>
+              <a:rPr lang="en-US" sz="2800" dirty="0">
+                <a:solidFill>
+                  <a:schemeClr val="bg1"/>
+                </a:solidFill>
+                <a:latin typeface="Segoe UI" panose="020B0502040204020203" pitchFamily="34" charset="0"/>
+                <a:ea typeface="Helvetica" charset="0"/>
+                <a:cs typeface="Segoe UI" panose="020B0502040204020203" pitchFamily="34" charset="0"/>
+              </a:rPr>
+              <a:t>Most of the developing world’s population is </a:t>
+            </a:r>
+            <a:r>
+              <a:rPr lang="en-US" sz="2800" dirty="0">
+                <a:solidFill>
+                  <a:schemeClr val="accent2"/>
+                </a:solidFill>
+                <a:latin typeface="Segoe UI" panose="020B0502040204020203" pitchFamily="34" charset="0"/>
+                <a:ea typeface="Helvetica" charset="0"/>
+                <a:cs typeface="Segoe UI" panose="020B0502040204020203" pitchFamily="34" charset="0"/>
+              </a:rPr>
+              <a:t>not</a:t>
+            </a:r>
+            <a:r>
+              <a:rPr lang="en-US" sz="2800" dirty="0">
+                <a:solidFill>
+                  <a:schemeClr val="bg1"/>
+                </a:solidFill>
+                <a:latin typeface="Segoe UI" panose="020B0502040204020203" pitchFamily="34" charset="0"/>
+                <a:ea typeface="Helvetica" charset="0"/>
+                <a:cs typeface="Segoe UI" panose="020B0502040204020203" pitchFamily="34" charset="0"/>
+              </a:rPr>
+              <a:t> on any map.</a:t>
+            </a:r>
+          </a:p>
+        </p:txBody>
+      </p:sp>
+    </p:spTree>
+    <p:extLst>
+      <p:ext uri="{BB962C8B-B14F-4D97-AF65-F5344CB8AC3E}">
+        <p14:creationId xmlns:p14="http://schemas.microsoft.com/office/powerpoint/2010/main" val="1764666116"/>
+      </p:ext>
+    </p:extLst>
+  </p:cSld>
+  <p:clrMapOvr>
+    <a:masterClrMapping/>
+  </p:clrMapOvr>
+</p:sld>
+</file>
+
+<file path=ppt/slides/slide7.xml><?xml version="1.0" encoding="utf-8"?>
+<p:sld xmlns:a="http://schemas.openxmlformats.org/drawingml/2006/main" xmlns:r="http://schemas.openxmlformats.org/officeDocument/2006/relationships" xmlns:p="http://schemas.openxmlformats.org/presentationml/2006/main">
+  <p:cSld>
+    <p:spTree>
+      <p:nvGrpSpPr>
+        <p:cNvPr id="1" name=""/>
+        <p:cNvGrpSpPr/>
+        <p:nvPr/>
+      </p:nvGrpSpPr>
+      <p:grpSpPr>
+        <a:xfrm>
+          <a:off x="0" y="0"/>
+          <a:ext cx="0" cy="0"/>
+          <a:chOff x="0" y="0"/>
+          <a:chExt cx="0" cy="0"/>
+        </a:xfrm>
+      </p:grpSpPr>
+      <p:sp>
+        <p:nvSpPr>
+          <p:cNvPr id="7" name="Content Placeholder 4"/>
+          <p:cNvSpPr txBox="1">
+            <a:spLocks/>
+          </p:cNvSpPr>
+          <p:nvPr/>
+        </p:nvSpPr>
+        <p:spPr>
+          <a:xfrm>
+            <a:off x="719572" y="1661023"/>
+            <a:ext cx="10617022" cy="4668837"/>
+          </a:xfrm>
+          <a:prstGeom prst="rect">
+            <a:avLst/>
+          </a:prstGeom>
+        </p:spPr>
+        <p:txBody>
+          <a:bodyPr vert="horz" lIns="0" tIns="0" rIns="0" bIns="0" rtlCol="0">
+            <a:noAutofit/>
+          </a:bodyPr>
+          <a:lstStyle>
+            <a:lvl1pPr marL="0" indent="0" algn="l" rtl="0" eaLnBrk="1" fontAlgn="base" hangingPunct="1">
+              <a:spcBef>
+                <a:spcPts val="0"/>
+              </a:spcBef>
+              <a:spcAft>
+                <a:spcPts val="533"/>
+              </a:spcAft>
+              <a:buSzPct val="80000"/>
+              <a:buFont typeface="Arial" pitchFamily="34" charset="0"/>
+              <a:buNone/>
+              <a:defRPr sz="2667" kern="1200">
+                <a:solidFill>
+                  <a:schemeClr val="tx1"/>
+                </a:solidFill>
+                <a:latin typeface="+mn-lt"/>
+                <a:ea typeface="Arial" pitchFamily="-105" charset="-52"/>
+                <a:cs typeface="Arial" pitchFamily="34" charset="0"/>
+              </a:defRPr>
+            </a:lvl1pPr>
+            <a:lvl2pPr marL="457239" indent="-230418" algn="l" rtl="0" eaLnBrk="1" fontAlgn="base" hangingPunct="1">
+              <a:spcBef>
+                <a:spcPts val="0"/>
+              </a:spcBef>
+              <a:spcAft>
+                <a:spcPts val="533"/>
+              </a:spcAft>
+              <a:buSzPct val="80000"/>
+              <a:buFont typeface="Arial" pitchFamily="34" charset="0"/>
+              <a:buChar char="–"/>
+              <a:defRPr sz="2400" kern="1200">
+                <a:solidFill>
+                  <a:schemeClr val="tx1"/>
+                </a:solidFill>
+                <a:latin typeface="+mn-lt"/>
+                <a:ea typeface="Arial" pitchFamily="-105" charset="-52"/>
+                <a:cs typeface="Arial" pitchFamily="34" charset="0"/>
+              </a:defRPr>
+            </a:lvl2pPr>
+            <a:lvl3pPr marL="687657" indent="-230418" algn="l" rtl="0" eaLnBrk="1" fontAlgn="base" hangingPunct="1">
+              <a:spcBef>
+                <a:spcPts val="0"/>
+              </a:spcBef>
+              <a:spcAft>
+                <a:spcPts val="533"/>
+              </a:spcAft>
+              <a:buSzPct val="80000"/>
+              <a:buFont typeface="Arial" pitchFamily="34" charset="0"/>
+              <a:buChar char="•"/>
+              <a:defRPr sz="2000" kern="1200">
+                <a:solidFill>
+                  <a:schemeClr val="tx1"/>
+                </a:solidFill>
+                <a:latin typeface="+mn-lt"/>
+                <a:ea typeface="Arial" pitchFamily="-105" charset="-52"/>
+                <a:cs typeface="Arial" pitchFamily="34" charset="0"/>
+              </a:defRPr>
+            </a:lvl3pPr>
+            <a:lvl4pPr marL="910876" indent="-226818" algn="l" rtl="0" eaLnBrk="1" fontAlgn="base" hangingPunct="1">
+              <a:spcBef>
+                <a:spcPts val="0"/>
+              </a:spcBef>
+              <a:spcAft>
+                <a:spcPts val="533"/>
+              </a:spcAft>
+              <a:buSzPct val="80000"/>
+              <a:buFont typeface="Arial" pitchFamily="34" charset="0"/>
+              <a:buChar char="–"/>
+              <a:defRPr sz="1867" kern="1200">
+                <a:solidFill>
+                  <a:schemeClr val="tx1"/>
+                </a:solidFill>
+                <a:latin typeface="+mn-lt"/>
+                <a:ea typeface="Arial" pitchFamily="-105" charset="-52"/>
+                <a:cs typeface="Arial" pitchFamily="34" charset="0"/>
+              </a:defRPr>
+            </a:lvl4pPr>
+            <a:lvl5pPr marL="1144895" indent="-230418" algn="l" rtl="0" eaLnBrk="1" fontAlgn="base" hangingPunct="1">
+              <a:spcBef>
+                <a:spcPts val="0"/>
+              </a:spcBef>
+              <a:spcAft>
+                <a:spcPts val="533"/>
+              </a:spcAft>
+              <a:buSzPct val="80000"/>
+              <a:buFont typeface="Arial" pitchFamily="34" charset="0"/>
+              <a:buChar char="•"/>
+              <a:defRPr sz="1600" kern="1200">
+                <a:solidFill>
+                  <a:schemeClr val="tx1"/>
+                </a:solidFill>
+                <a:latin typeface="+mn-lt"/>
+                <a:ea typeface="Arial" pitchFamily="-105" charset="-52"/>
+                <a:cs typeface="Arial" pitchFamily="34" charset="0"/>
+              </a:defRPr>
+            </a:lvl5pPr>
+            <a:lvl6pPr marL="2514809" indent="-228620" algn="l" defTabSz="914476" rtl="0" eaLnBrk="1" latinLnBrk="0" hangingPunct="1">
+              <a:spcBef>
+                <a:spcPct val="20000"/>
+              </a:spcBef>
+              <a:buFont typeface="Arial" pitchFamily="34" charset="0"/>
+              <a:buChar char="•"/>
+              <a:defRPr sz="2000" kern="1200">
+                <a:solidFill>
+                  <a:schemeClr val="tx1"/>
+                </a:solidFill>
+                <a:latin typeface="+mn-lt"/>
+                <a:ea typeface="+mn-ea"/>
+                <a:cs typeface="+mn-cs"/>
+              </a:defRPr>
+            </a:lvl6pPr>
+            <a:lvl7pPr marL="2972047" indent="-228620" algn="l" defTabSz="914476" rtl="0" eaLnBrk="1" latinLnBrk="0" hangingPunct="1">
+              <a:spcBef>
+                <a:spcPct val="20000"/>
+              </a:spcBef>
+              <a:buFont typeface="Arial" pitchFamily="34" charset="0"/>
+              <a:buChar char="•"/>
+              <a:defRPr sz="2000" kern="1200">
+                <a:solidFill>
+                  <a:schemeClr val="tx1"/>
+                </a:solidFill>
+                <a:latin typeface="+mn-lt"/>
+                <a:ea typeface="+mn-ea"/>
+                <a:cs typeface="+mn-cs"/>
+              </a:defRPr>
+            </a:lvl7pPr>
+            <a:lvl8pPr marL="3429286" indent="-228620" algn="l" defTabSz="914476" rtl="0" eaLnBrk="1" latinLnBrk="0" hangingPunct="1">
+              <a:spcBef>
+                <a:spcPct val="20000"/>
+              </a:spcBef>
+              <a:buFont typeface="Arial" pitchFamily="34" charset="0"/>
+              <a:buChar char="•"/>
+              <a:defRPr sz="2000" kern="1200">
+                <a:solidFill>
+                  <a:schemeClr val="tx1"/>
+                </a:solidFill>
+                <a:latin typeface="+mn-lt"/>
+                <a:ea typeface="+mn-ea"/>
+                <a:cs typeface="+mn-cs"/>
+              </a:defRPr>
+            </a:lvl8pPr>
+            <a:lvl9pPr marL="3886524" indent="-228620" algn="l" defTabSz="914476" rtl="0" eaLnBrk="1" latinLnBrk="0" hangingPunct="1">
+              <a:spcBef>
+                <a:spcPct val="20000"/>
+              </a:spcBef>
+              <a:buFont typeface="Arial" pitchFamily="34" charset="0"/>
+              <a:buChar char="•"/>
+              <a:defRPr sz="2000" kern="1200">
+                <a:solidFill>
+                  <a:schemeClr val="tx1"/>
+                </a:solidFill>
+                <a:latin typeface="+mn-lt"/>
+                <a:ea typeface="+mn-ea"/>
+                <a:cs typeface="+mn-cs"/>
+              </a:defRPr>
+            </a:lvl9pPr>
+          </a:lstStyle>
+          <a:p>
+            <a:r>
+              <a:rPr lang="en-US" sz="1800" b="1" dirty="0">
+                <a:latin typeface="Segoe UI" panose="020B0502040204020203" pitchFamily="34" charset="0"/>
+                <a:cs typeface="Segoe UI" panose="020B0502040204020203" pitchFamily="34" charset="0"/>
+              </a:rPr>
+              <a:t>Aim</a:t>
+            </a:r>
+            <a:r>
+              <a:rPr lang="en-US" sz="1800" dirty="0">
+                <a:latin typeface="Segoe UI" panose="020B0502040204020203" pitchFamily="34" charset="0"/>
+                <a:cs typeface="Segoe UI" panose="020B0502040204020203" pitchFamily="34" charset="0"/>
+              </a:rPr>
+              <a:t>: Creating digital maps of the world’s ‘forgotten’ places by crowdsourcing. Described as </a:t>
+            </a:r>
+          </a:p>
+          <a:p>
+            <a:r>
+              <a:rPr lang="en-US" sz="1800" dirty="0">
+                <a:latin typeface="Segoe UI" panose="020B0502040204020203" pitchFamily="34" charset="0"/>
+                <a:cs typeface="Segoe UI" panose="020B0502040204020203" pitchFamily="34" charset="0"/>
+              </a:rPr>
+              <a:t>‘</a:t>
+            </a:r>
+            <a:r>
+              <a:rPr lang="en-US" sz="1800" dirty="0">
+                <a:latin typeface="Segoe UI" panose="020B0502040204020203" pitchFamily="34" charset="0"/>
+                <a:cs typeface="Segoe UI" panose="020B0502040204020203" pitchFamily="34" charset="0"/>
+                <a:hlinkClick r:id="rId3"/>
+              </a:rPr>
+              <a:t>the human genome project for international development</a:t>
+            </a:r>
+            <a:r>
+              <a:rPr lang="en-US" sz="1800" dirty="0">
+                <a:latin typeface="Segoe UI" panose="020B0502040204020203" pitchFamily="34" charset="0"/>
+                <a:cs typeface="Segoe UI" panose="020B0502040204020203" pitchFamily="34" charset="0"/>
+              </a:rPr>
+              <a:t>’.</a:t>
+            </a:r>
+          </a:p>
+          <a:p>
+            <a:endParaRPr lang="en-US" sz="1800" dirty="0">
+              <a:latin typeface="Segoe UI" panose="020B0502040204020203" pitchFamily="34" charset="0"/>
+              <a:cs typeface="Segoe UI" panose="020B0502040204020203" pitchFamily="34" charset="0"/>
+            </a:endParaRPr>
+          </a:p>
+          <a:p>
+            <a:r>
+              <a:rPr lang="en-US" sz="1800" b="1" dirty="0">
+                <a:latin typeface="Segoe UI" panose="020B0502040204020203" pitchFamily="34" charset="0"/>
+                <a:cs typeface="Segoe UI" panose="020B0502040204020203" pitchFamily="34" charset="0"/>
+              </a:rPr>
+              <a:t>Why</a:t>
+            </a:r>
+            <a:r>
+              <a:rPr lang="en-US" sz="1800" dirty="0">
+                <a:latin typeface="Segoe UI" panose="020B0502040204020203" pitchFamily="34" charset="0"/>
+                <a:cs typeface="Segoe UI" panose="020B0502040204020203" pitchFamily="34" charset="0"/>
+              </a:rPr>
+              <a:t>: </a:t>
+            </a:r>
+            <a:r>
+              <a:rPr lang="en-GB" sz="1800" dirty="0">
+                <a:latin typeface="Segoe UI" panose="020B0502040204020203" pitchFamily="34" charset="0"/>
+                <a:cs typeface="Segoe UI" panose="020B0502040204020203" pitchFamily="34" charset="0"/>
+              </a:rPr>
+              <a:t>Many parts of the world most vulnerable to humanitarian crises such as natural disasters, disease outbreaks, epidemics or conflict are not mapped. People have limited/ no visibility to the situation on the ground.</a:t>
+            </a:r>
+          </a:p>
+          <a:p>
+            <a:endParaRPr lang="en-US" sz="1800" b="1" dirty="0">
+              <a:latin typeface="Segoe UI" panose="020B0502040204020203" pitchFamily="34" charset="0"/>
+              <a:cs typeface="Segoe UI" panose="020B0502040204020203" pitchFamily="34" charset="0"/>
+            </a:endParaRPr>
+          </a:p>
+          <a:p>
+            <a:r>
+              <a:rPr lang="en-US" sz="1800" b="1" dirty="0">
+                <a:latin typeface="Segoe UI" panose="020B0502040204020203" pitchFamily="34" charset="0"/>
+                <a:cs typeface="Segoe UI" panose="020B0502040204020203" pitchFamily="34" charset="0"/>
+              </a:rPr>
+              <a:t>Process</a:t>
+            </a:r>
+            <a:r>
+              <a:rPr lang="en-US" sz="1800" dirty="0">
+                <a:latin typeface="Segoe UI" panose="020B0502040204020203" pitchFamily="34" charset="0"/>
+                <a:cs typeface="Segoe UI" panose="020B0502040204020203" pitchFamily="34" charset="0"/>
+              </a:rPr>
+              <a:t>:</a:t>
+            </a:r>
+          </a:p>
+          <a:p>
+            <a:pPr marL="342900" indent="-342900">
+              <a:buFont typeface="Arial" pitchFamily="34" charset="0"/>
+              <a:buAutoNum type="arabicPeriod"/>
+            </a:pPr>
+            <a:r>
+              <a:rPr lang="en-US" sz="1800" dirty="0">
+                <a:latin typeface="Segoe UI" panose="020B0502040204020203" pitchFamily="34" charset="0"/>
+                <a:cs typeface="Segoe UI" panose="020B0502040204020203" pitchFamily="34" charset="0"/>
+              </a:rPr>
+              <a:t>Remote volunteers trace maps over satellite pictures, using a tool called </a:t>
+            </a:r>
+            <a:r>
+              <a:rPr lang="en-US" sz="1800" dirty="0" err="1">
+                <a:latin typeface="Segoe UI" panose="020B0502040204020203" pitchFamily="34" charset="0"/>
+                <a:cs typeface="Segoe UI" panose="020B0502040204020203" pitchFamily="34" charset="0"/>
+              </a:rPr>
+              <a:t>OpenStreetMap</a:t>
+            </a:r>
+            <a:endParaRPr lang="en-US" sz="1800" dirty="0">
+              <a:latin typeface="Segoe UI" panose="020B0502040204020203" pitchFamily="34" charset="0"/>
+              <a:cs typeface="Segoe UI" panose="020B0502040204020203" pitchFamily="34" charset="0"/>
+            </a:endParaRPr>
+          </a:p>
+          <a:p>
+            <a:pPr marL="342900" indent="-342900">
+              <a:buFont typeface="Arial" pitchFamily="34" charset="0"/>
+              <a:buAutoNum type="arabicPeriod"/>
+            </a:pPr>
+            <a:r>
+              <a:rPr lang="en-US" sz="1800" dirty="0">
+                <a:latin typeface="Segoe UI" panose="020B0502040204020203" pitchFamily="34" charset="0"/>
+                <a:cs typeface="Segoe UI" panose="020B0502040204020203" pitchFamily="34" charset="0"/>
+              </a:rPr>
+              <a:t>The maps are validated by remote experienced mappers</a:t>
+            </a:r>
+          </a:p>
+          <a:p>
+            <a:pPr marL="342900" indent="-342900">
+              <a:buFont typeface="Arial" pitchFamily="34" charset="0"/>
+              <a:buAutoNum type="arabicPeriod"/>
+            </a:pPr>
+            <a:r>
+              <a:rPr lang="en-US" sz="1800" dirty="0">
+                <a:latin typeface="Segoe UI" panose="020B0502040204020203" pitchFamily="34" charset="0"/>
+                <a:cs typeface="Segoe UI" panose="020B0502040204020203" pitchFamily="34" charset="0"/>
+              </a:rPr>
+              <a:t>The maps are validated locally by volunteers, and details e.g. place names, identifying hospitals are added </a:t>
+            </a:r>
+            <a:r>
+              <a:rPr lang="en-US" sz="1800" i="1" dirty="0">
+                <a:latin typeface="Segoe UI" panose="020B0502040204020203" pitchFamily="34" charset="0"/>
+                <a:cs typeface="Segoe UI" panose="020B0502040204020203" pitchFamily="34" charset="0"/>
+              </a:rPr>
+              <a:t>(project dependent)</a:t>
+            </a:r>
+          </a:p>
+          <a:p>
+            <a:endParaRPr lang="en-US" sz="1800" dirty="0">
+              <a:latin typeface="Segoe UI" panose="020B0502040204020203" pitchFamily="34" charset="0"/>
+              <a:cs typeface="Segoe UI" panose="020B0502040204020203" pitchFamily="34" charset="0"/>
+            </a:endParaRPr>
+          </a:p>
+          <a:p>
+            <a:r>
+              <a:rPr lang="en-US" sz="1800" dirty="0">
+                <a:latin typeface="Segoe UI" panose="020B0502040204020203" pitchFamily="34" charset="0"/>
+                <a:cs typeface="Segoe UI" panose="020B0502040204020203" pitchFamily="34" charset="0"/>
+              </a:rPr>
+              <a:t>Humanitarian organizations can then use mapped information to plan risk reduction and disaster response activities that save lives</a:t>
+            </a:r>
+          </a:p>
+          <a:p>
+            <a:endParaRPr lang="en-US" sz="500" dirty="0">
+              <a:solidFill>
+                <a:srgbClr val="000000"/>
+              </a:solidFill>
+              <a:latin typeface="Segoe UI" panose="020B0502040204020203" pitchFamily="34" charset="0"/>
+              <a:cs typeface="Segoe UI" panose="020B0502040204020203" pitchFamily="34" charset="0"/>
+            </a:endParaRPr>
+          </a:p>
+        </p:txBody>
+      </p:sp>
+      <p:sp>
+        <p:nvSpPr>
+          <p:cNvPr id="11" name="TextBox 10">
+            <a:extLst>
+              <a:ext uri="{FF2B5EF4-FFF2-40B4-BE49-F238E27FC236}">
+                <a16:creationId xmlns:a16="http://schemas.microsoft.com/office/drawing/2014/main" id="{30F476DC-B40D-4471-9028-9095666F3329}"/>
+              </a:ext>
+            </a:extLst>
+          </p:cNvPr>
+          <p:cNvSpPr txBox="1"/>
+          <p:nvPr/>
+        </p:nvSpPr>
+        <p:spPr>
+          <a:xfrm>
+            <a:off x="575187" y="441028"/>
+            <a:ext cx="9581536" cy="830997"/>
+          </a:xfrm>
+          <a:prstGeom prst="rect">
+            <a:avLst/>
+          </a:prstGeom>
+          <a:noFill/>
+        </p:spPr>
+        <p:txBody>
+          <a:bodyPr wrap="square" rtlCol="0">
+            <a:spAutoFit/>
+          </a:bodyPr>
+          <a:lstStyle/>
+          <a:p>
+            <a:r>
+              <a:rPr lang="en-US" sz="4800" dirty="0">
+                <a:latin typeface="Segoe UI Semibold" panose="020B0702040204020203" pitchFamily="34" charset="0"/>
+                <a:ea typeface="Segoe UI Black" panose="020B0A02040204020203" pitchFamily="34" charset="0"/>
+                <a:cs typeface="Segoe UI Semibold" panose="020B0702040204020203" pitchFamily="34" charset="0"/>
+              </a:rPr>
+              <a:t>What is mapping and why do it?</a:t>
+            </a:r>
+          </a:p>
+        </p:txBody>
+      </p:sp>
+      <p:pic>
+        <p:nvPicPr>
+          <p:cNvPr id="12" name="Picture 11">
+            <a:extLst>
+              <a:ext uri="{FF2B5EF4-FFF2-40B4-BE49-F238E27FC236}">
+                <a16:creationId xmlns:a16="http://schemas.microsoft.com/office/drawing/2014/main" id="{2C05E4FE-58EC-4FB6-9B59-67FEB48F5E7D}"/>
+              </a:ext>
+            </a:extLst>
+          </p:cNvPr>
+          <p:cNvPicPr>
+            <a:picLocks noChangeAspect="1"/>
+          </p:cNvPicPr>
+          <p:nvPr/>
+        </p:nvPicPr>
+        <p:blipFill rotWithShape="1">
+          <a:blip r:embed="rId4">
+            <a:extLst>
+              <a:ext uri="{28A0092B-C50C-407E-A947-70E740481C1C}">
+                <a14:useLocalDpi xmlns:a14="http://schemas.microsoft.com/office/drawing/2010/main" val="0"/>
+              </a:ext>
+            </a:extLst>
+          </a:blip>
+          <a:srcRect r="63392"/>
+          <a:stretch/>
+        </p:blipFill>
+        <p:spPr>
+          <a:xfrm>
+            <a:off x="10333703" y="235415"/>
+            <a:ext cx="1430593" cy="1549153"/>
+          </a:xfrm>
+          <a:prstGeom prst="rect">
+            <a:avLst/>
+          </a:prstGeom>
+        </p:spPr>
+      </p:pic>
+    </p:spTree>
+    <p:extLst>
+      <p:ext uri="{BB962C8B-B14F-4D97-AF65-F5344CB8AC3E}">
+        <p14:creationId xmlns:p14="http://schemas.microsoft.com/office/powerpoint/2010/main" val="3312662598"/>
+      </p:ext>
+    </p:extLst>
+  </p:cSld>
+  <p:clrMapOvr>
+    <a:masterClrMapping/>
+  </p:clrMapOvr>
+</p:sld>
+</file>
+
+<file path=ppt/slides/slide8.xml><?xml version="1.0" encoding="utf-8"?>
+<p:sld xmlns:a="http://schemas.openxmlformats.org/drawingml/2006/main" xmlns:r="http://schemas.openxmlformats.org/officeDocument/2006/relationships" xmlns:p="http://schemas.openxmlformats.org/presentationml/2006/main">
+  <p:cSld>
+    <p:spTree>
+      <p:nvGrpSpPr>
+        <p:cNvPr id="1" name=""/>
+        <p:cNvGrpSpPr/>
+        <p:nvPr/>
+      </p:nvGrpSpPr>
+      <p:grpSpPr>
+        <a:xfrm>
+          <a:off x="0" y="0"/>
+          <a:ext cx="0" cy="0"/>
+          <a:chOff x="0" y="0"/>
+          <a:chExt cx="0" cy="0"/>
+        </a:xfrm>
+      </p:grpSpPr>
+      <p:pic>
+        <p:nvPicPr>
+          <p:cNvPr id="4" name="Picture 3"/>
+          <p:cNvPicPr>
+            <a:picLocks noChangeAspect="1"/>
+          </p:cNvPicPr>
+          <p:nvPr/>
+        </p:nvPicPr>
+        <p:blipFill>
+          <a:blip r:embed="rId3">
+            <a:duotone>
+              <a:schemeClr val="accent1">
+                <a:shade val="45000"/>
+                <a:satMod val="135000"/>
+              </a:schemeClr>
+              <a:prstClr val="white"/>
+            </a:duotone>
+          </a:blip>
+          <a:stretch>
+            <a:fillRect/>
+          </a:stretch>
+        </p:blipFill>
+        <p:spPr>
+          <a:xfrm>
+            <a:off x="1821512" y="1719468"/>
+            <a:ext cx="1329249" cy="1329249"/>
+          </a:xfrm>
+          <a:prstGeom prst="rect">
+            <a:avLst/>
+          </a:prstGeom>
+        </p:spPr>
+      </p:pic>
+      <p:pic>
+        <p:nvPicPr>
+          <p:cNvPr id="5" name="Picture 4"/>
+          <p:cNvPicPr>
+            <a:picLocks noChangeAspect="1"/>
+          </p:cNvPicPr>
+          <p:nvPr/>
+        </p:nvPicPr>
+        <p:blipFill>
+          <a:blip r:embed="rId4">
+            <a:duotone>
+              <a:schemeClr val="accent6">
+                <a:shade val="45000"/>
+                <a:satMod val="135000"/>
+              </a:schemeClr>
+              <a:prstClr val="white"/>
+            </a:duotone>
+          </a:blip>
+          <a:stretch>
+            <a:fillRect/>
+          </a:stretch>
+        </p:blipFill>
+        <p:spPr>
+          <a:xfrm>
+            <a:off x="3763538" y="1715639"/>
+            <a:ext cx="1329249" cy="1329249"/>
+          </a:xfrm>
+          <a:prstGeom prst="rect">
+            <a:avLst/>
+          </a:prstGeom>
+        </p:spPr>
+      </p:pic>
+      <p:pic>
+        <p:nvPicPr>
+          <p:cNvPr id="6" name="Picture 5"/>
+          <p:cNvPicPr>
+            <a:picLocks noChangeAspect="1"/>
+          </p:cNvPicPr>
+          <p:nvPr/>
+        </p:nvPicPr>
+        <p:blipFill>
+          <a:blip r:embed="rId5">
+            <a:duotone>
+              <a:schemeClr val="accent3">
+                <a:shade val="45000"/>
+                <a:satMod val="135000"/>
+              </a:schemeClr>
+              <a:prstClr val="white"/>
+            </a:duotone>
+          </a:blip>
+          <a:stretch>
+            <a:fillRect/>
+          </a:stretch>
+        </p:blipFill>
+        <p:spPr>
+          <a:xfrm>
+            <a:off x="1821512" y="3922876"/>
+            <a:ext cx="1330887" cy="1330887"/>
+          </a:xfrm>
+          <a:prstGeom prst="rect">
+            <a:avLst/>
+          </a:prstGeom>
+        </p:spPr>
+      </p:pic>
+      <p:pic>
+        <p:nvPicPr>
+          <p:cNvPr id="7" name="Picture 6"/>
+          <p:cNvPicPr>
+            <a:picLocks noChangeAspect="1"/>
+          </p:cNvPicPr>
+          <p:nvPr/>
+        </p:nvPicPr>
+        <p:blipFill>
+          <a:blip r:embed="rId6">
+            <a:duotone>
+              <a:schemeClr val="accent2">
+                <a:shade val="45000"/>
+                <a:satMod val="135000"/>
+              </a:schemeClr>
+              <a:prstClr val="white"/>
+            </a:duotone>
+          </a:blip>
+          <a:stretch>
+            <a:fillRect/>
+          </a:stretch>
+        </p:blipFill>
+        <p:spPr>
+          <a:xfrm>
+            <a:off x="6026158" y="1690221"/>
+            <a:ext cx="1270000" cy="1270000"/>
+          </a:xfrm>
+          <a:prstGeom prst="rect">
+            <a:avLst/>
+          </a:prstGeom>
+        </p:spPr>
+      </p:pic>
+      <p:sp>
+        <p:nvSpPr>
+          <p:cNvPr id="9" name="Title 1"/>
+          <p:cNvSpPr>
+            <a:spLocks noGrp="1"/>
+          </p:cNvSpPr>
+          <p:nvPr>
+            <p:ph type="title"/>
+          </p:nvPr>
+        </p:nvSpPr>
+        <p:spPr>
+          <a:xfrm>
+            <a:off x="811160" y="172439"/>
+            <a:ext cx="9645445" cy="1325563"/>
+          </a:xfrm>
+        </p:spPr>
+        <p:txBody>
+          <a:bodyPr>
+            <a:normAutofit/>
+          </a:bodyPr>
+          <a:lstStyle/>
+          <a:p>
+            <a:pPr algn="l"/>
+            <a:r>
+              <a:rPr lang="en-GB" sz="3600" dirty="0">
+                <a:latin typeface="Segoe UI Semibold" panose="020B0702040204020203" pitchFamily="34" charset="0"/>
+                <a:cs typeface="Segoe UI Semibold" panose="020B0702040204020203" pitchFamily="34" charset="0"/>
+              </a:rPr>
+              <a:t>When  you map, you’re solving real world data challenges for NGOs, helping with:</a:t>
+            </a:r>
+          </a:p>
+        </p:txBody>
+      </p:sp>
+      <p:sp>
+        <p:nvSpPr>
+          <p:cNvPr id="11" name="TextBox 10"/>
+          <p:cNvSpPr txBox="1"/>
+          <p:nvPr/>
+        </p:nvSpPr>
+        <p:spPr>
+          <a:xfrm>
+            <a:off x="1280132" y="6035994"/>
+            <a:ext cx="1758244" cy="584776"/>
+          </a:xfrm>
+          <a:prstGeom prst="rect">
+            <a:avLst/>
+          </a:prstGeom>
+          <a:noFill/>
+        </p:spPr>
+        <p:txBody>
+          <a:bodyPr wrap="square" rtlCol="0">
+            <a:spAutoFit/>
+          </a:bodyPr>
+          <a:lstStyle/>
+          <a:p>
+            <a:r>
+              <a:rPr lang="en-US" sz="1600" dirty="0">
+                <a:latin typeface="Arial"/>
+                <a:cs typeface="Arial"/>
+              </a:rPr>
+              <a:t>Missing Maps founders:</a:t>
+            </a:r>
+          </a:p>
+        </p:txBody>
+      </p:sp>
+      <p:pic>
+        <p:nvPicPr>
+          <p:cNvPr id="12" name="Picture 12"/>
+          <p:cNvPicPr>
+            <a:picLocks noChangeAspect="1" noChangeArrowheads="1"/>
+          </p:cNvPicPr>
+          <p:nvPr/>
+        </p:nvPicPr>
+        <p:blipFill>
+          <a:blip r:embed="rId7" cstate="print">
+            <a:extLst>
+              <a:ext uri="{28A0092B-C50C-407E-A947-70E740481C1C}">
+                <a14:useLocalDpi xmlns:a14="http://schemas.microsoft.com/office/drawing/2010/main" val="0"/>
+              </a:ext>
+            </a:extLst>
+          </a:blip>
+          <a:srcRect/>
+          <a:stretch>
+            <a:fillRect/>
+          </a:stretch>
+        </p:blipFill>
+        <p:spPr bwMode="auto">
+          <a:xfrm>
+            <a:off x="6776496" y="6135619"/>
+            <a:ext cx="1820844" cy="447749"/>
+          </a:xfrm>
+          <a:prstGeom prst="rect">
+            <a:avLst/>
+          </a:prstGeom>
+          <a:noFill/>
+          <a:ln>
+            <a:noFill/>
+          </a:ln>
+          <a:extLst>
+            <a:ext uri="{909E8E84-426E-40dd-AFC4-6F175D3DCCD1}">
+              <a14:hiddenFill xmlns="" xmlns:a14="http://schemas.microsoft.com/office/drawing/2010/main">
+                <a:solidFill>
+                  <a:schemeClr val="accent1"/>
+                </a:solidFill>
+              </a14:hiddenFill>
+            </a:ext>
+            <a:ext uri="{91240B29-F687-4f45-9708-019B960494DF}">
+              <a14:hiddenLine xmlns="" xmlns:a14="http://schemas.microsoft.com/office/drawing/2010/main" w="9525">
+                <a:solidFill>
+                  <a:schemeClr val="tx1"/>
+                </a:solidFill>
+                <a:miter lim="800000"/>
+                <a:headEnd/>
+                <a:tailEnd/>
+              </a14:hiddenLine>
+            </a:ext>
+          </a:extLst>
+        </p:spPr>
+      </p:pic>
+      <p:pic>
+        <p:nvPicPr>
+          <p:cNvPr id="13" name="Picture 14"/>
+          <p:cNvPicPr>
+            <a:picLocks noChangeAspect="1" noChangeArrowheads="1"/>
+          </p:cNvPicPr>
+          <p:nvPr/>
+        </p:nvPicPr>
+        <p:blipFill>
+          <a:blip r:embed="rId8" cstate="print">
+            <a:extLst>
+              <a:ext uri="{28A0092B-C50C-407E-A947-70E740481C1C}">
+                <a14:useLocalDpi xmlns:a14="http://schemas.microsoft.com/office/drawing/2010/main" val="0"/>
+              </a:ext>
+            </a:extLst>
+          </a:blip>
+          <a:srcRect/>
+          <a:stretch>
+            <a:fillRect/>
+          </a:stretch>
+        </p:blipFill>
+        <p:spPr bwMode="auto">
+          <a:xfrm>
+            <a:off x="4707718" y="5881290"/>
+            <a:ext cx="2017059" cy="756397"/>
+          </a:xfrm>
+          <a:prstGeom prst="rect">
+            <a:avLst/>
+          </a:prstGeom>
+          <a:noFill/>
+          <a:ln>
+            <a:noFill/>
+          </a:ln>
+          <a:extLst>
+            <a:ext uri="{909E8E84-426E-40dd-AFC4-6F175D3DCCD1}">
+              <a14:hiddenFill xmlns="" xmlns:a14="http://schemas.microsoft.com/office/drawing/2010/main">
+                <a:solidFill>
+                  <a:schemeClr val="accent1"/>
+                </a:solidFill>
+              </a14:hiddenFill>
+            </a:ext>
+            <a:ext uri="{91240B29-F687-4f45-9708-019B960494DF}">
+              <a14:hiddenLine xmlns="" xmlns:a14="http://schemas.microsoft.com/office/drawing/2010/main" w="9525">
+                <a:solidFill>
+                  <a:schemeClr val="tx1"/>
+                </a:solidFill>
+                <a:miter lim="800000"/>
+                <a:headEnd/>
+                <a:tailEnd/>
+              </a14:hiddenLine>
+            </a:ext>
+          </a:extLst>
+        </p:spPr>
+      </p:pic>
+      <p:pic>
+        <p:nvPicPr>
+          <p:cNvPr id="14" name="Picture 2" descr="Image result for american red cross"/>
+          <p:cNvPicPr>
+            <a:picLocks noChangeAspect="1" noChangeArrowheads="1"/>
+          </p:cNvPicPr>
+          <p:nvPr/>
+        </p:nvPicPr>
+        <p:blipFill rotWithShape="1">
+          <a:blip r:embed="rId9">
+            <a:extLst>
+              <a:ext uri="{28A0092B-C50C-407E-A947-70E740481C1C}">
+                <a14:useLocalDpi xmlns:a14="http://schemas.microsoft.com/office/drawing/2010/main" val="0"/>
+              </a:ext>
+            </a:extLst>
+          </a:blip>
+          <a:srcRect t="17419" b="34834"/>
+          <a:stretch/>
+        </p:blipFill>
+        <p:spPr bwMode="auto">
+          <a:xfrm>
+            <a:off x="8592429" y="5963384"/>
+            <a:ext cx="1522492" cy="726925"/>
+          </a:xfrm>
+          <a:prstGeom prst="rect">
+            <a:avLst/>
+          </a:prstGeom>
+          <a:noFill/>
+          <a:extLst>
+            <a:ext uri="{909E8E84-426E-40dd-AFC4-6F175D3DCCD1}">
+              <a14:hiddenFill xmlns="" xmlns:a14="http://schemas.microsoft.com/office/drawing/2010/main">
+                <a:solidFill>
+                  <a:srgbClr val="FFFFFF"/>
+                </a:solidFill>
+              </a14:hiddenFill>
+            </a:ext>
+          </a:extLst>
+        </p:spPr>
+      </p:pic>
+      <p:pic>
+        <p:nvPicPr>
+          <p:cNvPr id="20" name="Picture 19"/>
+          <p:cNvPicPr>
+            <a:picLocks noChangeAspect="1"/>
+          </p:cNvPicPr>
+          <p:nvPr/>
+        </p:nvPicPr>
+        <p:blipFill>
+          <a:blip r:embed="rId10">
+            <a:duotone>
+              <a:schemeClr val="accent4">
+                <a:shade val="45000"/>
+                <a:satMod val="135000"/>
+              </a:schemeClr>
+              <a:prstClr val="white"/>
+            </a:duotone>
+          </a:blip>
+          <a:stretch>
+            <a:fillRect/>
+          </a:stretch>
+        </p:blipFill>
+        <p:spPr>
+          <a:xfrm>
+            <a:off x="3921416" y="4113697"/>
+            <a:ext cx="1196509" cy="1196509"/>
+          </a:xfrm>
+          <a:prstGeom prst="rect">
+            <a:avLst/>
+          </a:prstGeom>
+        </p:spPr>
+      </p:pic>
+      <p:pic>
+        <p:nvPicPr>
+          <p:cNvPr id="21" name="Picture 20"/>
+          <p:cNvPicPr>
+            <a:picLocks noChangeAspect="1"/>
+          </p:cNvPicPr>
+          <p:nvPr/>
+        </p:nvPicPr>
+        <p:blipFill>
+          <a:blip r:embed="rId11">
+            <a:duotone>
+              <a:schemeClr val="bg2">
+                <a:shade val="45000"/>
+                <a:satMod val="135000"/>
+              </a:schemeClr>
+              <a:prstClr val="white"/>
+            </a:duotone>
+          </a:blip>
+          <a:stretch>
+            <a:fillRect/>
+          </a:stretch>
+        </p:blipFill>
+        <p:spPr>
+          <a:xfrm>
+            <a:off x="6148526" y="4083021"/>
+            <a:ext cx="990233" cy="990233"/>
+          </a:xfrm>
+          <a:prstGeom prst="rect">
+            <a:avLst/>
+          </a:prstGeom>
+        </p:spPr>
+      </p:pic>
+      <p:pic>
+        <p:nvPicPr>
+          <p:cNvPr id="22" name="Picture 21"/>
+          <p:cNvPicPr>
+            <a:picLocks noChangeAspect="1"/>
+          </p:cNvPicPr>
+          <p:nvPr/>
+        </p:nvPicPr>
+        <p:blipFill>
+          <a:blip r:embed="rId12">
+            <a:duotone>
+              <a:schemeClr val="accent5">
+                <a:shade val="45000"/>
+                <a:satMod val="135000"/>
+              </a:schemeClr>
+              <a:prstClr val="white"/>
+            </a:duotone>
+          </a:blip>
+          <a:stretch>
+            <a:fillRect/>
+          </a:stretch>
+        </p:blipFill>
+        <p:spPr>
+          <a:xfrm>
+            <a:off x="8195975" y="4134062"/>
+            <a:ext cx="1119701" cy="1119701"/>
+          </a:xfrm>
+          <a:prstGeom prst="rect">
+            <a:avLst/>
+          </a:prstGeom>
+        </p:spPr>
+      </p:pic>
+      <p:sp>
+        <p:nvSpPr>
+          <p:cNvPr id="24" name="TextBox 23"/>
+          <p:cNvSpPr txBox="1"/>
+          <p:nvPr/>
+        </p:nvSpPr>
+        <p:spPr>
+          <a:xfrm>
+            <a:off x="3716967" y="3161604"/>
+            <a:ext cx="1909436" cy="553998"/>
+          </a:xfrm>
+          <a:prstGeom prst="rect">
+            <a:avLst/>
+          </a:prstGeom>
+          <a:noFill/>
+        </p:spPr>
+        <p:txBody>
+          <a:bodyPr wrap="square" rtlCol="0">
+            <a:spAutoFit/>
+          </a:bodyPr>
+          <a:lstStyle/>
+          <a:p>
+            <a:pPr algn="ctr"/>
+            <a:r>
+              <a:rPr lang="en-US" sz="1500" dirty="0">
+                <a:latin typeface="Arial"/>
+                <a:cs typeface="Arial"/>
+              </a:rPr>
+              <a:t>Infectious diseases e.g. Ebola</a:t>
+            </a:r>
+          </a:p>
+        </p:txBody>
+      </p:sp>
+      <p:pic>
+        <p:nvPicPr>
+          <p:cNvPr id="25" name="Picture 24"/>
+          <p:cNvPicPr>
+            <a:picLocks noChangeAspect="1"/>
+          </p:cNvPicPr>
+          <p:nvPr/>
+        </p:nvPicPr>
+        <p:blipFill>
+          <a:blip r:embed="rId13">
+            <a:duotone>
+              <a:schemeClr val="accent1">
+                <a:shade val="45000"/>
+                <a:satMod val="135000"/>
+              </a:schemeClr>
+              <a:prstClr val="white"/>
+            </a:duotone>
+            <a:extLst>
+              <a:ext uri="{BEBA8EAE-BF5A-486C-A8C5-ECC9F3942E4B}">
+                <a14:imgProps xmlns:a14="http://schemas.microsoft.com/office/drawing/2010/main">
+                  <a14:imgLayer r:embed="rId14">
+                    <a14:imgEffect>
+                      <a14:colorTemperature colorTemp="11200"/>
+                    </a14:imgEffect>
+                  </a14:imgLayer>
+                </a14:imgProps>
+              </a:ext>
+            </a:extLst>
+          </a:blip>
+          <a:stretch>
+            <a:fillRect/>
+          </a:stretch>
+        </p:blipFill>
+        <p:spPr>
+          <a:xfrm>
+            <a:off x="7787780" y="1653781"/>
+            <a:ext cx="1729191" cy="1729191"/>
+          </a:xfrm>
+          <a:prstGeom prst="rect">
+            <a:avLst/>
+          </a:prstGeom>
+        </p:spPr>
+      </p:pic>
+      <p:sp>
+        <p:nvSpPr>
+          <p:cNvPr id="27" name="TextBox 26"/>
+          <p:cNvSpPr txBox="1"/>
+          <p:nvPr/>
+        </p:nvSpPr>
+        <p:spPr>
+          <a:xfrm>
+            <a:off x="5711683" y="3175715"/>
+            <a:ext cx="1909436" cy="553998"/>
+          </a:xfrm>
+          <a:prstGeom prst="rect">
+            <a:avLst/>
+          </a:prstGeom>
+          <a:noFill/>
+        </p:spPr>
+        <p:txBody>
+          <a:bodyPr wrap="square" rtlCol="0">
+            <a:spAutoFit/>
+          </a:bodyPr>
+          <a:lstStyle/>
+          <a:p>
+            <a:pPr algn="ctr"/>
+            <a:r>
+              <a:rPr lang="en-US" sz="1500" dirty="0">
+                <a:latin typeface="Arial"/>
+                <a:cs typeface="Arial"/>
+              </a:rPr>
+              <a:t>Vaccination campaigns</a:t>
+            </a:r>
+          </a:p>
+        </p:txBody>
+      </p:sp>
+      <p:sp>
+        <p:nvSpPr>
+          <p:cNvPr id="28" name="TextBox 27"/>
+          <p:cNvSpPr txBox="1"/>
+          <p:nvPr/>
+        </p:nvSpPr>
+        <p:spPr>
+          <a:xfrm>
+            <a:off x="7635231" y="3175715"/>
+            <a:ext cx="2123139" cy="553998"/>
+          </a:xfrm>
+          <a:prstGeom prst="rect">
+            <a:avLst/>
+          </a:prstGeom>
+          <a:noFill/>
+        </p:spPr>
+        <p:txBody>
+          <a:bodyPr wrap="square" rtlCol="0">
+            <a:spAutoFit/>
+          </a:bodyPr>
+          <a:lstStyle/>
+          <a:p>
+            <a:pPr algn="ctr"/>
+            <a:r>
+              <a:rPr lang="en-US" sz="1500" dirty="0">
+                <a:latin typeface="Arial"/>
+                <a:cs typeface="Arial"/>
+              </a:rPr>
+              <a:t>Waterborne diseases e.g. cholera</a:t>
+            </a:r>
+          </a:p>
+        </p:txBody>
+      </p:sp>
+      <p:sp>
+        <p:nvSpPr>
+          <p:cNvPr id="29" name="TextBox 28"/>
+          <p:cNvSpPr txBox="1"/>
+          <p:nvPr/>
+        </p:nvSpPr>
+        <p:spPr>
+          <a:xfrm>
+            <a:off x="1434782" y="5394873"/>
+            <a:ext cx="2123139" cy="323165"/>
+          </a:xfrm>
+          <a:prstGeom prst="rect">
+            <a:avLst/>
+          </a:prstGeom>
+          <a:noFill/>
+        </p:spPr>
+        <p:txBody>
+          <a:bodyPr wrap="square" rtlCol="0">
+            <a:spAutoFit/>
+          </a:bodyPr>
+          <a:lstStyle/>
+          <a:p>
+            <a:pPr algn="ctr"/>
+            <a:r>
+              <a:rPr lang="en-US" sz="1500" dirty="0">
+                <a:latin typeface="Arial"/>
+                <a:cs typeface="Arial"/>
+              </a:rPr>
+              <a:t>Malnutrition</a:t>
+            </a:r>
+          </a:p>
+        </p:txBody>
+      </p:sp>
+      <p:sp>
+        <p:nvSpPr>
+          <p:cNvPr id="30" name="TextBox 29"/>
+          <p:cNvSpPr txBox="1"/>
+          <p:nvPr/>
+        </p:nvSpPr>
+        <p:spPr>
+          <a:xfrm>
+            <a:off x="3529699" y="5406163"/>
+            <a:ext cx="2123139" cy="323165"/>
+          </a:xfrm>
+          <a:prstGeom prst="rect">
+            <a:avLst/>
+          </a:prstGeom>
+          <a:noFill/>
+        </p:spPr>
+        <p:txBody>
+          <a:bodyPr wrap="square" rtlCol="0">
+            <a:spAutoFit/>
+          </a:bodyPr>
+          <a:lstStyle/>
+          <a:p>
+            <a:pPr algn="ctr"/>
+            <a:r>
+              <a:rPr lang="en-US" sz="1500" dirty="0">
+                <a:latin typeface="Arial"/>
+                <a:cs typeface="Arial"/>
+              </a:rPr>
+              <a:t>Earthquakes</a:t>
+            </a:r>
+          </a:p>
+        </p:txBody>
+      </p:sp>
+      <p:sp>
+        <p:nvSpPr>
+          <p:cNvPr id="31" name="TextBox 30"/>
+          <p:cNvSpPr txBox="1"/>
+          <p:nvPr/>
+        </p:nvSpPr>
+        <p:spPr>
+          <a:xfrm>
+            <a:off x="5584685" y="5406163"/>
+            <a:ext cx="2123139" cy="323165"/>
+          </a:xfrm>
+          <a:prstGeom prst="rect">
+            <a:avLst/>
+          </a:prstGeom>
+          <a:noFill/>
+        </p:spPr>
+        <p:txBody>
+          <a:bodyPr wrap="square" rtlCol="0">
+            <a:spAutoFit/>
+          </a:bodyPr>
+          <a:lstStyle/>
+          <a:p>
+            <a:pPr algn="ctr"/>
+            <a:r>
+              <a:rPr lang="en-US" sz="1500" dirty="0">
+                <a:latin typeface="Arial"/>
+                <a:cs typeface="Arial"/>
+              </a:rPr>
+              <a:t>Hurricanes</a:t>
+            </a:r>
+          </a:p>
+        </p:txBody>
+      </p:sp>
+      <p:sp>
+        <p:nvSpPr>
+          <p:cNvPr id="32" name="TextBox 31"/>
+          <p:cNvSpPr txBox="1"/>
+          <p:nvPr/>
+        </p:nvSpPr>
+        <p:spPr>
+          <a:xfrm>
+            <a:off x="7694256" y="5394873"/>
+            <a:ext cx="2123139" cy="323165"/>
+          </a:xfrm>
+          <a:prstGeom prst="rect">
+            <a:avLst/>
+          </a:prstGeom>
+          <a:noFill/>
+        </p:spPr>
+        <p:txBody>
+          <a:bodyPr wrap="square" rtlCol="0">
+            <a:spAutoFit/>
+          </a:bodyPr>
+          <a:lstStyle/>
+          <a:p>
+            <a:pPr algn="ctr"/>
+            <a:r>
+              <a:rPr lang="en-US" sz="1500" dirty="0">
+                <a:latin typeface="Arial"/>
+                <a:cs typeface="Arial"/>
+              </a:rPr>
+              <a:t>Flooding</a:t>
+            </a:r>
+          </a:p>
+        </p:txBody>
+      </p:sp>
+      <p:sp>
+        <p:nvSpPr>
+          <p:cNvPr id="33" name="TextBox 32"/>
+          <p:cNvSpPr txBox="1"/>
+          <p:nvPr/>
+        </p:nvSpPr>
+        <p:spPr>
+          <a:xfrm>
+            <a:off x="1515705" y="3174452"/>
+            <a:ext cx="1909436" cy="553998"/>
+          </a:xfrm>
+          <a:prstGeom prst="rect">
+            <a:avLst/>
+          </a:prstGeom>
+          <a:noFill/>
+        </p:spPr>
+        <p:txBody>
+          <a:bodyPr wrap="square" rtlCol="0">
+            <a:spAutoFit/>
+          </a:bodyPr>
+          <a:lstStyle/>
+          <a:p>
+            <a:pPr algn="ctr"/>
+            <a:r>
+              <a:rPr lang="en-US" sz="1500" dirty="0">
+                <a:latin typeface="Arial"/>
+                <a:cs typeface="Arial"/>
+              </a:rPr>
+              <a:t>Medical supplies</a:t>
+            </a:r>
+          </a:p>
+          <a:p>
+            <a:pPr algn="ctr"/>
+            <a:r>
+              <a:rPr lang="en-US" sz="1500" dirty="0">
+                <a:latin typeface="Arial"/>
+                <a:cs typeface="Arial"/>
+              </a:rPr>
+              <a:t>+ logistics</a:t>
+            </a:r>
+          </a:p>
+        </p:txBody>
+      </p:sp>
+      <p:pic>
+        <p:nvPicPr>
+          <p:cNvPr id="2" name="Picture 1" descr="logo.png"/>
+          <p:cNvPicPr>
+            <a:picLocks noChangeAspect="1"/>
+          </p:cNvPicPr>
+          <p:nvPr/>
+        </p:nvPicPr>
+        <p:blipFill>
+          <a:blip r:embed="rId15">
+            <a:extLst>
+              <a:ext uri="{28A0092B-C50C-407E-A947-70E740481C1C}">
+                <a14:useLocalDpi xmlns:a14="http://schemas.microsoft.com/office/drawing/2010/main" val="0"/>
+              </a:ext>
+            </a:extLst>
+          </a:blip>
+          <a:stretch>
+            <a:fillRect/>
+          </a:stretch>
+        </p:blipFill>
+        <p:spPr>
+          <a:xfrm>
+            <a:off x="2735482" y="6135618"/>
+            <a:ext cx="1949206" cy="451554"/>
+          </a:xfrm>
+          <a:prstGeom prst="rect">
+            <a:avLst/>
+          </a:prstGeom>
+        </p:spPr>
+      </p:pic>
+      <p:pic>
+        <p:nvPicPr>
+          <p:cNvPr id="35" name="Picture 34">
+            <a:extLst>
+              <a:ext uri="{FF2B5EF4-FFF2-40B4-BE49-F238E27FC236}">
+                <a16:creationId xmlns:a16="http://schemas.microsoft.com/office/drawing/2014/main" id="{CD138FA8-4553-42B4-A26C-231A58F22929}"/>
+              </a:ext>
+            </a:extLst>
+          </p:cNvPr>
+          <p:cNvPicPr>
+            <a:picLocks noChangeAspect="1"/>
+          </p:cNvPicPr>
+          <p:nvPr/>
+        </p:nvPicPr>
+        <p:blipFill rotWithShape="1">
+          <a:blip r:embed="rId16">
+            <a:extLst>
+              <a:ext uri="{28A0092B-C50C-407E-A947-70E740481C1C}">
+                <a14:useLocalDpi xmlns:a14="http://schemas.microsoft.com/office/drawing/2010/main" val="0"/>
+              </a:ext>
+            </a:extLst>
+          </a:blip>
+          <a:srcRect r="63392"/>
+          <a:stretch/>
+        </p:blipFill>
+        <p:spPr>
+          <a:xfrm>
+            <a:off x="10333703" y="235415"/>
+            <a:ext cx="1430593" cy="1549153"/>
+          </a:xfrm>
+          <a:prstGeom prst="rect">
+            <a:avLst/>
+          </a:prstGeom>
+        </p:spPr>
+      </p:pic>
+    </p:spTree>
+    <p:extLst>
+      <p:ext uri="{BB962C8B-B14F-4D97-AF65-F5344CB8AC3E}">
+        <p14:creationId xmlns:p14="http://schemas.microsoft.com/office/powerpoint/2010/main" val="306018293"/>
+      </p:ext>
+    </p:extLst>
+  </p:cSld>
+  <p:clrMapOvr>
+    <a:masterClrMapping/>
+  </p:clrMapOvr>
+</p:sld>
+</file>
+
+<file path=ppt/slides/slide9.xml><?xml version="1.0" encoding="utf-8"?>
+<p:sld xmlns:a="http://schemas.openxmlformats.org/drawingml/2006/main" xmlns:r="http://schemas.openxmlformats.org/officeDocument/2006/relationships" xmlns:p="http://schemas.openxmlformats.org/presentationml/2006/main">
+  <p:cSld>
+    <p:spTree>
+      <p:nvGrpSpPr>
+        <p:cNvPr id="1" name=""/>
+        <p:cNvGrpSpPr/>
+        <p:nvPr/>
+      </p:nvGrpSpPr>
+      <p:grpSpPr>
+        <a:xfrm>
+          <a:off x="0" y="0"/>
+          <a:ext cx="0" cy="0"/>
+          <a:chOff x="0" y="0"/>
+          <a:chExt cx="0" cy="0"/>
+        </a:xfrm>
+      </p:grpSpPr>
+      <p:pic>
+        <p:nvPicPr>
+          <p:cNvPr id="3" name="Picture 2">
+            <a:extLst>
+              <a:ext uri="{FF2B5EF4-FFF2-40B4-BE49-F238E27FC236}">
+                <a16:creationId xmlns:a16="http://schemas.microsoft.com/office/drawing/2014/main" id="{CBC649B3-3A9D-4B68-A492-41F0F133A5D8}"/>
+              </a:ext>
+            </a:extLst>
+          </p:cNvPr>
+          <p:cNvPicPr>
+            <a:picLocks noChangeAspect="1"/>
+          </p:cNvPicPr>
+          <p:nvPr/>
+        </p:nvPicPr>
+        <p:blipFill>
+          <a:blip r:embed="rId3"/>
+          <a:stretch>
+            <a:fillRect/>
+          </a:stretch>
+        </p:blipFill>
+        <p:spPr>
+          <a:xfrm>
+            <a:off x="1148315" y="3157203"/>
+            <a:ext cx="4004932" cy="3331213"/>
+          </a:xfrm>
+          <a:prstGeom prst="rect">
+            <a:avLst/>
+          </a:prstGeom>
+        </p:spPr>
+      </p:pic>
+      <p:sp>
+        <p:nvSpPr>
+          <p:cNvPr id="15" name="TextBox 14"/>
+          <p:cNvSpPr txBox="1"/>
+          <p:nvPr/>
+        </p:nvSpPr>
+        <p:spPr>
+          <a:xfrm>
+            <a:off x="704822" y="1427163"/>
+            <a:ext cx="9564972" cy="1538883"/>
+          </a:xfrm>
+          <a:prstGeom prst="rect">
+            <a:avLst/>
+          </a:prstGeom>
+          <a:noFill/>
+        </p:spPr>
+        <p:txBody>
+          <a:bodyPr wrap="square" rtlCol="0">
+            <a:spAutoFit/>
+          </a:bodyPr>
+          <a:lstStyle/>
+          <a:p>
+            <a:pPr>
+              <a:spcAft>
+                <a:spcPts val="1800"/>
+              </a:spcAft>
+              <a:buClr>
+                <a:schemeClr val="accent2"/>
+              </a:buClr>
+            </a:pPr>
+            <a:r>
+              <a:rPr lang="en-GB" sz="1600" dirty="0">
+                <a:latin typeface="Segoe UI" panose="020B0502040204020203" pitchFamily="34" charset="0"/>
+                <a:cs typeface="Segoe UI" panose="020B0502040204020203" pitchFamily="34" charset="0"/>
+              </a:rPr>
+              <a:t>This is a thriving trading city of 120,000 people – mapped in just one evening by 70 people!</a:t>
+            </a:r>
+          </a:p>
+          <a:p>
+            <a:pPr>
+              <a:spcAft>
+                <a:spcPts val="1800"/>
+              </a:spcAft>
+              <a:buClr>
+                <a:schemeClr val="accent2"/>
+              </a:buClr>
+            </a:pPr>
+            <a:r>
+              <a:rPr lang="en-GB" sz="1600" dirty="0">
+                <a:latin typeface="Segoe UI" panose="020B0502040204020203" pitchFamily="34" charset="0"/>
+                <a:cs typeface="Segoe UI" panose="020B0502040204020203" pitchFamily="34" charset="0"/>
+              </a:rPr>
+              <a:t>Bing maps still (to this date) shows no buildings in the area, whereas Open Street Map has thousands of buildings on an open source platform for all NGOs to use.</a:t>
+            </a:r>
+          </a:p>
+          <a:p>
+            <a:pPr>
+              <a:spcAft>
+                <a:spcPts val="1800"/>
+              </a:spcAft>
+              <a:buClr>
+                <a:schemeClr val="accent2"/>
+              </a:buClr>
+            </a:pPr>
+            <a:r>
+              <a:rPr lang="en-GB" sz="1600" dirty="0">
+                <a:latin typeface="Segoe UI" panose="020B0502040204020203" pitchFamily="34" charset="0"/>
+                <a:cs typeface="Segoe UI" panose="020B0502040204020203" pitchFamily="34" charset="0"/>
+              </a:rPr>
+              <a:t>To see the below for yourself and zoom in to see the individual buildings mapped, click </a:t>
+            </a:r>
+            <a:r>
+              <a:rPr lang="en-GB" sz="1600" dirty="0">
+                <a:latin typeface="Segoe UI" panose="020B0502040204020203" pitchFamily="34" charset="0"/>
+                <a:cs typeface="Segoe UI" panose="020B0502040204020203" pitchFamily="34" charset="0"/>
+                <a:hlinkClick r:id="rId4"/>
+              </a:rPr>
+              <a:t>here</a:t>
+            </a:r>
+            <a:endParaRPr lang="en-GB" sz="1600" dirty="0">
+              <a:latin typeface="Segoe UI" panose="020B0502040204020203" pitchFamily="34" charset="0"/>
+              <a:cs typeface="Segoe UI" panose="020B0502040204020203" pitchFamily="34" charset="0"/>
+            </a:endParaRPr>
+          </a:p>
+        </p:txBody>
+      </p:sp>
+      <p:pic>
+        <p:nvPicPr>
+          <p:cNvPr id="16" name="Content Placeholder 2"/>
+          <p:cNvPicPr>
+            <a:picLocks noChangeAspect="1"/>
+          </p:cNvPicPr>
+          <p:nvPr/>
+        </p:nvPicPr>
+        <p:blipFill rotWithShape="1">
+          <a:blip r:embed="rId5" cstate="screen">
+            <a:extLst>
+              <a:ext uri="{28A0092B-C50C-407E-A947-70E740481C1C}">
+                <a14:useLocalDpi xmlns:a14="http://schemas.microsoft.com/office/drawing/2010/main"/>
+              </a:ext>
+            </a:extLst>
+          </a:blip>
+          <a:srcRect/>
+          <a:stretch/>
+        </p:blipFill>
+        <p:spPr>
+          <a:xfrm>
+            <a:off x="6580959" y="3121184"/>
+            <a:ext cx="4129120" cy="3403252"/>
+          </a:xfrm>
+          <a:prstGeom prst="rect">
+            <a:avLst/>
+          </a:prstGeom>
+        </p:spPr>
+      </p:pic>
+      <p:sp>
+        <p:nvSpPr>
+          <p:cNvPr id="18" name="TextBox 17"/>
+          <p:cNvSpPr txBox="1"/>
+          <p:nvPr/>
+        </p:nvSpPr>
+        <p:spPr>
+          <a:xfrm>
+            <a:off x="3754643" y="5261302"/>
+            <a:ext cx="1398604" cy="769441"/>
+          </a:xfrm>
+          <a:prstGeom prst="rect">
+            <a:avLst/>
+          </a:prstGeom>
+          <a:noFill/>
+        </p:spPr>
+        <p:txBody>
+          <a:bodyPr wrap="square" rtlCol="0">
+            <a:spAutoFit/>
+          </a:bodyPr>
+          <a:lstStyle/>
+          <a:p>
+            <a:r>
+              <a:rPr lang="en-GB" sz="2200" dirty="0"/>
+              <a:t>Bing Maps Now</a:t>
+            </a:r>
+          </a:p>
+        </p:txBody>
+      </p:sp>
+      <p:sp>
+        <p:nvSpPr>
+          <p:cNvPr id="19" name="TextBox 18"/>
+          <p:cNvSpPr txBox="1"/>
+          <p:nvPr/>
+        </p:nvSpPr>
+        <p:spPr>
+          <a:xfrm>
+            <a:off x="9164631" y="4934481"/>
+            <a:ext cx="1398604" cy="1446550"/>
+          </a:xfrm>
+          <a:prstGeom prst="rect">
+            <a:avLst/>
+          </a:prstGeom>
+          <a:noFill/>
+        </p:spPr>
+        <p:txBody>
+          <a:bodyPr wrap="square" rtlCol="0">
+            <a:spAutoFit/>
+          </a:bodyPr>
+          <a:lstStyle/>
+          <a:p>
+            <a:r>
+              <a:rPr lang="en-GB" sz="2200" dirty="0"/>
+              <a:t>Open Street Map</a:t>
+            </a:r>
+          </a:p>
+          <a:p>
+            <a:r>
+              <a:rPr lang="en-GB" sz="2200" dirty="0"/>
+              <a:t>Now</a:t>
+            </a:r>
+          </a:p>
+        </p:txBody>
+      </p:sp>
+      <p:sp>
+        <p:nvSpPr>
+          <p:cNvPr id="12" name="TextBox 11">
+            <a:extLst>
+              <a:ext uri="{FF2B5EF4-FFF2-40B4-BE49-F238E27FC236}">
+                <a16:creationId xmlns:a16="http://schemas.microsoft.com/office/drawing/2014/main" id="{EE0F01D1-9CE6-4210-83B3-43CC706D6E64}"/>
+              </a:ext>
+            </a:extLst>
+          </p:cNvPr>
+          <p:cNvSpPr txBox="1"/>
+          <p:nvPr/>
+        </p:nvSpPr>
+        <p:spPr>
+          <a:xfrm>
+            <a:off x="575187" y="441028"/>
+            <a:ext cx="9581536" cy="830997"/>
+          </a:xfrm>
+          <a:prstGeom prst="rect">
+            <a:avLst/>
+          </a:prstGeom>
+          <a:noFill/>
+        </p:spPr>
+        <p:txBody>
+          <a:bodyPr wrap="square" rtlCol="0">
+            <a:spAutoFit/>
+          </a:bodyPr>
+          <a:lstStyle/>
+          <a:p>
+            <a:r>
+              <a:rPr lang="en-US" sz="4800" dirty="0">
+                <a:latin typeface="Segoe UI Semibold" panose="020B0702040204020203" pitchFamily="34" charset="0"/>
+                <a:ea typeface="Segoe UI Black" panose="020B0A02040204020203" pitchFamily="34" charset="0"/>
+                <a:cs typeface="Segoe UI Semibold" panose="020B0702040204020203" pitchFamily="34" charset="0"/>
+              </a:rPr>
+              <a:t>The impact of </a:t>
+            </a:r>
+            <a:r>
+              <a:rPr lang="en-US" sz="4800" dirty="0" err="1">
+                <a:latin typeface="Segoe UI Semibold" panose="020B0702040204020203" pitchFamily="34" charset="0"/>
+                <a:ea typeface="Segoe UI Black" panose="020B0A02040204020203" pitchFamily="34" charset="0"/>
+                <a:cs typeface="Segoe UI Semibold" panose="020B0702040204020203" pitchFamily="34" charset="0"/>
+              </a:rPr>
+              <a:t>mapathons</a:t>
+            </a:r>
+            <a:endParaRPr lang="en-US" sz="4800" dirty="0">
+              <a:latin typeface="Segoe UI Semibold" panose="020B0702040204020203" pitchFamily="34" charset="0"/>
+              <a:ea typeface="Segoe UI Black" panose="020B0A02040204020203" pitchFamily="34" charset="0"/>
+              <a:cs typeface="Segoe UI Semibold" panose="020B0702040204020203" pitchFamily="34" charset="0"/>
+            </a:endParaRPr>
+          </a:p>
+        </p:txBody>
+      </p:sp>
+      <p:pic>
+        <p:nvPicPr>
+          <p:cNvPr id="14" name="Picture 13">
+            <a:extLst>
+              <a:ext uri="{FF2B5EF4-FFF2-40B4-BE49-F238E27FC236}">
+                <a16:creationId xmlns:a16="http://schemas.microsoft.com/office/drawing/2014/main" id="{F926E6A1-E651-4821-B3BA-BD89E6E23D38}"/>
+              </a:ext>
+            </a:extLst>
+          </p:cNvPr>
+          <p:cNvPicPr>
+            <a:picLocks noChangeAspect="1"/>
+          </p:cNvPicPr>
+          <p:nvPr/>
+        </p:nvPicPr>
+        <p:blipFill rotWithShape="1">
+          <a:blip r:embed="rId6">
+            <a:extLst>
+              <a:ext uri="{28A0092B-C50C-407E-A947-70E740481C1C}">
+                <a14:useLocalDpi xmlns:a14="http://schemas.microsoft.com/office/drawing/2010/main" val="0"/>
+              </a:ext>
+            </a:extLst>
+          </a:blip>
+          <a:srcRect r="63392"/>
+          <a:stretch/>
+        </p:blipFill>
+        <p:spPr>
+          <a:xfrm>
+            <a:off x="10333703" y="235415"/>
+            <a:ext cx="1430593" cy="1549153"/>
+          </a:xfrm>
+          <a:prstGeom prst="rect">
+            <a:avLst/>
+          </a:prstGeom>
+        </p:spPr>
+      </p:pic>
+    </p:spTree>
+    <p:extLst>
+      <p:ext uri="{BB962C8B-B14F-4D97-AF65-F5344CB8AC3E}">
+        <p14:creationId xmlns:p14="http://schemas.microsoft.com/office/powerpoint/2010/main" val="1447857538"/>
       </p:ext>
     </p:extLst>
   </p:cSld>
@@ -7888,12 +8841,9 @@
 </file>
 
 <file path=customXml/item1.xml><?xml version="1.0" encoding="utf-8"?>
-<?mso-contentType ?>
-<FormTemplates xmlns="http://schemas.microsoft.com/sharepoint/v3/contenttype/forms">
-  <Display>DocumentLibraryForm</Display>
-  <Edit>DocumentLibraryForm</Edit>
-  <New>DocumentLibraryForm</New>
-</FormTemplates>
+<p:properties xmlns:p="http://schemas.microsoft.com/office/2006/metadata/properties" xmlns:xsi="http://www.w3.org/2001/XMLSchema-instance" xmlns:pc="http://schemas.microsoft.com/office/infopath/2007/PartnerControls">
+  <documentManagement/>
+</p:properties>
 </file>
 
 <file path=customXml/item2.xml><?xml version="1.0" encoding="utf-8"?>
@@ -8051,15 +9001,26 @@
 </file>
 
 <file path=customXml/item3.xml><?xml version="1.0" encoding="utf-8"?>
-<p:properties xmlns:p="http://schemas.microsoft.com/office/2006/metadata/properties" xmlns:xsi="http://www.w3.org/2001/XMLSchema-instance" xmlns:pc="http://schemas.microsoft.com/office/infopath/2007/PartnerControls">
-  <documentManagement/>
-</p:properties>
+<?mso-contentType ?>
+<FormTemplates xmlns="http://schemas.microsoft.com/sharepoint/v3/contenttype/forms">
+  <Display>DocumentLibraryForm</Display>
+  <Edit>DocumentLibraryForm</Edit>
+  <New>DocumentLibraryForm</New>
+</FormTemplates>
 </file>
 
 <file path=customXml/itemProps1.xml><?xml version="1.0" encoding="utf-8"?>
-<ds:datastoreItem xmlns:ds="http://schemas.openxmlformats.org/officeDocument/2006/customXml" ds:itemID="{EE69F62E-A317-4077-8B87-977A49461570}">
+<ds:datastoreItem xmlns:ds="http://schemas.openxmlformats.org/officeDocument/2006/customXml" ds:itemID="{4A6C026E-EBC2-49E5-B0A2-A664C665DCA3}">
   <ds:schemaRefs>
-    <ds:schemaRef ds:uri="http://schemas.microsoft.com/sharepoint/v3/contenttype/forms"/>
+    <ds:schemaRef ds:uri="http://schemas.microsoft.com/office/2006/metadata/properties"/>
+    <ds:schemaRef ds:uri="http://purl.org/dc/terms/"/>
+    <ds:schemaRef ds:uri="87192c5e-a5f1-44e2-a731-84a3412e7fee"/>
+    <ds:schemaRef ds:uri="http://schemas.microsoft.com/office/2006/documentManagement/types"/>
+    <ds:schemaRef ds:uri="http://schemas.microsoft.com/office/infopath/2007/PartnerControls"/>
+    <ds:schemaRef ds:uri="http://purl.org/dc/elements/1.1/"/>
+    <ds:schemaRef ds:uri="http://schemas.openxmlformats.org/package/2006/metadata/core-properties"/>
+    <ds:schemaRef ds:uri="http://www.w3.org/XML/1998/namespace"/>
+    <ds:schemaRef ds:uri="http://purl.org/dc/dcmitype/"/>
   </ds:schemaRefs>
 </ds:datastoreItem>
 </file>
@@ -8083,17 +9044,9 @@
 </file>
 
 <file path=customXml/itemProps3.xml><?xml version="1.0" encoding="utf-8"?>
-<ds:datastoreItem xmlns:ds="http://schemas.openxmlformats.org/officeDocument/2006/customXml" ds:itemID="{4A6C026E-EBC2-49E5-B0A2-A664C665DCA3}">
+<ds:datastoreItem xmlns:ds="http://schemas.openxmlformats.org/officeDocument/2006/customXml" ds:itemID="{EE69F62E-A317-4077-8B87-977A49461570}">
   <ds:schemaRefs>
-    <ds:schemaRef ds:uri="http://schemas.microsoft.com/office/2006/documentManagement/types"/>
-    <ds:schemaRef ds:uri="http://schemas.microsoft.com/office/2006/metadata/properties"/>
-    <ds:schemaRef ds:uri="http://purl.org/dc/terms/"/>
-    <ds:schemaRef ds:uri="87192c5e-a5f1-44e2-a731-84a3412e7fee"/>
-    <ds:schemaRef ds:uri="http://purl.org/dc/dcmitype/"/>
-    <ds:schemaRef ds:uri="http://schemas.microsoft.com/office/infopath/2007/PartnerControls"/>
-    <ds:schemaRef ds:uri="http://schemas.openxmlformats.org/package/2006/metadata/core-properties"/>
-    <ds:schemaRef ds:uri="http://www.w3.org/XML/1998/namespace"/>
-    <ds:schemaRef ds:uri="http://purl.org/dc/elements/1.1/"/>
+    <ds:schemaRef ds:uri="http://schemas.microsoft.com/sharepoint/v3/contenttype/forms"/>
   </ds:schemaRefs>
 </ds:datastoreItem>
 </file>